--- a/Mod_Lineales_Examen_a_casa_v1.pptx
+++ b/Mod_Lineales_Examen_a_casa_v1.pptx
@@ -5,13 +5,18 @@
     <p:sldMasterId id="2147483660" r:id="rId1"/>
   </p:sldMasterIdLst>
   <p:notesMasterIdLst>
-    <p:notesMasterId r:id="rId6"/>
+    <p:notesMasterId r:id="rId11"/>
   </p:notesMasterIdLst>
   <p:sldIdLst>
     <p:sldId id="5873" r:id="rId2"/>
     <p:sldId id="5875" r:id="rId3"/>
     <p:sldId id="5879" r:id="rId4"/>
-    <p:sldId id="5880" r:id="rId5"/>
+    <p:sldId id="5881" r:id="rId5"/>
+    <p:sldId id="5880" r:id="rId6"/>
+    <p:sldId id="5882" r:id="rId7"/>
+    <p:sldId id="5885" r:id="rId8"/>
+    <p:sldId id="5886" r:id="rId9"/>
+    <p:sldId id="5883" r:id="rId10"/>
   </p:sldIdLst>
   <p:sldSz cx="12192000" cy="6858000"/>
   <p:notesSz cx="6858000" cy="9144000"/>
@@ -113,7 +118,7 @@
   <p:extLst>
     <p:ext uri="{EFAFB233-063F-42B5-8137-9DF3F51BA10A}">
       <p15:sldGuideLst xmlns:p15="http://schemas.microsoft.com/office/powerpoint/2012/main">
-        <p15:guide id="1" orient="horz" pos="2160" userDrawn="1">
+        <p15:guide id="1" orient="horz" pos="2136" userDrawn="1">
           <p15:clr>
             <a:srgbClr val="A4A3A4"/>
           </p15:clr>
@@ -211,7 +216,7 @@
           <a:p>
             <a:fld id="{3403F07F-0782-4A5D-9DE6-4B439A9337B6}" type="datetimeFigureOut">
               <a:rPr lang="es-MX" smtClean="0"/>
-              <a:t>27/11/2023</a:t>
+              <a:t>28/11/2023</a:t>
             </a:fld>
             <a:endParaRPr lang="es-MX"/>
           </a:p>
@@ -477,6 +482,529 @@
     </a:lvl9pPr>
   </p:notesStyle>
 </p:notesMaster>
+</file>
+
+<file path=ppt/notesSlides/notesSlide1.xml><?xml version="1.0" encoding="utf-8"?>
+<p:notes xmlns:a="http://schemas.openxmlformats.org/drawingml/2006/main" xmlns:r="http://schemas.openxmlformats.org/officeDocument/2006/relationships" xmlns:p="http://schemas.openxmlformats.org/presentationml/2006/main">
+  <p:cSld>
+    <p:spTree>
+      <p:nvGrpSpPr>
+        <p:cNvPr id="1" name=""/>
+        <p:cNvGrpSpPr/>
+        <p:nvPr/>
+      </p:nvGrpSpPr>
+      <p:grpSpPr>
+        <a:xfrm>
+          <a:off x="0" y="0"/>
+          <a:ext cx="0" cy="0"/>
+          <a:chOff x="0" y="0"/>
+          <a:chExt cx="0" cy="0"/>
+        </a:xfrm>
+      </p:grpSpPr>
+      <p:sp>
+        <p:nvSpPr>
+          <p:cNvPr id="2" name="Slide Image Placeholder 1"/>
+          <p:cNvSpPr>
+            <a:spLocks noGrp="1" noRot="1" noChangeAspect="1"/>
+          </p:cNvSpPr>
+          <p:nvPr>
+            <p:ph type="sldImg"/>
+          </p:nvPr>
+        </p:nvSpPr>
+        <p:spPr/>
+      </p:sp>
+      <p:sp>
+        <p:nvSpPr>
+          <p:cNvPr id="3" name="Notes Placeholder 2"/>
+          <p:cNvSpPr>
+            <a:spLocks noGrp="1"/>
+          </p:cNvSpPr>
+          <p:nvPr>
+            <p:ph type="body" idx="1"/>
+          </p:nvPr>
+        </p:nvSpPr>
+        <p:spPr/>
+        <p:txBody>
+          <a:bodyPr/>
+          <a:lstStyle/>
+          <a:p>
+            <a:endParaRPr lang="es-MX" dirty="0"/>
+          </a:p>
+        </p:txBody>
+      </p:sp>
+      <p:sp>
+        <p:nvSpPr>
+          <p:cNvPr id="4" name="Slide Number Placeholder 3"/>
+          <p:cNvSpPr>
+            <a:spLocks noGrp="1"/>
+          </p:cNvSpPr>
+          <p:nvPr>
+            <p:ph type="sldNum" sz="quarter" idx="5"/>
+          </p:nvPr>
+        </p:nvSpPr>
+        <p:spPr/>
+        <p:txBody>
+          <a:bodyPr/>
+          <a:lstStyle/>
+          <a:p>
+            <a:fld id="{ECECFD69-5CF0-4C25-BF49-DC0CB7221DAA}" type="slidenum">
+              <a:rPr lang="es-MX" smtClean="0"/>
+              <a:t>4</a:t>
+            </a:fld>
+            <a:endParaRPr lang="es-MX"/>
+          </a:p>
+        </p:txBody>
+      </p:sp>
+    </p:spTree>
+    <p:extLst>
+      <p:ext uri="{BB962C8B-B14F-4D97-AF65-F5344CB8AC3E}">
+        <p14:creationId xmlns:p14="http://schemas.microsoft.com/office/powerpoint/2010/main" val="1369009357"/>
+      </p:ext>
+    </p:extLst>
+  </p:cSld>
+  <p:clrMapOvr>
+    <a:masterClrMapping/>
+  </p:clrMapOvr>
+</p:notes>
+</file>
+
+<file path=ppt/notesSlides/notesSlide2.xml><?xml version="1.0" encoding="utf-8"?>
+<p:notes xmlns:a="http://schemas.openxmlformats.org/drawingml/2006/main" xmlns:r="http://schemas.openxmlformats.org/officeDocument/2006/relationships" xmlns:p="http://schemas.openxmlformats.org/presentationml/2006/main">
+  <p:cSld>
+    <p:spTree>
+      <p:nvGrpSpPr>
+        <p:cNvPr id="1" name=""/>
+        <p:cNvGrpSpPr/>
+        <p:nvPr/>
+      </p:nvGrpSpPr>
+      <p:grpSpPr>
+        <a:xfrm>
+          <a:off x="0" y="0"/>
+          <a:ext cx="0" cy="0"/>
+          <a:chOff x="0" y="0"/>
+          <a:chExt cx="0" cy="0"/>
+        </a:xfrm>
+      </p:grpSpPr>
+      <p:sp>
+        <p:nvSpPr>
+          <p:cNvPr id="2" name="Slide Image Placeholder 1"/>
+          <p:cNvSpPr>
+            <a:spLocks noGrp="1" noRot="1" noChangeAspect="1"/>
+          </p:cNvSpPr>
+          <p:nvPr>
+            <p:ph type="sldImg"/>
+          </p:nvPr>
+        </p:nvSpPr>
+        <p:spPr/>
+      </p:sp>
+      <p:sp>
+        <p:nvSpPr>
+          <p:cNvPr id="3" name="Notes Placeholder 2"/>
+          <p:cNvSpPr>
+            <a:spLocks noGrp="1"/>
+          </p:cNvSpPr>
+          <p:nvPr>
+            <p:ph type="body" idx="1"/>
+          </p:nvPr>
+        </p:nvSpPr>
+        <p:spPr/>
+        <p:txBody>
+          <a:bodyPr/>
+          <a:lstStyle/>
+          <a:p>
+            <a:r>
+              <a:rPr lang="es-MX" dirty="0" err="1"/>
+              <a:t>Ins</a:t>
+            </a:r>
+            <a:r>
+              <a:rPr lang="es-MX" dirty="0"/>
+              <a:t> sesgado: Un estimador se considera insesgado si su valor esperado es igual al parámetro que está estimando. Es decir, en promedio, el estimador no sobreestima ni subestima el parámetro. Un estimador insesgado es deseable porque tiende a acercarse al valor real del parámetro a medida que el tamaño de la muestra aumenta</a:t>
+            </a:r>
+          </a:p>
+          <a:p>
+            <a:r>
+              <a:rPr lang="es-MX" dirty="0"/>
+              <a:t>Consistente: Un estimador se considera consistente si converge al valor del parámetro que está estimando a medida que el tamaño de la muestra tiende a infinito. En otras palabras, a medida que se tienen más datos, el estimador se vuelve cada vez más preciso y se acerca al valor real del parámetro. La consistencia es una propiedad importante, ya que garantiza que el estimador producirá resultados confiables a medida que se aumenta el tamaño de la muestra</a:t>
+            </a:r>
+          </a:p>
+          <a:p>
+            <a:r>
+              <a:rPr lang="es-MX" dirty="0"/>
+              <a:t>.Eficiente: Un estimador se considera eficiente si tiene la varianza más pequeña entre todos los estimadores insesgados. En otras palabras, un estimador eficiente produce estimaciones precisas con una dispersión mínima alrededor del valor real del parámetro. La eficiencia es una propiedad deseable, ya que indica que el estimador es óptimo en términos de precisión</a:t>
+            </a:r>
+          </a:p>
+        </p:txBody>
+      </p:sp>
+      <p:sp>
+        <p:nvSpPr>
+          <p:cNvPr id="4" name="Slide Number Placeholder 3"/>
+          <p:cNvSpPr>
+            <a:spLocks noGrp="1"/>
+          </p:cNvSpPr>
+          <p:nvPr>
+            <p:ph type="sldNum" sz="quarter" idx="5"/>
+          </p:nvPr>
+        </p:nvSpPr>
+        <p:spPr/>
+        <p:txBody>
+          <a:bodyPr/>
+          <a:lstStyle/>
+          <a:p>
+            <a:fld id="{ECECFD69-5CF0-4C25-BF49-DC0CB7221DAA}" type="slidenum">
+              <a:rPr lang="es-MX" smtClean="0"/>
+              <a:t>5</a:t>
+            </a:fld>
+            <a:endParaRPr lang="es-MX"/>
+          </a:p>
+        </p:txBody>
+      </p:sp>
+    </p:spTree>
+    <p:extLst>
+      <p:ext uri="{BB962C8B-B14F-4D97-AF65-F5344CB8AC3E}">
+        <p14:creationId xmlns:p14="http://schemas.microsoft.com/office/powerpoint/2010/main" val="386709035"/>
+      </p:ext>
+    </p:extLst>
+  </p:cSld>
+  <p:clrMapOvr>
+    <a:masterClrMapping/>
+  </p:clrMapOvr>
+</p:notes>
+</file>
+
+<file path=ppt/notesSlides/notesSlide3.xml><?xml version="1.0" encoding="utf-8"?>
+<p:notes xmlns:a="http://schemas.openxmlformats.org/drawingml/2006/main" xmlns:r="http://schemas.openxmlformats.org/officeDocument/2006/relationships" xmlns:p="http://schemas.openxmlformats.org/presentationml/2006/main">
+  <p:cSld>
+    <p:spTree>
+      <p:nvGrpSpPr>
+        <p:cNvPr id="1" name=""/>
+        <p:cNvGrpSpPr/>
+        <p:nvPr/>
+      </p:nvGrpSpPr>
+      <p:grpSpPr>
+        <a:xfrm>
+          <a:off x="0" y="0"/>
+          <a:ext cx="0" cy="0"/>
+          <a:chOff x="0" y="0"/>
+          <a:chExt cx="0" cy="0"/>
+        </a:xfrm>
+      </p:grpSpPr>
+      <p:sp>
+        <p:nvSpPr>
+          <p:cNvPr id="2" name="Slide Image Placeholder 1"/>
+          <p:cNvSpPr>
+            <a:spLocks noGrp="1" noRot="1" noChangeAspect="1"/>
+          </p:cNvSpPr>
+          <p:nvPr>
+            <p:ph type="sldImg"/>
+          </p:nvPr>
+        </p:nvSpPr>
+        <p:spPr/>
+      </p:sp>
+      <p:sp>
+        <p:nvSpPr>
+          <p:cNvPr id="3" name="Notes Placeholder 2"/>
+          <p:cNvSpPr>
+            <a:spLocks noGrp="1"/>
+          </p:cNvSpPr>
+          <p:nvPr>
+            <p:ph type="body" idx="1"/>
+          </p:nvPr>
+        </p:nvSpPr>
+        <p:spPr/>
+        <p:txBody>
+          <a:bodyPr/>
+          <a:lstStyle/>
+          <a:p>
+            <a:endParaRPr lang="es-MX" dirty="0"/>
+          </a:p>
+        </p:txBody>
+      </p:sp>
+      <p:sp>
+        <p:nvSpPr>
+          <p:cNvPr id="4" name="Slide Number Placeholder 3"/>
+          <p:cNvSpPr>
+            <a:spLocks noGrp="1"/>
+          </p:cNvSpPr>
+          <p:nvPr>
+            <p:ph type="sldNum" sz="quarter" idx="5"/>
+          </p:nvPr>
+        </p:nvSpPr>
+        <p:spPr/>
+        <p:txBody>
+          <a:bodyPr/>
+          <a:lstStyle/>
+          <a:p>
+            <a:fld id="{ECECFD69-5CF0-4C25-BF49-DC0CB7221DAA}" type="slidenum">
+              <a:rPr lang="es-MX" smtClean="0"/>
+              <a:t>6</a:t>
+            </a:fld>
+            <a:endParaRPr lang="es-MX"/>
+          </a:p>
+        </p:txBody>
+      </p:sp>
+    </p:spTree>
+    <p:extLst>
+      <p:ext uri="{BB962C8B-B14F-4D97-AF65-F5344CB8AC3E}">
+        <p14:creationId xmlns:p14="http://schemas.microsoft.com/office/powerpoint/2010/main" val="3154366591"/>
+      </p:ext>
+    </p:extLst>
+  </p:cSld>
+  <p:clrMapOvr>
+    <a:masterClrMapping/>
+  </p:clrMapOvr>
+</p:notes>
+</file>
+
+<file path=ppt/notesSlides/notesSlide4.xml><?xml version="1.0" encoding="utf-8"?>
+<p:notes xmlns:a="http://schemas.openxmlformats.org/drawingml/2006/main" xmlns:r="http://schemas.openxmlformats.org/officeDocument/2006/relationships" xmlns:p="http://schemas.openxmlformats.org/presentationml/2006/main">
+  <p:cSld>
+    <p:spTree>
+      <p:nvGrpSpPr>
+        <p:cNvPr id="1" name=""/>
+        <p:cNvGrpSpPr/>
+        <p:nvPr/>
+      </p:nvGrpSpPr>
+      <p:grpSpPr>
+        <a:xfrm>
+          <a:off x="0" y="0"/>
+          <a:ext cx="0" cy="0"/>
+          <a:chOff x="0" y="0"/>
+          <a:chExt cx="0" cy="0"/>
+        </a:xfrm>
+      </p:grpSpPr>
+      <p:sp>
+        <p:nvSpPr>
+          <p:cNvPr id="2" name="Slide Image Placeholder 1"/>
+          <p:cNvSpPr>
+            <a:spLocks noGrp="1" noRot="1" noChangeAspect="1"/>
+          </p:cNvSpPr>
+          <p:nvPr>
+            <p:ph type="sldImg"/>
+          </p:nvPr>
+        </p:nvSpPr>
+        <p:spPr/>
+      </p:sp>
+      <p:sp>
+        <p:nvSpPr>
+          <p:cNvPr id="3" name="Notes Placeholder 2"/>
+          <p:cNvSpPr>
+            <a:spLocks noGrp="1"/>
+          </p:cNvSpPr>
+          <p:nvPr>
+            <p:ph type="body" idx="1"/>
+          </p:nvPr>
+        </p:nvSpPr>
+        <p:spPr/>
+        <p:txBody>
+          <a:bodyPr/>
+          <a:lstStyle/>
+          <a:p>
+            <a:endParaRPr lang="es-MX" dirty="0"/>
+          </a:p>
+        </p:txBody>
+      </p:sp>
+      <p:sp>
+        <p:nvSpPr>
+          <p:cNvPr id="4" name="Slide Number Placeholder 3"/>
+          <p:cNvSpPr>
+            <a:spLocks noGrp="1"/>
+          </p:cNvSpPr>
+          <p:nvPr>
+            <p:ph type="sldNum" sz="quarter" idx="5"/>
+          </p:nvPr>
+        </p:nvSpPr>
+        <p:spPr/>
+        <p:txBody>
+          <a:bodyPr/>
+          <a:lstStyle/>
+          <a:p>
+            <a:fld id="{ECECFD69-5CF0-4C25-BF49-DC0CB7221DAA}" type="slidenum">
+              <a:rPr lang="es-MX" smtClean="0"/>
+              <a:t>7</a:t>
+            </a:fld>
+            <a:endParaRPr lang="es-MX"/>
+          </a:p>
+        </p:txBody>
+      </p:sp>
+    </p:spTree>
+    <p:extLst>
+      <p:ext uri="{BB962C8B-B14F-4D97-AF65-F5344CB8AC3E}">
+        <p14:creationId xmlns:p14="http://schemas.microsoft.com/office/powerpoint/2010/main" val="1048938019"/>
+      </p:ext>
+    </p:extLst>
+  </p:cSld>
+  <p:clrMapOvr>
+    <a:masterClrMapping/>
+  </p:clrMapOvr>
+</p:notes>
+</file>
+
+<file path=ppt/notesSlides/notesSlide5.xml><?xml version="1.0" encoding="utf-8"?>
+<p:notes xmlns:a="http://schemas.openxmlformats.org/drawingml/2006/main" xmlns:r="http://schemas.openxmlformats.org/officeDocument/2006/relationships" xmlns:p="http://schemas.openxmlformats.org/presentationml/2006/main">
+  <p:cSld>
+    <p:spTree>
+      <p:nvGrpSpPr>
+        <p:cNvPr id="1" name=""/>
+        <p:cNvGrpSpPr/>
+        <p:nvPr/>
+      </p:nvGrpSpPr>
+      <p:grpSpPr>
+        <a:xfrm>
+          <a:off x="0" y="0"/>
+          <a:ext cx="0" cy="0"/>
+          <a:chOff x="0" y="0"/>
+          <a:chExt cx="0" cy="0"/>
+        </a:xfrm>
+      </p:grpSpPr>
+      <p:sp>
+        <p:nvSpPr>
+          <p:cNvPr id="2" name="Slide Image Placeholder 1"/>
+          <p:cNvSpPr>
+            <a:spLocks noGrp="1" noRot="1" noChangeAspect="1"/>
+          </p:cNvSpPr>
+          <p:nvPr>
+            <p:ph type="sldImg"/>
+          </p:nvPr>
+        </p:nvSpPr>
+        <p:spPr/>
+      </p:sp>
+      <p:sp>
+        <p:nvSpPr>
+          <p:cNvPr id="3" name="Notes Placeholder 2"/>
+          <p:cNvSpPr>
+            <a:spLocks noGrp="1"/>
+          </p:cNvSpPr>
+          <p:nvPr>
+            <p:ph type="body" idx="1"/>
+          </p:nvPr>
+        </p:nvSpPr>
+        <p:spPr/>
+        <p:txBody>
+          <a:bodyPr/>
+          <a:lstStyle/>
+          <a:p>
+            <a:endParaRPr lang="es-MX" dirty="0"/>
+          </a:p>
+        </p:txBody>
+      </p:sp>
+      <p:sp>
+        <p:nvSpPr>
+          <p:cNvPr id="4" name="Slide Number Placeholder 3"/>
+          <p:cNvSpPr>
+            <a:spLocks noGrp="1"/>
+          </p:cNvSpPr>
+          <p:nvPr>
+            <p:ph type="sldNum" sz="quarter" idx="5"/>
+          </p:nvPr>
+        </p:nvSpPr>
+        <p:spPr/>
+        <p:txBody>
+          <a:bodyPr/>
+          <a:lstStyle/>
+          <a:p>
+            <a:fld id="{ECECFD69-5CF0-4C25-BF49-DC0CB7221DAA}" type="slidenum">
+              <a:rPr lang="es-MX" smtClean="0"/>
+              <a:t>8</a:t>
+            </a:fld>
+            <a:endParaRPr lang="es-MX"/>
+          </a:p>
+        </p:txBody>
+      </p:sp>
+    </p:spTree>
+    <p:extLst>
+      <p:ext uri="{BB962C8B-B14F-4D97-AF65-F5344CB8AC3E}">
+        <p14:creationId xmlns:p14="http://schemas.microsoft.com/office/powerpoint/2010/main" val="618487093"/>
+      </p:ext>
+    </p:extLst>
+  </p:cSld>
+  <p:clrMapOvr>
+    <a:masterClrMapping/>
+  </p:clrMapOvr>
+</p:notes>
+</file>
+
+<file path=ppt/notesSlides/notesSlide6.xml><?xml version="1.0" encoding="utf-8"?>
+<p:notes xmlns:a="http://schemas.openxmlformats.org/drawingml/2006/main" xmlns:r="http://schemas.openxmlformats.org/officeDocument/2006/relationships" xmlns:p="http://schemas.openxmlformats.org/presentationml/2006/main">
+  <p:cSld>
+    <p:spTree>
+      <p:nvGrpSpPr>
+        <p:cNvPr id="1" name=""/>
+        <p:cNvGrpSpPr/>
+        <p:nvPr/>
+      </p:nvGrpSpPr>
+      <p:grpSpPr>
+        <a:xfrm>
+          <a:off x="0" y="0"/>
+          <a:ext cx="0" cy="0"/>
+          <a:chOff x="0" y="0"/>
+          <a:chExt cx="0" cy="0"/>
+        </a:xfrm>
+      </p:grpSpPr>
+      <p:sp>
+        <p:nvSpPr>
+          <p:cNvPr id="2" name="Slide Image Placeholder 1"/>
+          <p:cNvSpPr>
+            <a:spLocks noGrp="1" noRot="1" noChangeAspect="1"/>
+          </p:cNvSpPr>
+          <p:nvPr>
+            <p:ph type="sldImg"/>
+          </p:nvPr>
+        </p:nvSpPr>
+        <p:spPr/>
+      </p:sp>
+      <p:sp>
+        <p:nvSpPr>
+          <p:cNvPr id="3" name="Notes Placeholder 2"/>
+          <p:cNvSpPr>
+            <a:spLocks noGrp="1"/>
+          </p:cNvSpPr>
+          <p:nvPr>
+            <p:ph type="body" idx="1"/>
+          </p:nvPr>
+        </p:nvSpPr>
+        <p:spPr/>
+        <p:txBody>
+          <a:bodyPr/>
+          <a:lstStyle/>
+          <a:p>
+            <a:endParaRPr lang="es-MX" dirty="0"/>
+          </a:p>
+        </p:txBody>
+      </p:sp>
+      <p:sp>
+        <p:nvSpPr>
+          <p:cNvPr id="4" name="Slide Number Placeholder 3"/>
+          <p:cNvSpPr>
+            <a:spLocks noGrp="1"/>
+          </p:cNvSpPr>
+          <p:nvPr>
+            <p:ph type="sldNum" sz="quarter" idx="5"/>
+          </p:nvPr>
+        </p:nvSpPr>
+        <p:spPr/>
+        <p:txBody>
+          <a:bodyPr/>
+          <a:lstStyle/>
+          <a:p>
+            <a:fld id="{ECECFD69-5CF0-4C25-BF49-DC0CB7221DAA}" type="slidenum">
+              <a:rPr lang="es-MX" smtClean="0"/>
+              <a:t>9</a:t>
+            </a:fld>
+            <a:endParaRPr lang="es-MX"/>
+          </a:p>
+        </p:txBody>
+      </p:sp>
+    </p:spTree>
+    <p:extLst>
+      <p:ext uri="{BB962C8B-B14F-4D97-AF65-F5344CB8AC3E}">
+        <p14:creationId xmlns:p14="http://schemas.microsoft.com/office/powerpoint/2010/main" val="2045773210"/>
+      </p:ext>
+    </p:extLst>
+  </p:cSld>
+  <p:clrMapOvr>
+    <a:masterClrMapping/>
+  </p:clrMapOvr>
+</p:notes>
 </file>
 
 <file path=ppt/slideLayouts/slideLayout1.xml><?xml version="1.0" encoding="utf-8"?>
@@ -705,7 +1233,7 @@
           <a:p>
             <a:fld id="{EA0C0817-A112-4847-8014-A94B7D2A4EA3}" type="datetime1">
               <a:rPr lang="en-US" smtClean="0"/>
-              <a:t>11/27/2023</a:t>
+              <a:t>11/28/2023</a:t>
             </a:fld>
             <a:endParaRPr lang="en-US" dirty="0"/>
           </a:p>
@@ -911,7 +1439,7 @@
           <a:p>
             <a:fld id="{03636942-C211-4B28-8DBD-C953E00AF71B}" type="datetime1">
               <a:rPr lang="en-US" smtClean="0"/>
-              <a:t>11/27/2023</a:t>
+              <a:t>11/28/2023</a:t>
             </a:fld>
             <a:endParaRPr lang="en-US"/>
           </a:p>
@@ -1254,7 +1782,7 @@
           <a:p>
             <a:fld id="{7E8D12A6-918A-48BD-8CB9-CA713993B0EA}" type="datetime1">
               <a:rPr lang="en-US" smtClean="0"/>
-              <a:t>11/27/2023</a:t>
+              <a:t>11/28/2023</a:t>
             </a:fld>
             <a:endParaRPr lang="en-US"/>
           </a:p>
@@ -1616,7 +2144,7 @@
             <a:fld id="{E778CE86-875F-4587-BCF6-FA054AFC0D53}" type="datetime1">
               <a:rPr lang="en-US" smtClean="0"/>
               <a:pPr/>
-              <a:t>11/27/2023</a:t>
+              <a:t>11/28/2023</a:t>
             </a:fld>
             <a:endParaRPr lang="en-US" dirty="0"/>
           </a:p>
@@ -1812,7 +2340,7 @@
           <a:p>
             <a:fld id="{03636942-C211-4B28-8DBD-C953E00AF71B}" type="datetime1">
               <a:rPr lang="en-US" smtClean="0"/>
-              <a:t>11/27/2023</a:t>
+              <a:t>11/28/2023</a:t>
             </a:fld>
             <a:endParaRPr lang="en-US"/>
           </a:p>
@@ -3871,7 +4399,7 @@
           <a:p>
             <a:fld id="{F6FA2B21-3FCD-4721-B95C-427943F61125}" type="datetime1">
               <a:rPr lang="en-US" smtClean="0"/>
-              <a:t>11/27/2023</a:t>
+              <a:t>11/28/2023</a:t>
             </a:fld>
             <a:endParaRPr lang="en-US"/>
           </a:p>
@@ -4389,8 +4917,8 @@
         </p:nvSpPr>
         <p:spPr>
           <a:xfrm>
-            <a:off x="4445540" y="639097"/>
-            <a:ext cx="7746460" cy="3686015"/>
+            <a:off x="2976880" y="639097"/>
+            <a:ext cx="9215120" cy="3686015"/>
           </a:xfrm>
         </p:spPr>
         <p:txBody>
@@ -4408,64 +4936,99 @@
               </a:spcAft>
             </a:pPr>
             <a:r>
-              <a:rPr lang="en-US" sz="3200" b="1" dirty="0">
+              <a:rPr lang="en-US" sz="3000" b="1" dirty="0">
                 <a:latin typeface="Arial" panose="020B0604020202020204" pitchFamily="34" charset="0"/>
               </a:rPr>
               <a:t>UNAM</a:t>
             </a:r>
             <a:br>
-              <a:rPr lang="en-US" sz="3200" b="1" dirty="0">
+              <a:rPr lang="en-US" sz="3000" b="1" dirty="0">
                 <a:latin typeface="Arial" panose="020B0604020202020204" pitchFamily="34" charset="0"/>
               </a:rPr>
             </a:br>
             <a:r>
-              <a:rPr lang="en-US" sz="3200" b="1" dirty="0" err="1">
+              <a:rPr lang="en-US" sz="3000" b="1" dirty="0" err="1">
                 <a:latin typeface="Arial" panose="020B0604020202020204" pitchFamily="34" charset="0"/>
               </a:rPr>
               <a:t>Posgrado</a:t>
             </a:r>
             <a:r>
-              <a:rPr lang="en-US" sz="3200" b="1" dirty="0">
+              <a:rPr lang="en-US" sz="3000" b="1" dirty="0">
                 <a:latin typeface="Arial" panose="020B0604020202020204" pitchFamily="34" charset="0"/>
               </a:rPr>
               <a:t> </a:t>
             </a:r>
             <a:r>
-              <a:rPr lang="en-US" sz="3200" b="1" dirty="0" err="1">
+              <a:rPr lang="en-US" sz="3000" b="1" dirty="0" err="1">
                 <a:latin typeface="Arial" panose="020B0604020202020204" pitchFamily="34" charset="0"/>
               </a:rPr>
               <a:t>en</a:t>
             </a:r>
             <a:r>
-              <a:rPr lang="en-US" sz="3200" b="1" dirty="0">
+              <a:rPr lang="en-US" sz="3000" b="1" dirty="0">
                 <a:latin typeface="Arial" panose="020B0604020202020204" pitchFamily="34" charset="0"/>
               </a:rPr>
               <a:t> </a:t>
             </a:r>
             <a:r>
-              <a:rPr lang="en-US" sz="3200" b="1" dirty="0" err="1">
+              <a:rPr lang="en-US" sz="3000" b="1" dirty="0" err="1">
                 <a:latin typeface="Arial" panose="020B0604020202020204" pitchFamily="34" charset="0"/>
               </a:rPr>
               <a:t>Ingeniería</a:t>
             </a:r>
             <a:br>
-              <a:rPr lang="es-ES" sz="3200" b="1" dirty="0">
+              <a:rPr lang="es-ES" sz="3000" b="1" dirty="0">
                 <a:latin typeface="Arial" panose="020B0604020202020204" pitchFamily="34" charset="0"/>
               </a:rPr>
             </a:br>
             <a:r>
-              <a:rPr lang="es-ES" sz="3200" b="1" dirty="0">
+              <a:rPr lang="es-ES" sz="3000" b="1" dirty="0">
                 <a:latin typeface="Arial" panose="020B0604020202020204" pitchFamily="34" charset="0"/>
               </a:rPr>
               <a:t>Aplicación de Modelos Lineales Generalizados </a:t>
             </a:r>
             <a:br>
-              <a:rPr lang="es-ES" sz="3200" b="1" dirty="0">
+              <a:rPr lang="es-ES" sz="3000" b="1" dirty="0">
                 <a:latin typeface="Arial" panose="020B0604020202020204" pitchFamily="34" charset="0"/>
               </a:rPr>
             </a:br>
             <a:r>
-              <a:rPr lang="es-ES" sz="3200" b="1" dirty="0">
+              <a:rPr lang="es-ES" sz="3000" b="1" dirty="0">
+                <a:latin typeface="Arial" panose="020B0604020202020204" pitchFamily="34" charset="0"/>
+              </a:rPr>
+              <a:t>Dr. </a:t>
+            </a:r>
+            <a:r>
+              <a:rPr lang="es-ES" sz="3000" b="1" dirty="0" err="1">
+                <a:latin typeface="Arial" panose="020B0604020202020204" pitchFamily="34" charset="0"/>
+              </a:rPr>
+              <a:t>Wulfrano</a:t>
+            </a:r>
+            <a:r>
+              <a:rPr lang="es-ES" sz="3000" b="1" dirty="0">
+                <a:latin typeface="Arial" panose="020B0604020202020204" pitchFamily="34" charset="0"/>
+              </a:rPr>
+              <a:t> </a:t>
+            </a:r>
+            <a:r>
+              <a:rPr lang="es-ES" sz="3000" b="1" dirty="0" err="1">
+                <a:latin typeface="Arial" panose="020B0604020202020204" pitchFamily="34" charset="0"/>
+              </a:rPr>
+              <a:t>Gomez</a:t>
+            </a:r>
+            <a:r>
+              <a:rPr lang="es-ES" sz="3000" b="1" dirty="0">
+                <a:latin typeface="Arial" panose="020B0604020202020204" pitchFamily="34" charset="0"/>
+              </a:rPr>
+              <a:t> G.</a:t>
+            </a:r>
+            <a:br>
+              <a:rPr lang="es-ES" sz="3000" b="1" dirty="0">
+                <a:latin typeface="Arial" panose="020B0604020202020204" pitchFamily="34" charset="0"/>
+              </a:rPr>
+            </a:br>
+            <a:r>
+              <a:rPr lang="es-ES" sz="3000" b="1" dirty="0">
                 <a:latin typeface="Arial" panose="020B0604020202020204" pitchFamily="34" charset="0"/>
               </a:rPr>
               <a:t>Nov de 2023</a:t>
@@ -4517,7 +5080,7 @@
         </p:blipFill>
         <p:spPr bwMode="auto">
           <a:xfrm>
-            <a:off x="1536374" y="1535522"/>
+            <a:off x="652454" y="1078322"/>
             <a:ext cx="2183629" cy="2446644"/>
           </a:xfrm>
           <a:prstGeom prst="rect">
@@ -4696,68 +5259,345 @@
             <p:ph idx="1"/>
           </p:nvPr>
         </p:nvSpPr>
-        <p:spPr/>
+        <p:spPr>
+          <a:xfrm>
+            <a:off x="1869943" y="1620061"/>
+            <a:ext cx="9163983" cy="3894732"/>
+          </a:xfrm>
+        </p:spPr>
         <p:txBody>
-          <a:bodyPr/>
+          <a:bodyPr tIns="0" bIns="0"/>
           <a:lstStyle/>
           <a:p>
-            <a:pPr marL="0" indent="0">
-              <a:buNone/>
-            </a:pPr>
-            <a:endParaRPr lang="es-MX" b="0" i="0" dirty="0">
+            <a:r>
+              <a:rPr lang="en-US" dirty="0" err="1">
+                <a:solidFill>
+                  <a:srgbClr val="373A3C"/>
+                </a:solidFill>
+                <a:latin typeface="-apple-system"/>
+              </a:rPr>
+              <a:t>Esquema</a:t>
+            </a:r>
+            <a:r>
+              <a:rPr lang="en-US" dirty="0">
+                <a:solidFill>
+                  <a:srgbClr val="373A3C"/>
+                </a:solidFill>
+                <a:latin typeface="-apple-system"/>
+              </a:rPr>
+              <a:t> General del Proyecto </a:t>
+            </a:r>
+          </a:p>
+          <a:p>
+            <a:r>
+              <a:rPr lang="es-ES" b="0" i="0" dirty="0" err="1">
+                <a:solidFill>
+                  <a:srgbClr val="373A3C"/>
+                </a:solidFill>
+                <a:effectLst/>
+                <a:latin typeface="-apple-system"/>
+              </a:rPr>
+              <a:t>Pre-análisis</a:t>
+            </a:r>
+            <a:r>
+              <a:rPr lang="es-ES" b="0" i="0" dirty="0">
+                <a:solidFill>
+                  <a:srgbClr val="373A3C"/>
+                </a:solidFill>
+                <a:effectLst/>
+                <a:latin typeface="-apple-system"/>
+              </a:rPr>
+              <a:t> de datos</a:t>
+            </a:r>
+            <a:endParaRPr lang="en-US" dirty="0"/>
+          </a:p>
+          <a:p>
+            <a:r>
+              <a:rPr lang="es-MX" dirty="0">
+                <a:solidFill>
+                  <a:srgbClr val="373A3C"/>
+                </a:solidFill>
+                <a:latin typeface="-apple-system"/>
+              </a:rPr>
+              <a:t> </a:t>
+            </a:r>
+            <a:r>
+              <a:rPr lang="en-US" dirty="0">
+                <a:solidFill>
+                  <a:srgbClr val="373A3C"/>
+                </a:solidFill>
+                <a:latin typeface="-apple-system"/>
+              </a:rPr>
+              <a:t>El </a:t>
+            </a:r>
+            <a:r>
+              <a:rPr lang="en-US" dirty="0" err="1">
+                <a:solidFill>
+                  <a:srgbClr val="373A3C"/>
+                </a:solidFill>
+                <a:latin typeface="-apple-system"/>
+              </a:rPr>
+              <a:t>modelo</a:t>
+            </a:r>
+            <a:r>
+              <a:rPr lang="en-US" dirty="0">
+                <a:solidFill>
+                  <a:srgbClr val="373A3C"/>
+                </a:solidFill>
+                <a:latin typeface="-apple-system"/>
+              </a:rPr>
+              <a:t> de </a:t>
+            </a:r>
+            <a:r>
+              <a:rPr lang="en-US" dirty="0" err="1">
+                <a:solidFill>
+                  <a:srgbClr val="373A3C"/>
+                </a:solidFill>
+                <a:latin typeface="-apple-system"/>
+              </a:rPr>
+              <a:t>Mínimos</a:t>
+            </a:r>
+            <a:r>
+              <a:rPr lang="en-US" dirty="0">
+                <a:solidFill>
+                  <a:srgbClr val="373A3C"/>
+                </a:solidFill>
+                <a:latin typeface="-apple-system"/>
+              </a:rPr>
+              <a:t> </a:t>
+            </a:r>
+            <a:r>
+              <a:rPr lang="en-US" dirty="0" err="1">
+                <a:solidFill>
+                  <a:srgbClr val="373A3C"/>
+                </a:solidFill>
+                <a:latin typeface="-apple-system"/>
+              </a:rPr>
+              <a:t>Cuadrados</a:t>
+            </a:r>
+            <a:r>
+              <a:rPr lang="en-US" dirty="0">
+                <a:solidFill>
+                  <a:srgbClr val="373A3C"/>
+                </a:solidFill>
+                <a:latin typeface="-apple-system"/>
+              </a:rPr>
+              <a:t> </a:t>
+            </a:r>
+            <a:r>
+              <a:rPr lang="en-US" dirty="0" err="1">
+                <a:solidFill>
+                  <a:srgbClr val="373A3C"/>
+                </a:solidFill>
+                <a:latin typeface="-apple-system"/>
+              </a:rPr>
+              <a:t>Ordinarios</a:t>
+            </a:r>
+            <a:r>
+              <a:rPr lang="en-US" dirty="0">
+                <a:solidFill>
+                  <a:srgbClr val="373A3C"/>
+                </a:solidFill>
+                <a:latin typeface="-apple-system"/>
+              </a:rPr>
+              <a:t> (MCO)</a:t>
+            </a:r>
+          </a:p>
+          <a:p>
+            <a:r>
+              <a:rPr lang="en-US" dirty="0" err="1">
+                <a:solidFill>
+                  <a:srgbClr val="373A3C"/>
+                </a:solidFill>
+                <a:latin typeface="-apple-system"/>
+              </a:rPr>
+              <a:t>Aplicación</a:t>
+            </a:r>
+            <a:r>
+              <a:rPr lang="en-US" dirty="0">
+                <a:solidFill>
+                  <a:srgbClr val="373A3C"/>
+                </a:solidFill>
+                <a:latin typeface="-apple-system"/>
+              </a:rPr>
+              <a:t> del </a:t>
+            </a:r>
+            <a:r>
+              <a:rPr lang="en-US" dirty="0" err="1">
+                <a:solidFill>
+                  <a:srgbClr val="373A3C"/>
+                </a:solidFill>
+                <a:latin typeface="-apple-system"/>
+              </a:rPr>
+              <a:t>modelo</a:t>
+            </a:r>
+            <a:r>
+              <a:rPr lang="en-US" dirty="0">
+                <a:solidFill>
+                  <a:srgbClr val="373A3C"/>
+                </a:solidFill>
+                <a:latin typeface="-apple-system"/>
+              </a:rPr>
+              <a:t> de </a:t>
+            </a:r>
+            <a:r>
+              <a:rPr lang="en-US" dirty="0" err="1">
+                <a:solidFill>
+                  <a:srgbClr val="373A3C"/>
+                </a:solidFill>
+                <a:latin typeface="-apple-system"/>
+              </a:rPr>
+              <a:t>Mínimos</a:t>
+            </a:r>
+            <a:r>
+              <a:rPr lang="en-US" dirty="0">
+                <a:solidFill>
+                  <a:srgbClr val="373A3C"/>
+                </a:solidFill>
+                <a:latin typeface="-apple-system"/>
+              </a:rPr>
+              <a:t> </a:t>
+            </a:r>
+            <a:r>
+              <a:rPr lang="en-US" dirty="0" err="1">
+                <a:solidFill>
+                  <a:srgbClr val="373A3C"/>
+                </a:solidFill>
+                <a:latin typeface="-apple-system"/>
+              </a:rPr>
+              <a:t>Cuadrados</a:t>
+            </a:r>
+            <a:r>
+              <a:rPr lang="en-US" dirty="0">
+                <a:solidFill>
+                  <a:srgbClr val="373A3C"/>
+                </a:solidFill>
+                <a:latin typeface="-apple-system"/>
+              </a:rPr>
+              <a:t> </a:t>
+            </a:r>
+            <a:r>
+              <a:rPr lang="en-US" dirty="0" err="1">
+                <a:solidFill>
+                  <a:srgbClr val="373A3C"/>
+                </a:solidFill>
+                <a:latin typeface="-apple-system"/>
+              </a:rPr>
+              <a:t>Ordinarios</a:t>
+            </a:r>
+            <a:r>
+              <a:rPr lang="en-US" dirty="0">
+                <a:solidFill>
+                  <a:srgbClr val="373A3C"/>
+                </a:solidFill>
+                <a:latin typeface="-apple-system"/>
+              </a:rPr>
+              <a:t> (MCO1)</a:t>
+            </a:r>
+            <a:endParaRPr lang="es-MX" dirty="0">
               <a:solidFill>
                 <a:srgbClr val="373A3C"/>
               </a:solidFill>
-              <a:effectLst/>
               <a:latin typeface="-apple-system"/>
             </a:endParaRPr>
           </a:p>
           <a:p>
             <a:r>
-              <a:rPr lang="en-US" dirty="0" err="1"/>
-              <a:t>Esquema</a:t>
-            </a:r>
-            <a:r>
-              <a:rPr lang="en-US" dirty="0"/>
-              <a:t> del Proyecto </a:t>
-            </a:r>
-          </a:p>
-          <a:p>
-            <a:r>
-              <a:rPr lang="es-ES" b="0" i="0" dirty="0">
+              <a:rPr lang="en-US" dirty="0" err="1">
                 <a:solidFill>
                   <a:srgbClr val="373A3C"/>
                 </a:solidFill>
-                <a:effectLst/>
                 <a:latin typeface="-apple-system"/>
               </a:rPr>
-              <a:t>Antecedentes (Los modelos Lineales Generalizados)</a:t>
-            </a:r>
-            <a:endParaRPr lang="en-US" dirty="0"/>
-          </a:p>
-          <a:p>
-            <a:r>
-              <a:rPr lang="es-MX" b="0" i="0" dirty="0">
+              <a:t>Aplicación</a:t>
+            </a:r>
+            <a:r>
+              <a:rPr lang="en-US" dirty="0">
                 <a:solidFill>
                   <a:srgbClr val="373A3C"/>
                 </a:solidFill>
-                <a:effectLst/>
                 <a:latin typeface="-apple-system"/>
               </a:rPr>
-              <a:t>Conjuntos de datos para usar</a:t>
-            </a:r>
-          </a:p>
-          <a:p>
-            <a:r>
-              <a:rPr lang="es-MX" b="0" i="0" dirty="0">
+              <a:t> del </a:t>
+            </a:r>
+            <a:r>
+              <a:rPr lang="en-US" dirty="0" err="1">
                 <a:solidFill>
                   <a:srgbClr val="373A3C"/>
                 </a:solidFill>
-                <a:effectLst/>
                 <a:latin typeface="-apple-system"/>
               </a:rPr>
-              <a:t>Resultados deseados del proyecto</a:t>
-            </a:r>
+              <a:t>modelo</a:t>
+            </a:r>
+            <a:r>
+              <a:rPr lang="en-US" dirty="0">
+                <a:solidFill>
+                  <a:srgbClr val="373A3C"/>
+                </a:solidFill>
+                <a:latin typeface="-apple-system"/>
+              </a:rPr>
+              <a:t> de </a:t>
+            </a:r>
+            <a:r>
+              <a:rPr lang="en-US" dirty="0" err="1">
+                <a:solidFill>
+                  <a:srgbClr val="373A3C"/>
+                </a:solidFill>
+                <a:latin typeface="-apple-system"/>
+              </a:rPr>
+              <a:t>Mínimos</a:t>
+            </a:r>
+            <a:r>
+              <a:rPr lang="en-US" dirty="0">
+                <a:solidFill>
+                  <a:srgbClr val="373A3C"/>
+                </a:solidFill>
+                <a:latin typeface="-apple-system"/>
+              </a:rPr>
+              <a:t> </a:t>
+            </a:r>
+            <a:r>
+              <a:rPr lang="en-US" dirty="0" err="1">
+                <a:solidFill>
+                  <a:srgbClr val="373A3C"/>
+                </a:solidFill>
+                <a:latin typeface="-apple-system"/>
+              </a:rPr>
+              <a:t>Cuadrados</a:t>
+            </a:r>
+            <a:r>
+              <a:rPr lang="en-US" dirty="0">
+                <a:solidFill>
+                  <a:srgbClr val="373A3C"/>
+                </a:solidFill>
+                <a:latin typeface="-apple-system"/>
+              </a:rPr>
+              <a:t> </a:t>
+            </a:r>
+            <a:r>
+              <a:rPr lang="en-US" dirty="0" err="1">
+                <a:solidFill>
+                  <a:srgbClr val="373A3C"/>
+                </a:solidFill>
+                <a:latin typeface="-apple-system"/>
+              </a:rPr>
+              <a:t>Ordinarios</a:t>
+            </a:r>
+            <a:r>
+              <a:rPr lang="en-US" dirty="0">
+                <a:solidFill>
+                  <a:srgbClr val="373A3C"/>
+                </a:solidFill>
+                <a:latin typeface="-apple-system"/>
+              </a:rPr>
+              <a:t> (MCO2)</a:t>
+            </a:r>
+            <a:endParaRPr lang="es-MX" dirty="0">
+              <a:solidFill>
+                <a:srgbClr val="373A3C"/>
+              </a:solidFill>
+              <a:latin typeface="-apple-system"/>
+            </a:endParaRPr>
           </a:p>
           <a:p>
             <a:endParaRPr lang="es-MX" dirty="0"/>
@@ -4788,14 +5628,6 @@
             <a:r>
               <a:rPr lang="en-US" dirty="0" err="1"/>
               <a:t>Contenido</a:t>
-            </a:r>
-            <a:r>
-              <a:rPr lang="en-US" dirty="0"/>
-              <a:t> de la </a:t>
-            </a:r>
-            <a:r>
-              <a:rPr lang="en-US" dirty="0" err="1"/>
-              <a:t>propuesta</a:t>
             </a:r>
             <a:endParaRPr lang="es-MX" dirty="0"/>
           </a:p>
@@ -5918,6 +6750,363 @@
           </a:lstStyle>
           <a:p>
             <a:r>
+              <a:rPr lang="es-ES" sz="3200" b="1" dirty="0" err="1">
+                <a:solidFill>
+                  <a:schemeClr val="accent1"/>
+                </a:solidFill>
+              </a:rPr>
+              <a:t>Pre-análisis</a:t>
+            </a:r>
+            <a:r>
+              <a:rPr lang="es-ES" sz="3200" b="1" dirty="0">
+                <a:solidFill>
+                  <a:schemeClr val="accent1"/>
+                </a:solidFill>
+              </a:rPr>
+              <a:t> de datos</a:t>
+            </a:r>
+            <a:endParaRPr lang="en-US" sz="3200" b="1" dirty="0">
+              <a:solidFill>
+                <a:schemeClr val="accent1"/>
+              </a:solidFill>
+            </a:endParaRPr>
+          </a:p>
+          <a:p>
+            <a:endParaRPr lang="es-MX" sz="3200" b="1" dirty="0">
+              <a:solidFill>
+                <a:schemeClr val="accent1"/>
+              </a:solidFill>
+            </a:endParaRPr>
+          </a:p>
+        </p:txBody>
+      </p:sp>
+      <p:pic>
+        <p:nvPicPr>
+          <p:cNvPr id="3" name="Picture 2">
+            <a:extLst>
+              <a:ext uri="{FF2B5EF4-FFF2-40B4-BE49-F238E27FC236}">
+                <a16:creationId xmlns:a16="http://schemas.microsoft.com/office/drawing/2014/main" id="{CF5950E2-60CF-83E7-5893-4B181EE0E516}"/>
+              </a:ext>
+            </a:extLst>
+          </p:cNvPr>
+          <p:cNvPicPr>
+            <a:picLocks noChangeAspect="1"/>
+          </p:cNvPicPr>
+          <p:nvPr/>
+        </p:nvPicPr>
+        <p:blipFill>
+          <a:blip r:embed="rId3"/>
+          <a:stretch>
+            <a:fillRect/>
+          </a:stretch>
+        </p:blipFill>
+        <p:spPr>
+          <a:xfrm>
+            <a:off x="794766" y="711039"/>
+            <a:ext cx="4880025" cy="2169322"/>
+          </a:xfrm>
+          <a:prstGeom prst="rect">
+            <a:avLst/>
+          </a:prstGeom>
+        </p:spPr>
+      </p:pic>
+      <p:sp>
+        <p:nvSpPr>
+          <p:cNvPr id="6" name="TextBox 5">
+            <a:extLst>
+              <a:ext uri="{FF2B5EF4-FFF2-40B4-BE49-F238E27FC236}">
+                <a16:creationId xmlns:a16="http://schemas.microsoft.com/office/drawing/2014/main" id="{CE95A707-E120-11E9-A134-0A917424A737}"/>
+              </a:ext>
+            </a:extLst>
+          </p:cNvPr>
+          <p:cNvSpPr txBox="1"/>
+          <p:nvPr/>
+        </p:nvSpPr>
+        <p:spPr>
+          <a:xfrm>
+            <a:off x="6141720" y="467149"/>
+            <a:ext cx="5538901" cy="2462213"/>
+          </a:xfrm>
+          <a:prstGeom prst="rect">
+            <a:avLst/>
+          </a:prstGeom>
+          <a:noFill/>
+        </p:spPr>
+        <p:txBody>
+          <a:bodyPr wrap="square">
+            <a:spAutoFit/>
+          </a:bodyPr>
+          <a:lstStyle/>
+          <a:p>
+            <a:r>
+              <a:rPr lang="es-MX" sz="1400" b="1" dirty="0"/>
+              <a:t>Definiciones de variables: </a:t>
+            </a:r>
+          </a:p>
+          <a:p>
+            <a:pPr marL="285750" indent="-285750">
+              <a:buFont typeface="Arial" panose="020B0604020202020204" pitchFamily="34" charset="0"/>
+              <a:buChar char="•"/>
+            </a:pPr>
+            <a:r>
+              <a:rPr lang="es-MX" sz="1400" dirty="0" err="1"/>
+              <a:t>black</a:t>
+            </a:r>
+            <a:r>
+              <a:rPr lang="es-MX" sz="1400" dirty="0"/>
+              <a:t> - = 1 si el encuestado se clasifica como raza negra </a:t>
+            </a:r>
+            <a:r>
+              <a:rPr lang="es-MX" sz="1400" dirty="0" err="1"/>
+              <a:t>educ</a:t>
+            </a:r>
+            <a:r>
+              <a:rPr lang="es-MX" sz="1400" dirty="0"/>
+              <a:t> - años de educación </a:t>
+            </a:r>
+          </a:p>
+          <a:p>
+            <a:pPr marL="285750" indent="-285750">
+              <a:buFont typeface="Arial" panose="020B0604020202020204" pitchFamily="34" charset="0"/>
+              <a:buChar char="•"/>
+            </a:pPr>
+            <a:r>
+              <a:rPr lang="es-MX" sz="1400" dirty="0" err="1"/>
+              <a:t>exper</a:t>
+            </a:r>
+            <a:r>
+              <a:rPr lang="es-MX" sz="1400" dirty="0"/>
+              <a:t> - experiencia potencial = edad - educación - 6 </a:t>
+            </a:r>
+            <a:r>
+              <a:rPr lang="es-MX" sz="1400" dirty="0" err="1"/>
+              <a:t>faminc</a:t>
+            </a:r>
+            <a:r>
+              <a:rPr lang="es-MX" sz="1400" dirty="0"/>
+              <a:t> - otros ingresos familiares, </a:t>
+            </a:r>
+          </a:p>
+          <a:p>
+            <a:pPr marL="285750" indent="-285750">
+              <a:buFont typeface="Arial" panose="020B0604020202020204" pitchFamily="34" charset="0"/>
+              <a:buChar char="•"/>
+            </a:pPr>
+            <a:r>
+              <a:rPr lang="es-MX" sz="1400" dirty="0" err="1"/>
+              <a:t>female</a:t>
+            </a:r>
+            <a:r>
+              <a:rPr lang="es-MX" sz="1400" dirty="0"/>
+              <a:t> - = 1 si es mujer</a:t>
+            </a:r>
+          </a:p>
+          <a:p>
+            <a:pPr marL="285750" indent="-285750">
+              <a:buFont typeface="Arial" panose="020B0604020202020204" pitchFamily="34" charset="0"/>
+              <a:buChar char="•"/>
+            </a:pPr>
+            <a:r>
+              <a:rPr lang="es-MX" sz="1400" dirty="0"/>
+              <a:t>metro - = 1 si se encuentra en un área metropolitana</a:t>
+            </a:r>
+          </a:p>
+          <a:p>
+            <a:pPr marL="285750" indent="-285750">
+              <a:buFont typeface="Arial" panose="020B0604020202020204" pitchFamily="34" charset="0"/>
+              <a:buChar char="•"/>
+            </a:pPr>
+            <a:r>
+              <a:rPr lang="es-MX" sz="1400" dirty="0" err="1"/>
+              <a:t>midwest</a:t>
+            </a:r>
+            <a:r>
+              <a:rPr lang="es-MX" sz="1400" dirty="0"/>
+              <a:t> - = 1 si es región del medio oeste</a:t>
+            </a:r>
+          </a:p>
+          <a:p>
+            <a:pPr marL="285750" indent="-285750">
+              <a:buFont typeface="Arial" panose="020B0604020202020204" pitchFamily="34" charset="0"/>
+              <a:buChar char="•"/>
+            </a:pPr>
+            <a:r>
+              <a:rPr lang="es-MX" sz="1400" dirty="0" err="1"/>
+              <a:t>south</a:t>
+            </a:r>
+            <a:r>
+              <a:rPr lang="es-MX" sz="1400" dirty="0"/>
+              <a:t> - = 1 si es región sur</a:t>
+            </a:r>
+          </a:p>
+          <a:p>
+            <a:pPr marL="285750" indent="-285750">
+              <a:buFont typeface="Arial" panose="020B0604020202020204" pitchFamily="34" charset="0"/>
+              <a:buChar char="•"/>
+            </a:pPr>
+            <a:r>
+              <a:rPr lang="es-MX" sz="1400" dirty="0" err="1"/>
+              <a:t>west</a:t>
+            </a:r>
+            <a:r>
+              <a:rPr lang="es-MX" sz="1400" dirty="0"/>
+              <a:t> - = 1 si es región oeste</a:t>
+            </a:r>
+          </a:p>
+          <a:p>
+            <a:pPr marL="285750" indent="-285750">
+              <a:buFont typeface="Arial" panose="020B0604020202020204" pitchFamily="34" charset="0"/>
+              <a:buChar char="•"/>
+            </a:pPr>
+            <a:r>
+              <a:rPr lang="es-MX" sz="1400" dirty="0" err="1"/>
+              <a:t>wage</a:t>
+            </a:r>
+            <a:r>
+              <a:rPr lang="es-MX" sz="1400" dirty="0"/>
+              <a:t> - ingresos por hora</a:t>
+            </a:r>
+          </a:p>
+        </p:txBody>
+      </p:sp>
+      <p:pic>
+        <p:nvPicPr>
+          <p:cNvPr id="8" name="Picture 7">
+            <a:extLst>
+              <a:ext uri="{FF2B5EF4-FFF2-40B4-BE49-F238E27FC236}">
+                <a16:creationId xmlns:a16="http://schemas.microsoft.com/office/drawing/2014/main" id="{3178B1B2-7677-A521-0D8D-CDD1EC2BE44A}"/>
+              </a:ext>
+            </a:extLst>
+          </p:cNvPr>
+          <p:cNvPicPr>
+            <a:picLocks noChangeAspect="1"/>
+          </p:cNvPicPr>
+          <p:nvPr/>
+        </p:nvPicPr>
+        <p:blipFill rotWithShape="1">
+          <a:blip r:embed="rId4"/>
+          <a:srcRect l="984"/>
+          <a:stretch/>
+        </p:blipFill>
+        <p:spPr>
+          <a:xfrm>
+            <a:off x="813456" y="3405514"/>
+            <a:ext cx="4915144" cy="2874209"/>
+          </a:xfrm>
+          <a:prstGeom prst="rect">
+            <a:avLst/>
+          </a:prstGeom>
+        </p:spPr>
+      </p:pic>
+      <p:pic>
+        <p:nvPicPr>
+          <p:cNvPr id="10" name="Picture 9">
+            <a:extLst>
+              <a:ext uri="{FF2B5EF4-FFF2-40B4-BE49-F238E27FC236}">
+                <a16:creationId xmlns:a16="http://schemas.microsoft.com/office/drawing/2014/main" id="{45C2477A-53EC-5BEA-9B85-CA6C398D7319}"/>
+              </a:ext>
+            </a:extLst>
+          </p:cNvPr>
+          <p:cNvPicPr>
+            <a:picLocks noChangeAspect="1"/>
+          </p:cNvPicPr>
+          <p:nvPr/>
+        </p:nvPicPr>
+        <p:blipFill>
+          <a:blip r:embed="rId5"/>
+          <a:stretch>
+            <a:fillRect/>
+          </a:stretch>
+        </p:blipFill>
+        <p:spPr>
+          <a:xfrm>
+            <a:off x="6719034" y="3055697"/>
+            <a:ext cx="3851711" cy="3154238"/>
+          </a:xfrm>
+          <a:prstGeom prst="rect">
+            <a:avLst/>
+          </a:prstGeom>
+        </p:spPr>
+      </p:pic>
+    </p:spTree>
+    <p:extLst>
+      <p:ext uri="{BB962C8B-B14F-4D97-AF65-F5344CB8AC3E}">
+        <p14:creationId xmlns:p14="http://schemas.microsoft.com/office/powerpoint/2010/main" val="2500856217"/>
+      </p:ext>
+    </p:extLst>
+  </p:cSld>
+  <p:clrMapOvr>
+    <a:masterClrMapping/>
+  </p:clrMapOvr>
+</p:sld>
+</file>
+
+<file path=ppt/slides/slide5.xml><?xml version="1.0" encoding="utf-8"?>
+<p:sld xmlns:a="http://schemas.openxmlformats.org/drawingml/2006/main" xmlns:r="http://schemas.openxmlformats.org/officeDocument/2006/relationships" xmlns:p="http://schemas.openxmlformats.org/presentationml/2006/main">
+  <p:cSld>
+    <p:spTree>
+      <p:nvGrpSpPr>
+        <p:cNvPr id="1" name=""/>
+        <p:cNvGrpSpPr/>
+        <p:nvPr/>
+      </p:nvGrpSpPr>
+      <p:grpSpPr>
+        <a:xfrm>
+          <a:off x="0" y="0"/>
+          <a:ext cx="0" cy="0"/>
+          <a:chOff x="0" y="0"/>
+          <a:chExt cx="0" cy="0"/>
+        </a:xfrm>
+      </p:grpSpPr>
+      <p:sp>
+        <p:nvSpPr>
+          <p:cNvPr id="4" name="Title 2">
+            <a:extLst>
+              <a:ext uri="{FF2B5EF4-FFF2-40B4-BE49-F238E27FC236}">
+                <a16:creationId xmlns:a16="http://schemas.microsoft.com/office/drawing/2014/main" id="{D46A2E87-6FFB-3D1F-1681-9C49DDC7D4FF}"/>
+              </a:ext>
+            </a:extLst>
+          </p:cNvPr>
+          <p:cNvSpPr txBox="1">
+            <a:spLocks/>
+          </p:cNvSpPr>
+          <p:nvPr/>
+        </p:nvSpPr>
+        <p:spPr>
+          <a:xfrm>
+            <a:off x="510558" y="196996"/>
+            <a:ext cx="9163983" cy="594360"/>
+          </a:xfrm>
+          <a:prstGeom prst="rect">
+            <a:avLst/>
+          </a:prstGeom>
+        </p:spPr>
+        <p:txBody>
+          <a:bodyPr/>
+          <a:lstStyle>
+            <a:lvl1pPr algn="l" defTabSz="914400" rtl="0" eaLnBrk="1" latinLnBrk="0" hangingPunct="1">
+              <a:lnSpc>
+                <a:spcPct val="85000"/>
+              </a:lnSpc>
+              <a:spcBef>
+                <a:spcPct val="0"/>
+              </a:spcBef>
+              <a:buNone/>
+              <a:defRPr sz="4800" kern="1200" spc="-50" baseline="0">
+                <a:solidFill>
+                  <a:schemeClr val="tx1">
+                    <a:lumMod val="75000"/>
+                    <a:lumOff val="25000"/>
+                  </a:schemeClr>
+                </a:solidFill>
+                <a:latin typeface="+mj-lt"/>
+                <a:ea typeface="+mj-ea"/>
+                <a:cs typeface="+mj-cs"/>
+              </a:defRPr>
+            </a:lvl1pPr>
+          </a:lstStyle>
+          <a:p>
+            <a:r>
               <a:rPr lang="en-US" sz="3200" b="1" dirty="0">
                 <a:solidFill>
                   <a:schemeClr val="accent1"/>
@@ -6340,8 +7529,8 @@
         </p:nvSpPr>
         <p:spPr bwMode="auto">
           <a:xfrm>
-            <a:off x="436232" y="2001704"/>
-            <a:ext cx="6053067" cy="2067192"/>
+            <a:off x="436232" y="1745571"/>
+            <a:ext cx="6343947" cy="1851749"/>
           </a:xfrm>
           <a:prstGeom prst="rect">
             <a:avLst/>
@@ -6376,7 +7565,7 @@
           </a:extLst>
         </p:spPr>
         <p:txBody>
-          <a:bodyPr vert="horz" wrap="none" lIns="91440" tIns="63480" rIns="91440" bIns="63480" numCol="1" anchor="ctr" anchorCtr="0" compatLnSpc="1">
+          <a:bodyPr vert="horz" wrap="square" lIns="91440" tIns="63480" rIns="91440" bIns="63480" numCol="1" anchor="ctr" anchorCtr="0" compatLnSpc="1">
             <a:prstTxWarp prst="textNoShape">
               <a:avLst/>
             </a:prstTxWarp>
@@ -6540,28 +7729,6 @@
               </a:rPr>
               <a:t>Donde:</a:t>
             </a:r>
-            <a:br>
-              <a:rPr kumimoji="0" lang="es-MX" altLang="es-MX" sz="1400" b="0" i="0" u="none" strike="noStrike" cap="none" normalizeH="0" baseline="0" dirty="0">
-                <a:ln>
-                  <a:noFill/>
-                </a:ln>
-                <a:solidFill>
-                  <a:srgbClr val="333333"/>
-                </a:solidFill>
-                <a:effectLst/>
-                <a:latin typeface="+mn-lt"/>
-              </a:rPr>
-            </a:br>
-            <a:endParaRPr kumimoji="0" lang="es-MX" altLang="es-MX" sz="1400" b="0" i="0" u="none" strike="noStrike" cap="none" normalizeH="0" baseline="0" dirty="0">
-              <a:ln>
-                <a:noFill/>
-              </a:ln>
-              <a:solidFill>
-                <a:srgbClr val="333333"/>
-              </a:solidFill>
-              <a:effectLst/>
-              <a:latin typeface="+mn-lt"/>
-            </a:endParaRPr>
           </a:p>
           <a:p>
             <a:pPr marL="0" marR="0" lvl="0" indent="0" algn="l" defTabSz="914400" rtl="0" eaLnBrk="0" fontAlgn="base" latinLnBrk="0" hangingPunct="0">
@@ -6804,10 +7971,3938 @@
           </a:p>
         </p:txBody>
       </p:sp>
+      <p:pic>
+        <p:nvPicPr>
+          <p:cNvPr id="6" name="Picture 5">
+            <a:extLst>
+              <a:ext uri="{FF2B5EF4-FFF2-40B4-BE49-F238E27FC236}">
+                <a16:creationId xmlns:a16="http://schemas.microsoft.com/office/drawing/2014/main" id="{0CB149E8-C833-344F-EF96-2571370EEF18}"/>
+              </a:ext>
+            </a:extLst>
+          </p:cNvPr>
+          <p:cNvPicPr>
+            <a:picLocks noChangeAspect="1"/>
+          </p:cNvPicPr>
+          <p:nvPr/>
+        </p:nvPicPr>
+        <p:blipFill>
+          <a:blip r:embed="rId3"/>
+          <a:stretch>
+            <a:fillRect/>
+          </a:stretch>
+        </p:blipFill>
+        <p:spPr>
+          <a:xfrm>
+            <a:off x="415588" y="3464263"/>
+            <a:ext cx="5640342" cy="2422697"/>
+          </a:xfrm>
+          <a:prstGeom prst="rect">
+            <a:avLst/>
+          </a:prstGeom>
+        </p:spPr>
+      </p:pic>
+      <p:pic>
+        <p:nvPicPr>
+          <p:cNvPr id="8" name="Picture 7">
+            <a:extLst>
+              <a:ext uri="{FF2B5EF4-FFF2-40B4-BE49-F238E27FC236}">
+                <a16:creationId xmlns:a16="http://schemas.microsoft.com/office/drawing/2014/main" id="{31249019-2777-166B-C273-92409CFA72B7}"/>
+              </a:ext>
+            </a:extLst>
+          </p:cNvPr>
+          <p:cNvPicPr>
+            <a:picLocks noChangeAspect="1"/>
+          </p:cNvPicPr>
+          <p:nvPr/>
+        </p:nvPicPr>
+        <p:blipFill>
+          <a:blip r:embed="rId4"/>
+          <a:stretch>
+            <a:fillRect/>
+          </a:stretch>
+        </p:blipFill>
+        <p:spPr>
+          <a:xfrm>
+            <a:off x="6322078" y="3479900"/>
+            <a:ext cx="5545372" cy="2407059"/>
+          </a:xfrm>
+          <a:prstGeom prst="rect">
+            <a:avLst/>
+          </a:prstGeom>
+        </p:spPr>
+      </p:pic>
+      <p:pic>
+        <p:nvPicPr>
+          <p:cNvPr id="12" name="Picture 11">
+            <a:extLst>
+              <a:ext uri="{FF2B5EF4-FFF2-40B4-BE49-F238E27FC236}">
+                <a16:creationId xmlns:a16="http://schemas.microsoft.com/office/drawing/2014/main" id="{286F9150-DA4F-E06A-776C-E3CA7FEBCF89}"/>
+              </a:ext>
+            </a:extLst>
+          </p:cNvPr>
+          <p:cNvPicPr>
+            <a:picLocks noChangeAspect="1"/>
+          </p:cNvPicPr>
+          <p:nvPr/>
+        </p:nvPicPr>
+        <p:blipFill>
+          <a:blip r:embed="rId5"/>
+          <a:stretch>
+            <a:fillRect/>
+          </a:stretch>
+        </p:blipFill>
+        <p:spPr>
+          <a:xfrm>
+            <a:off x="7473849" y="2109771"/>
+            <a:ext cx="2324301" cy="502964"/>
+          </a:xfrm>
+          <a:prstGeom prst="rect">
+            <a:avLst/>
+          </a:prstGeom>
+        </p:spPr>
+      </p:pic>
     </p:spTree>
     <p:extLst>
       <p:ext uri="{BB962C8B-B14F-4D97-AF65-F5344CB8AC3E}">
         <p14:creationId xmlns:p14="http://schemas.microsoft.com/office/powerpoint/2010/main" val="999813258"/>
+      </p:ext>
+    </p:extLst>
+  </p:cSld>
+  <p:clrMapOvr>
+    <a:masterClrMapping/>
+  </p:clrMapOvr>
+</p:sld>
+</file>
+
+<file path=ppt/slides/slide6.xml><?xml version="1.0" encoding="utf-8"?>
+<p:sld xmlns:a="http://schemas.openxmlformats.org/drawingml/2006/main" xmlns:r="http://schemas.openxmlformats.org/officeDocument/2006/relationships" xmlns:p="http://schemas.openxmlformats.org/presentationml/2006/main">
+  <p:cSld>
+    <p:spTree>
+      <p:nvGrpSpPr>
+        <p:cNvPr id="1" name=""/>
+        <p:cNvGrpSpPr/>
+        <p:nvPr/>
+      </p:nvGrpSpPr>
+      <p:grpSpPr>
+        <a:xfrm>
+          <a:off x="0" y="0"/>
+          <a:ext cx="0" cy="0"/>
+          <a:chOff x="0" y="0"/>
+          <a:chExt cx="0" cy="0"/>
+        </a:xfrm>
+      </p:grpSpPr>
+      <p:sp>
+        <p:nvSpPr>
+          <p:cNvPr id="4" name="Title 2">
+            <a:extLst>
+              <a:ext uri="{FF2B5EF4-FFF2-40B4-BE49-F238E27FC236}">
+                <a16:creationId xmlns:a16="http://schemas.microsoft.com/office/drawing/2014/main" id="{D46A2E87-6FFB-3D1F-1681-9C49DDC7D4FF}"/>
+              </a:ext>
+            </a:extLst>
+          </p:cNvPr>
+          <p:cNvSpPr txBox="1">
+            <a:spLocks/>
+          </p:cNvSpPr>
+          <p:nvPr/>
+        </p:nvSpPr>
+        <p:spPr>
+          <a:xfrm>
+            <a:off x="510558" y="196996"/>
+            <a:ext cx="10228562" cy="594360"/>
+          </a:xfrm>
+          <a:prstGeom prst="rect">
+            <a:avLst/>
+          </a:prstGeom>
+        </p:spPr>
+        <p:txBody>
+          <a:bodyPr/>
+          <a:lstStyle>
+            <a:lvl1pPr algn="l" defTabSz="914400" rtl="0" eaLnBrk="1" latinLnBrk="0" hangingPunct="1">
+              <a:lnSpc>
+                <a:spcPct val="85000"/>
+              </a:lnSpc>
+              <a:spcBef>
+                <a:spcPct val="0"/>
+              </a:spcBef>
+              <a:buNone/>
+              <a:defRPr sz="4800" kern="1200" spc="-50" baseline="0">
+                <a:solidFill>
+                  <a:schemeClr val="tx1">
+                    <a:lumMod val="75000"/>
+                    <a:lumOff val="25000"/>
+                  </a:schemeClr>
+                </a:solidFill>
+                <a:latin typeface="+mj-lt"/>
+                <a:ea typeface="+mj-ea"/>
+                <a:cs typeface="+mj-cs"/>
+              </a:defRPr>
+            </a:lvl1pPr>
+          </a:lstStyle>
+          <a:p>
+            <a:r>
+              <a:rPr lang="en-US" sz="3200" b="1" dirty="0" err="1">
+                <a:solidFill>
+                  <a:schemeClr val="accent1"/>
+                </a:solidFill>
+              </a:rPr>
+              <a:t>Aplicación</a:t>
+            </a:r>
+            <a:r>
+              <a:rPr lang="en-US" sz="3200" b="1" dirty="0">
+                <a:solidFill>
+                  <a:schemeClr val="accent1"/>
+                </a:solidFill>
+              </a:rPr>
+              <a:t> del </a:t>
+            </a:r>
+            <a:r>
+              <a:rPr lang="en-US" sz="3200" b="1" dirty="0" err="1">
+                <a:solidFill>
+                  <a:schemeClr val="accent1"/>
+                </a:solidFill>
+              </a:rPr>
+              <a:t>modelo</a:t>
+            </a:r>
+            <a:r>
+              <a:rPr lang="en-US" sz="3200" b="1" dirty="0">
+                <a:solidFill>
+                  <a:schemeClr val="accent1"/>
+                </a:solidFill>
+              </a:rPr>
+              <a:t> de </a:t>
+            </a:r>
+            <a:r>
+              <a:rPr lang="en-US" sz="3200" b="1" dirty="0" err="1">
+                <a:solidFill>
+                  <a:schemeClr val="accent1"/>
+                </a:solidFill>
+              </a:rPr>
+              <a:t>Mínimos</a:t>
+            </a:r>
+            <a:r>
+              <a:rPr lang="en-US" sz="3200" b="1" dirty="0">
+                <a:solidFill>
+                  <a:schemeClr val="accent1"/>
+                </a:solidFill>
+              </a:rPr>
+              <a:t> </a:t>
+            </a:r>
+            <a:r>
+              <a:rPr lang="en-US" sz="3200" b="1" dirty="0" err="1">
+                <a:solidFill>
+                  <a:schemeClr val="accent1"/>
+                </a:solidFill>
+              </a:rPr>
+              <a:t>Cuadrados</a:t>
+            </a:r>
+            <a:r>
+              <a:rPr lang="en-US" sz="3200" b="1" dirty="0">
+                <a:solidFill>
+                  <a:schemeClr val="accent1"/>
+                </a:solidFill>
+              </a:rPr>
+              <a:t> </a:t>
+            </a:r>
+            <a:r>
+              <a:rPr lang="en-US" sz="3200" b="1" dirty="0" err="1">
+                <a:solidFill>
+                  <a:schemeClr val="accent1"/>
+                </a:solidFill>
+              </a:rPr>
+              <a:t>Ordinarios</a:t>
+            </a:r>
+            <a:r>
+              <a:rPr lang="en-US" sz="3200" b="1" dirty="0">
+                <a:solidFill>
+                  <a:schemeClr val="accent1"/>
+                </a:solidFill>
+              </a:rPr>
+              <a:t> (MCO1)</a:t>
+            </a:r>
+            <a:endParaRPr lang="es-MX" sz="3200" b="1" dirty="0">
+              <a:solidFill>
+                <a:schemeClr val="accent1"/>
+              </a:solidFill>
+            </a:endParaRPr>
+          </a:p>
+        </p:txBody>
+      </p:sp>
+      <p:sp>
+        <p:nvSpPr>
+          <p:cNvPr id="2" name="Rectangle 1">
+            <a:extLst>
+              <a:ext uri="{FF2B5EF4-FFF2-40B4-BE49-F238E27FC236}">
+                <a16:creationId xmlns:a16="http://schemas.microsoft.com/office/drawing/2014/main" id="{54127534-65DD-4883-5AB0-6E65F62F36BE}"/>
+              </a:ext>
+            </a:extLst>
+          </p:cNvPr>
+          <p:cNvSpPr>
+            <a:spLocks noChangeArrowheads="1"/>
+          </p:cNvSpPr>
+          <p:nvPr/>
+        </p:nvSpPr>
+        <p:spPr bwMode="auto">
+          <a:xfrm>
+            <a:off x="670560" y="1093031"/>
+            <a:ext cx="10228562" cy="618098"/>
+          </a:xfrm>
+          <a:prstGeom prst="rect">
+            <a:avLst/>
+          </a:prstGeom>
+          <a:solidFill>
+            <a:srgbClr val="F5F5F5"/>
+          </a:solidFill>
+          <a:ln>
+            <a:noFill/>
+          </a:ln>
+          <a:effectLst/>
+          <a:extLst>
+            <a:ext uri="{91240B29-F687-4F45-9708-019B960494DF}">
+              <a14:hiddenLine xmlns:a14="http://schemas.microsoft.com/office/drawing/2010/main" w="9525">
+                <a:solidFill>
+                  <a:schemeClr val="tx1"/>
+                </a:solidFill>
+                <a:miter lim="800000"/>
+                <a:headEnd/>
+                <a:tailEnd/>
+              </a14:hiddenLine>
+            </a:ext>
+            <a:ext uri="{AF507438-7753-43E0-B8FC-AC1667EBCBE1}">
+              <a14:hiddenEffects xmlns:a14="http://schemas.microsoft.com/office/drawing/2010/main">
+                <a:effectLst>
+                  <a:outerShdw dist="35921" dir="2700000" algn="ctr" rotWithShape="0">
+                    <a:schemeClr val="bg2"/>
+                  </a:outerShdw>
+                </a:effectLst>
+              </a14:hiddenEffects>
+            </a:ext>
+          </a:extLst>
+        </p:spPr>
+        <p:txBody>
+          <a:bodyPr vert="horz" wrap="square" lIns="0" tIns="0" rIns="0" bIns="63480" numCol="1" anchor="ctr" anchorCtr="0" compatLnSpc="1">
+            <a:prstTxWarp prst="textNoShape">
+              <a:avLst/>
+            </a:prstTxWarp>
+            <a:spAutoFit/>
+          </a:bodyPr>
+          <a:lstStyle/>
+          <a:p>
+            <a:pPr marL="0" marR="0" lvl="0" indent="0" algn="l" defTabSz="914400" rtl="0" eaLnBrk="0" fontAlgn="base" latinLnBrk="0" hangingPunct="0">
+              <a:lnSpc>
+                <a:spcPct val="100000"/>
+              </a:lnSpc>
+              <a:spcBef>
+                <a:spcPct val="0"/>
+              </a:spcBef>
+              <a:spcAft>
+                <a:spcPct val="0"/>
+              </a:spcAft>
+              <a:buClrTx/>
+              <a:buSzTx/>
+              <a:buFontTx/>
+              <a:buNone/>
+              <a:tabLst/>
+            </a:pPr>
+            <a:r>
+              <a:rPr kumimoji="0" lang="es-MX" altLang="es-MX" sz="1200" b="0" i="0" u="none" strike="noStrike" cap="none" normalizeH="0" baseline="0" dirty="0">
+                <a:ln>
+                  <a:noFill/>
+                </a:ln>
+                <a:solidFill>
+                  <a:srgbClr val="333333"/>
+                </a:solidFill>
+                <a:effectLst/>
+              </a:rPr>
+              <a:t>olm_model1_wage_train_data &lt;- lm(</a:t>
+            </a:r>
+            <a:r>
+              <a:rPr kumimoji="0" lang="es-MX" altLang="es-MX" sz="1200" b="0" i="0" u="none" strike="noStrike" cap="none" normalizeH="0" baseline="0" dirty="0" err="1">
+                <a:ln>
+                  <a:noFill/>
+                </a:ln>
+                <a:solidFill>
+                  <a:srgbClr val="333333"/>
+                </a:solidFill>
+                <a:effectLst/>
+              </a:rPr>
+              <a:t>wage</a:t>
+            </a:r>
+            <a:r>
+              <a:rPr kumimoji="0" lang="es-MX" altLang="es-MX" sz="1200" b="0" i="0" u="none" strike="noStrike" cap="none" normalizeH="0" baseline="0" dirty="0">
+                <a:ln>
+                  <a:noFill/>
+                </a:ln>
+                <a:solidFill>
+                  <a:srgbClr val="333333"/>
+                </a:solidFill>
+                <a:effectLst/>
+              </a:rPr>
+              <a:t> ~ </a:t>
+            </a:r>
+            <a:r>
+              <a:rPr kumimoji="0" lang="es-MX" altLang="es-MX" sz="1200" b="0" i="0" u="none" strike="noStrike" cap="none" normalizeH="0" baseline="0" dirty="0" err="1">
+                <a:ln>
+                  <a:noFill/>
+                </a:ln>
+                <a:solidFill>
+                  <a:srgbClr val="333333"/>
+                </a:solidFill>
+                <a:effectLst/>
+              </a:rPr>
+              <a:t>black+educ+exper+faminc+female+metro+midwest+south</a:t>
+            </a:r>
+            <a:r>
+              <a:rPr kumimoji="0" lang="es-MX" altLang="es-MX" sz="1200" b="0" i="0" u="none" strike="noStrike" cap="none" normalizeH="0" baseline="0" dirty="0">
+                <a:ln>
+                  <a:noFill/>
+                </a:ln>
+                <a:solidFill>
+                  <a:srgbClr val="333333"/>
+                </a:solidFill>
+                <a:effectLst/>
+              </a:rPr>
+              <a:t>, data = </a:t>
+            </a:r>
+            <a:r>
+              <a:rPr kumimoji="0" lang="es-MX" altLang="es-MX" sz="1200" b="0" i="0" u="none" strike="noStrike" cap="none" normalizeH="0" baseline="0" dirty="0" err="1">
+                <a:ln>
+                  <a:noFill/>
+                </a:ln>
+                <a:solidFill>
+                  <a:srgbClr val="333333"/>
+                </a:solidFill>
+                <a:effectLst/>
+              </a:rPr>
+              <a:t>wage_train_data</a:t>
+            </a:r>
+            <a:r>
+              <a:rPr kumimoji="0" lang="es-MX" altLang="es-MX" sz="1200" b="0" i="0" u="none" strike="noStrike" cap="none" normalizeH="0" baseline="0" dirty="0">
+                <a:ln>
+                  <a:noFill/>
+                </a:ln>
+                <a:solidFill>
+                  <a:srgbClr val="333333"/>
+                </a:solidFill>
+                <a:effectLst/>
+              </a:rPr>
+              <a:t>) </a:t>
+            </a:r>
+          </a:p>
+          <a:p>
+            <a:pPr marL="0" marR="0" lvl="0" indent="0" algn="l" defTabSz="914400" rtl="0" eaLnBrk="0" fontAlgn="base" latinLnBrk="0" hangingPunct="0">
+              <a:lnSpc>
+                <a:spcPct val="100000"/>
+              </a:lnSpc>
+              <a:spcBef>
+                <a:spcPct val="0"/>
+              </a:spcBef>
+              <a:spcAft>
+                <a:spcPct val="0"/>
+              </a:spcAft>
+              <a:buClrTx/>
+              <a:buSzTx/>
+              <a:buFontTx/>
+              <a:buNone/>
+              <a:tabLst/>
+            </a:pPr>
+            <a:endParaRPr lang="es-MX" altLang="es-MX" sz="1200" dirty="0">
+              <a:solidFill>
+                <a:srgbClr val="333333"/>
+              </a:solidFill>
+            </a:endParaRPr>
+          </a:p>
+          <a:p>
+            <a:pPr marL="0" marR="0" lvl="0" indent="0" algn="l" defTabSz="914400" rtl="0" eaLnBrk="0" fontAlgn="base" latinLnBrk="0" hangingPunct="0">
+              <a:lnSpc>
+                <a:spcPct val="100000"/>
+              </a:lnSpc>
+              <a:spcBef>
+                <a:spcPct val="0"/>
+              </a:spcBef>
+              <a:spcAft>
+                <a:spcPct val="0"/>
+              </a:spcAft>
+              <a:buClrTx/>
+              <a:buSzTx/>
+              <a:buFontTx/>
+              <a:buNone/>
+              <a:tabLst/>
+            </a:pPr>
+            <a:r>
+              <a:rPr kumimoji="0" lang="es-MX" altLang="es-MX" sz="1200" b="0" i="0" u="none" strike="noStrike" cap="none" normalizeH="0" baseline="0" dirty="0" err="1">
+                <a:ln>
+                  <a:noFill/>
+                </a:ln>
+                <a:solidFill>
+                  <a:srgbClr val="333333"/>
+                </a:solidFill>
+                <a:effectLst/>
+              </a:rPr>
+              <a:t>summary</a:t>
+            </a:r>
+            <a:r>
+              <a:rPr kumimoji="0" lang="es-MX" altLang="es-MX" sz="1200" b="0" i="0" u="none" strike="noStrike" cap="none" normalizeH="0" baseline="0" dirty="0">
+                <a:ln>
+                  <a:noFill/>
+                </a:ln>
+                <a:solidFill>
+                  <a:srgbClr val="333333"/>
+                </a:solidFill>
+                <a:effectLst/>
+              </a:rPr>
+              <a:t>(olm_model1_wage_train_data)</a:t>
+            </a:r>
+            <a:r>
+              <a:rPr kumimoji="0" lang="es-MX" altLang="es-MX" sz="1200" b="0" i="0" u="none" strike="noStrike" cap="none" normalizeH="0" baseline="0" dirty="0">
+                <a:ln>
+                  <a:noFill/>
+                </a:ln>
+                <a:solidFill>
+                  <a:schemeClr val="tx1"/>
+                </a:solidFill>
+                <a:effectLst/>
+              </a:rPr>
+              <a:t> </a:t>
+            </a:r>
+          </a:p>
+        </p:txBody>
+      </p:sp>
+      <p:pic>
+        <p:nvPicPr>
+          <p:cNvPr id="9" name="Picture 8">
+            <a:extLst>
+              <a:ext uri="{FF2B5EF4-FFF2-40B4-BE49-F238E27FC236}">
+                <a16:creationId xmlns:a16="http://schemas.microsoft.com/office/drawing/2014/main" id="{6EE77CB9-AB59-C67B-08E1-379461969FFF}"/>
+              </a:ext>
+            </a:extLst>
+          </p:cNvPr>
+          <p:cNvPicPr>
+            <a:picLocks noChangeAspect="1"/>
+          </p:cNvPicPr>
+          <p:nvPr/>
+        </p:nvPicPr>
+        <p:blipFill rotWithShape="1">
+          <a:blip r:embed="rId3"/>
+          <a:srcRect r="40138"/>
+          <a:stretch/>
+        </p:blipFill>
+        <p:spPr>
+          <a:xfrm>
+            <a:off x="225099" y="2439885"/>
+            <a:ext cx="2960061" cy="3037835"/>
+          </a:xfrm>
+          <a:prstGeom prst="rect">
+            <a:avLst/>
+          </a:prstGeom>
+        </p:spPr>
+      </p:pic>
+      <p:sp>
+        <p:nvSpPr>
+          <p:cNvPr id="13" name="TextBox 12">
+            <a:extLst>
+              <a:ext uri="{FF2B5EF4-FFF2-40B4-BE49-F238E27FC236}">
+                <a16:creationId xmlns:a16="http://schemas.microsoft.com/office/drawing/2014/main" id="{73172C9F-7223-A1C7-E269-684F2C2010B4}"/>
+              </a:ext>
+            </a:extLst>
+          </p:cNvPr>
+          <p:cNvSpPr txBox="1"/>
+          <p:nvPr/>
+        </p:nvSpPr>
+        <p:spPr>
+          <a:xfrm>
+            <a:off x="3592830" y="2551301"/>
+            <a:ext cx="7962900" cy="3046988"/>
+          </a:xfrm>
+          <a:prstGeom prst="rect">
+            <a:avLst/>
+          </a:prstGeom>
+          <a:noFill/>
+        </p:spPr>
+        <p:txBody>
+          <a:bodyPr wrap="square">
+            <a:spAutoFit/>
+          </a:bodyPr>
+          <a:lstStyle/>
+          <a:p>
+            <a:pPr algn="l"/>
+            <a:r>
+              <a:rPr lang="es-MX" sz="1200" b="0" i="0" dirty="0">
+                <a:solidFill>
+                  <a:srgbClr val="333333"/>
+                </a:solidFill>
+                <a:effectLst/>
+                <a:latin typeface="Helvetica Neue"/>
+              </a:rPr>
+              <a:t>Según el modelo estimado MCO1, se observa lo siguiente:</a:t>
+            </a:r>
+          </a:p>
+          <a:p>
+            <a:pPr marL="171450" indent="-171450" algn="l">
+              <a:buFont typeface="Arial" panose="020B0604020202020204" pitchFamily="34" charset="0"/>
+              <a:buChar char="•"/>
+            </a:pPr>
+            <a:r>
+              <a:rPr lang="es-MX" sz="1200" b="0" i="0" dirty="0">
+                <a:solidFill>
+                  <a:srgbClr val="333333"/>
+                </a:solidFill>
+                <a:effectLst/>
+                <a:latin typeface="Helvetica Neue"/>
+              </a:rPr>
+              <a:t>Los coeficientes son los esperados para las variables “</a:t>
+            </a:r>
+            <a:r>
+              <a:rPr lang="es-MX" sz="1200" b="0" i="0" dirty="0" err="1">
+                <a:solidFill>
+                  <a:srgbClr val="333333"/>
+                </a:solidFill>
+                <a:effectLst/>
+                <a:latin typeface="Helvetica Neue"/>
+              </a:rPr>
+              <a:t>educ</a:t>
+            </a:r>
+            <a:r>
+              <a:rPr lang="es-MX" sz="1200" b="0" i="0" dirty="0">
+                <a:solidFill>
+                  <a:srgbClr val="333333"/>
+                </a:solidFill>
+                <a:effectLst/>
+                <a:latin typeface="Helvetica Neue"/>
+              </a:rPr>
+              <a:t>”, “</a:t>
+            </a:r>
+            <a:r>
+              <a:rPr lang="es-MX" sz="1200" b="0" i="0" dirty="0" err="1">
+                <a:solidFill>
+                  <a:srgbClr val="333333"/>
+                </a:solidFill>
+                <a:effectLst/>
+                <a:latin typeface="Helvetica Neue"/>
+              </a:rPr>
+              <a:t>exper</a:t>
+            </a:r>
+            <a:r>
+              <a:rPr lang="es-MX" sz="1200" b="0" i="0" dirty="0">
+                <a:solidFill>
+                  <a:srgbClr val="333333"/>
+                </a:solidFill>
+                <a:effectLst/>
+                <a:latin typeface="Helvetica Neue"/>
+              </a:rPr>
+              <a:t>”: - Un año más de educación representa en promedio 2.54 más de ganancia - Un año más de experiencia representa en promedio 0.19 más de ganancia</a:t>
+            </a:r>
+          </a:p>
+          <a:p>
+            <a:pPr marL="171450" indent="-171450" algn="l">
+              <a:buFont typeface="Arial" panose="020B0604020202020204" pitchFamily="34" charset="0"/>
+              <a:buChar char="•"/>
+            </a:pPr>
+            <a:r>
+              <a:rPr lang="es-MX" sz="1200" b="0" i="0" dirty="0">
+                <a:solidFill>
+                  <a:srgbClr val="333333"/>
+                </a:solidFill>
+                <a:effectLst/>
+                <a:latin typeface="Helvetica Neue"/>
+              </a:rPr>
+              <a:t>El coeficiente de la variable “metro” también es el esperado: - Vivir en un área metropolitana representa en promedio 3.48 más de ganancia con respecto a no vivir en un área metropolitana</a:t>
+            </a:r>
+          </a:p>
+          <a:p>
+            <a:pPr marL="171450" indent="-171450" algn="l">
+              <a:buFont typeface="Arial" panose="020B0604020202020204" pitchFamily="34" charset="0"/>
+              <a:buChar char="•"/>
+            </a:pPr>
+            <a:r>
+              <a:rPr lang="es-MX" sz="1200" b="0" i="0" dirty="0">
+                <a:solidFill>
+                  <a:srgbClr val="333333"/>
+                </a:solidFill>
+                <a:effectLst/>
+                <a:latin typeface="Helvetica Neue"/>
+              </a:rPr>
+              <a:t>Para los coeficientes regionales de las variables “</a:t>
+            </a:r>
+            <a:r>
+              <a:rPr lang="es-MX" sz="1200" b="0" i="0" dirty="0" err="1">
+                <a:solidFill>
+                  <a:srgbClr val="333333"/>
+                </a:solidFill>
+                <a:effectLst/>
+                <a:latin typeface="Helvetica Neue"/>
+              </a:rPr>
+              <a:t>west</a:t>
+            </a:r>
+            <a:r>
+              <a:rPr lang="es-MX" sz="1200" b="0" i="0" dirty="0">
+                <a:solidFill>
+                  <a:srgbClr val="333333"/>
+                </a:solidFill>
+                <a:effectLst/>
+                <a:latin typeface="Helvetica Neue"/>
+              </a:rPr>
+              <a:t>” y “</a:t>
+            </a:r>
+            <a:r>
+              <a:rPr lang="es-MX" sz="1200" b="0" i="0" dirty="0" err="1">
+                <a:solidFill>
+                  <a:srgbClr val="333333"/>
+                </a:solidFill>
+                <a:effectLst/>
+                <a:latin typeface="Helvetica Neue"/>
+              </a:rPr>
+              <a:t>midwest</a:t>
+            </a:r>
+            <a:r>
+              <a:rPr lang="es-MX" sz="1200" b="0" i="0" dirty="0">
+                <a:solidFill>
+                  <a:srgbClr val="333333"/>
+                </a:solidFill>
+                <a:effectLst/>
+                <a:latin typeface="Helvetica Neue"/>
+              </a:rPr>
+              <a:t>”, dado que solo una de ellas es significativa o “linealmente independiente”, el programa tomó solo una de ellas en la ecuación lineal del modelo MCO. - Vivir en un área “</a:t>
+            </a:r>
+            <a:r>
+              <a:rPr lang="es-MX" sz="1200" b="0" i="0" dirty="0" err="1">
+                <a:solidFill>
+                  <a:srgbClr val="333333"/>
+                </a:solidFill>
+                <a:effectLst/>
+                <a:latin typeface="Helvetica Neue"/>
+              </a:rPr>
+              <a:t>west</a:t>
+            </a:r>
+            <a:r>
+              <a:rPr lang="es-MX" sz="1200" b="0" i="0" dirty="0">
+                <a:solidFill>
+                  <a:srgbClr val="333333"/>
+                </a:solidFill>
+                <a:effectLst/>
+                <a:latin typeface="Helvetica Neue"/>
+              </a:rPr>
+              <a:t>” o “</a:t>
+            </a:r>
+            <a:r>
+              <a:rPr lang="es-MX" sz="1200" b="0" i="0" dirty="0" err="1">
+                <a:solidFill>
+                  <a:srgbClr val="333333"/>
+                </a:solidFill>
+                <a:effectLst/>
+                <a:latin typeface="Helvetica Neue"/>
+              </a:rPr>
+              <a:t>midwest</a:t>
+            </a:r>
+            <a:r>
+              <a:rPr lang="es-MX" sz="1200" b="0" i="0" dirty="0">
+                <a:solidFill>
+                  <a:srgbClr val="333333"/>
+                </a:solidFill>
+                <a:effectLst/>
+                <a:latin typeface="Helvetica Neue"/>
+              </a:rPr>
+              <a:t>” representa en promedio 1.4 menos de ganancia con respecto a no vivir en un área “</a:t>
+            </a:r>
+            <a:r>
+              <a:rPr lang="es-MX" sz="1200" b="0" i="0" dirty="0" err="1">
+                <a:solidFill>
+                  <a:srgbClr val="333333"/>
+                </a:solidFill>
+                <a:effectLst/>
+                <a:latin typeface="Helvetica Neue"/>
+              </a:rPr>
+              <a:t>west</a:t>
+            </a:r>
+            <a:r>
+              <a:rPr lang="es-MX" sz="1200" b="0" i="0" dirty="0">
+                <a:solidFill>
+                  <a:srgbClr val="333333"/>
+                </a:solidFill>
+                <a:effectLst/>
+                <a:latin typeface="Helvetica Neue"/>
+              </a:rPr>
+              <a:t>” o “</a:t>
+            </a:r>
+            <a:r>
+              <a:rPr lang="es-MX" sz="1200" b="0" i="0" dirty="0" err="1">
+                <a:solidFill>
+                  <a:srgbClr val="333333"/>
+                </a:solidFill>
+                <a:effectLst/>
+                <a:latin typeface="Helvetica Neue"/>
+              </a:rPr>
+              <a:t>midwest</a:t>
+            </a:r>
+            <a:r>
+              <a:rPr lang="es-MX" sz="1200" b="0" i="0" dirty="0">
+                <a:solidFill>
+                  <a:srgbClr val="333333"/>
+                </a:solidFill>
+                <a:effectLst/>
+                <a:latin typeface="Helvetica Neue"/>
+              </a:rPr>
+              <a:t>”</a:t>
+            </a:r>
+          </a:p>
+          <a:p>
+            <a:pPr marL="171450" indent="-171450" algn="l">
+              <a:buFont typeface="Arial" panose="020B0604020202020204" pitchFamily="34" charset="0"/>
+              <a:buChar char="•"/>
+            </a:pPr>
+            <a:r>
+              <a:rPr lang="es-MX" sz="1200" b="0" i="0" dirty="0">
+                <a:solidFill>
+                  <a:srgbClr val="333333"/>
+                </a:solidFill>
+                <a:effectLst/>
+                <a:latin typeface="Helvetica Neue"/>
+              </a:rPr>
+              <a:t>Para los coeficientes regionales de la variable “</a:t>
+            </a:r>
+            <a:r>
+              <a:rPr lang="es-MX" sz="1200" b="0" i="0" dirty="0" err="1">
+                <a:solidFill>
+                  <a:srgbClr val="333333"/>
+                </a:solidFill>
+                <a:effectLst/>
+                <a:latin typeface="Helvetica Neue"/>
+              </a:rPr>
+              <a:t>south</a:t>
+            </a:r>
+            <a:r>
+              <a:rPr lang="es-MX" sz="1200" b="0" i="0" dirty="0">
+                <a:solidFill>
+                  <a:srgbClr val="333333"/>
+                </a:solidFill>
+                <a:effectLst/>
+                <a:latin typeface="Helvetica Neue"/>
+              </a:rPr>
+              <a:t>” - Vivir en un área “</a:t>
+            </a:r>
+            <a:r>
+              <a:rPr lang="es-MX" sz="1200" b="0" i="0" dirty="0" err="1">
+                <a:solidFill>
+                  <a:srgbClr val="333333"/>
+                </a:solidFill>
+                <a:effectLst/>
+                <a:latin typeface="Helvetica Neue"/>
+              </a:rPr>
+              <a:t>south</a:t>
+            </a:r>
+            <a:r>
+              <a:rPr lang="es-MX" sz="1200" b="0" i="0" dirty="0">
+                <a:solidFill>
+                  <a:srgbClr val="333333"/>
+                </a:solidFill>
+                <a:effectLst/>
+                <a:latin typeface="Helvetica Neue"/>
+              </a:rPr>
+              <a:t>” representa en promedio 1.22 menos de ganancia con respecto a no vivir en un área “</a:t>
+            </a:r>
+            <a:r>
+              <a:rPr lang="es-MX" sz="1200" b="0" i="0" dirty="0" err="1">
+                <a:solidFill>
+                  <a:srgbClr val="333333"/>
+                </a:solidFill>
+                <a:effectLst/>
+                <a:latin typeface="Helvetica Neue"/>
+              </a:rPr>
+              <a:t>south</a:t>
+            </a:r>
+            <a:r>
+              <a:rPr lang="es-MX" sz="1200" b="0" i="0" dirty="0">
+                <a:solidFill>
+                  <a:srgbClr val="333333"/>
+                </a:solidFill>
+                <a:effectLst/>
+                <a:latin typeface="Helvetica Neue"/>
+              </a:rPr>
+              <a:t>”</a:t>
+            </a:r>
+          </a:p>
+          <a:p>
+            <a:pPr marL="171450" indent="-171450" algn="l">
+              <a:buFont typeface="Arial" panose="020B0604020202020204" pitchFamily="34" charset="0"/>
+              <a:buChar char="•"/>
+            </a:pPr>
+            <a:r>
+              <a:rPr lang="es-MX" sz="1200" b="0" i="0" dirty="0">
+                <a:solidFill>
+                  <a:srgbClr val="333333"/>
+                </a:solidFill>
+                <a:effectLst/>
+                <a:latin typeface="Helvetica Neue"/>
+              </a:rPr>
+              <a:t>El signo del coeficiente de la variable “</a:t>
+            </a:r>
+            <a:r>
+              <a:rPr lang="es-MX" sz="1200" b="0" i="0" dirty="0" err="1">
+                <a:solidFill>
+                  <a:srgbClr val="333333"/>
+                </a:solidFill>
+                <a:effectLst/>
+                <a:latin typeface="Helvetica Neue"/>
+              </a:rPr>
+              <a:t>female</a:t>
+            </a:r>
+            <a:r>
+              <a:rPr lang="es-MX" sz="1200" b="0" i="0" dirty="0">
+                <a:solidFill>
+                  <a:srgbClr val="333333"/>
+                </a:solidFill>
+                <a:effectLst/>
+                <a:latin typeface="Helvetica Neue"/>
+              </a:rPr>
+              <a:t>” es negativo y significativo, lo que indica una posible discriminación en la fuerza laboral (cabe recalcar que este es solo el modelo inicial, por lo que aún no podemos estar seguros). - Ser “</a:t>
+            </a:r>
+            <a:r>
+              <a:rPr lang="es-MX" sz="1200" b="0" i="0" dirty="0" err="1">
+                <a:solidFill>
+                  <a:srgbClr val="333333"/>
+                </a:solidFill>
+                <a:effectLst/>
+                <a:latin typeface="Helvetica Neue"/>
+              </a:rPr>
+              <a:t>Female</a:t>
+            </a:r>
+            <a:r>
+              <a:rPr lang="es-MX" sz="1200" b="0" i="0" dirty="0">
+                <a:solidFill>
+                  <a:srgbClr val="333333"/>
+                </a:solidFill>
+                <a:effectLst/>
+                <a:latin typeface="Helvetica Neue"/>
+              </a:rPr>
+              <a:t>” representa en promedio 5.7 menos de ganancia con respecto a no ser “</a:t>
+            </a:r>
+            <a:r>
+              <a:rPr lang="es-MX" sz="1200" b="0" i="0" dirty="0" err="1">
+                <a:solidFill>
+                  <a:srgbClr val="333333"/>
+                </a:solidFill>
+                <a:effectLst/>
+                <a:latin typeface="Helvetica Neue"/>
+              </a:rPr>
+              <a:t>Female</a:t>
+            </a:r>
+            <a:r>
+              <a:rPr lang="es-MX" sz="1200" b="0" i="0" dirty="0">
+                <a:solidFill>
+                  <a:srgbClr val="333333"/>
+                </a:solidFill>
+                <a:effectLst/>
+                <a:latin typeface="Helvetica Neue"/>
+              </a:rPr>
+              <a:t>”</a:t>
+            </a:r>
+          </a:p>
+          <a:p>
+            <a:pPr marL="171450" indent="-171450" algn="l">
+              <a:buFont typeface="Arial" panose="020B0604020202020204" pitchFamily="34" charset="0"/>
+              <a:buChar char="•"/>
+            </a:pPr>
+            <a:r>
+              <a:rPr lang="es-MX" sz="1200" b="0" i="0" dirty="0">
+                <a:solidFill>
+                  <a:srgbClr val="333333"/>
+                </a:solidFill>
+                <a:effectLst/>
+                <a:latin typeface="Helvetica Neue"/>
+              </a:rPr>
+              <a:t>El signo del coeficiente de la variable “</a:t>
+            </a:r>
+            <a:r>
+              <a:rPr lang="es-MX" sz="1200" b="0" i="0" dirty="0" err="1">
+                <a:solidFill>
+                  <a:srgbClr val="333333"/>
+                </a:solidFill>
+                <a:effectLst/>
+                <a:latin typeface="Helvetica Neue"/>
+              </a:rPr>
+              <a:t>black</a:t>
+            </a:r>
+            <a:r>
+              <a:rPr lang="es-MX" sz="1200" b="0" i="0" dirty="0">
+                <a:solidFill>
+                  <a:srgbClr val="333333"/>
+                </a:solidFill>
+                <a:effectLst/>
+                <a:latin typeface="Helvetica Neue"/>
+              </a:rPr>
+              <a:t>” es negativo, pero no tan grande como </a:t>
+            </a:r>
+            <a:r>
+              <a:rPr lang="es-MX" sz="1200" b="0" i="0" dirty="0" err="1">
+                <a:solidFill>
+                  <a:srgbClr val="333333"/>
+                </a:solidFill>
+                <a:effectLst/>
+                <a:latin typeface="Helvetica Neue"/>
+              </a:rPr>
+              <a:t>Female</a:t>
+            </a:r>
+            <a:r>
+              <a:rPr lang="es-MX" sz="1200" b="0" i="0" dirty="0">
+                <a:solidFill>
+                  <a:srgbClr val="333333"/>
+                </a:solidFill>
+                <a:effectLst/>
+                <a:latin typeface="Helvetica Neue"/>
+              </a:rPr>
+              <a:t> - Ser “Black” representa en promedio 1.14 menos de ganancia con respecto a no ser “Black”</a:t>
+            </a:r>
+          </a:p>
+        </p:txBody>
+      </p:sp>
+      <p:sp>
+        <p:nvSpPr>
+          <p:cNvPr id="15" name="TextBox 14">
+            <a:extLst>
+              <a:ext uri="{FF2B5EF4-FFF2-40B4-BE49-F238E27FC236}">
+                <a16:creationId xmlns:a16="http://schemas.microsoft.com/office/drawing/2014/main" id="{9CCF5528-3098-E970-B9AD-C58D2B5A845E}"/>
+              </a:ext>
+            </a:extLst>
+          </p:cNvPr>
+          <p:cNvSpPr txBox="1"/>
+          <p:nvPr/>
+        </p:nvSpPr>
+        <p:spPr>
+          <a:xfrm>
+            <a:off x="56319" y="1927150"/>
+            <a:ext cx="12376560" cy="485598"/>
+          </a:xfrm>
+          <a:prstGeom prst="rect">
+            <a:avLst/>
+          </a:prstGeom>
+          <a:noFill/>
+        </p:spPr>
+        <p:txBody>
+          <a:bodyPr wrap="square">
+            <a:spAutoFit/>
+          </a:bodyPr>
+          <a:lstStyle/>
+          <a:p>
+            <a:r>
+              <a:rPr lang="es-MX" sz="1800" b="0" i="0" u="none" strike="noStrike" kern="1200" dirty="0" err="1">
+                <a:solidFill>
+                  <a:schemeClr val="dk1"/>
+                </a:solidFill>
+                <a:effectLst/>
+                <a:latin typeface="+mn-lt"/>
+                <a:ea typeface="+mn-ea"/>
+                <a:cs typeface="+mn-cs"/>
+              </a:rPr>
+              <a:t>wagei</a:t>
+            </a:r>
+            <a:r>
+              <a:rPr lang="es-MX" sz="1800" b="0" i="0" u="none" strike="noStrike" kern="1200" dirty="0">
+                <a:solidFill>
+                  <a:schemeClr val="dk1"/>
+                </a:solidFill>
+                <a:effectLst/>
+                <a:latin typeface="+mn-lt"/>
+                <a:ea typeface="+mn-ea"/>
+                <a:cs typeface="+mn-cs"/>
+              </a:rPr>
+              <a:t>=−17.98−1.14∗blacki+2.54∗educi+0.19∗experi+0.00005∗faminci−5.74∗femalei+3.48∗metroi−1.45∗midwesti−1.22∗southi+</a:t>
+            </a:r>
+            <a:r>
+              <a:rPr lang="el-GR" sz="1800" b="0" i="0" u="none" strike="noStrike" kern="1200" dirty="0">
+                <a:solidFill>
+                  <a:schemeClr val="dk1"/>
+                </a:solidFill>
+                <a:effectLst/>
+                <a:latin typeface="+mn-lt"/>
+                <a:ea typeface="+mn-ea"/>
+                <a:cs typeface="+mn-cs"/>
+              </a:rPr>
+              <a:t>ε</a:t>
+            </a:r>
+            <a:r>
+              <a:rPr lang="es-MX" sz="1800" b="0" i="0" u="none" strike="noStrike" kern="1200" dirty="0">
+                <a:solidFill>
+                  <a:schemeClr val="dk1"/>
+                </a:solidFill>
+                <a:effectLst/>
+                <a:latin typeface="+mn-lt"/>
+                <a:ea typeface="+mn-ea"/>
+                <a:cs typeface="+mn-cs"/>
+              </a:rPr>
+              <a:t>i</a:t>
+            </a:r>
+            <a:endParaRPr lang="es-MX" sz="1800" dirty="0"/>
+          </a:p>
+        </p:txBody>
+      </p:sp>
+    </p:spTree>
+    <p:extLst>
+      <p:ext uri="{BB962C8B-B14F-4D97-AF65-F5344CB8AC3E}">
+        <p14:creationId xmlns:p14="http://schemas.microsoft.com/office/powerpoint/2010/main" val="643616965"/>
+      </p:ext>
+    </p:extLst>
+  </p:cSld>
+  <p:clrMapOvr>
+    <a:masterClrMapping/>
+  </p:clrMapOvr>
+</p:sld>
+</file>
+
+<file path=ppt/slides/slide7.xml><?xml version="1.0" encoding="utf-8"?>
+<p:sld xmlns:a="http://schemas.openxmlformats.org/drawingml/2006/main" xmlns:r="http://schemas.openxmlformats.org/officeDocument/2006/relationships" xmlns:p="http://schemas.openxmlformats.org/presentationml/2006/main">
+  <p:cSld>
+    <p:spTree>
+      <p:nvGrpSpPr>
+        <p:cNvPr id="1" name=""/>
+        <p:cNvGrpSpPr/>
+        <p:nvPr/>
+      </p:nvGrpSpPr>
+      <p:grpSpPr>
+        <a:xfrm>
+          <a:off x="0" y="0"/>
+          <a:ext cx="0" cy="0"/>
+          <a:chOff x="0" y="0"/>
+          <a:chExt cx="0" cy="0"/>
+        </a:xfrm>
+      </p:grpSpPr>
+      <p:sp>
+        <p:nvSpPr>
+          <p:cNvPr id="4" name="Title 2">
+            <a:extLst>
+              <a:ext uri="{FF2B5EF4-FFF2-40B4-BE49-F238E27FC236}">
+                <a16:creationId xmlns:a16="http://schemas.microsoft.com/office/drawing/2014/main" id="{D46A2E87-6FFB-3D1F-1681-9C49DDC7D4FF}"/>
+              </a:ext>
+            </a:extLst>
+          </p:cNvPr>
+          <p:cNvSpPr txBox="1">
+            <a:spLocks/>
+          </p:cNvSpPr>
+          <p:nvPr/>
+        </p:nvSpPr>
+        <p:spPr>
+          <a:xfrm>
+            <a:off x="510558" y="196996"/>
+            <a:ext cx="10228562" cy="594360"/>
+          </a:xfrm>
+          <a:prstGeom prst="rect">
+            <a:avLst/>
+          </a:prstGeom>
+        </p:spPr>
+        <p:txBody>
+          <a:bodyPr/>
+          <a:lstStyle>
+            <a:lvl1pPr algn="l" defTabSz="914400" rtl="0" eaLnBrk="1" latinLnBrk="0" hangingPunct="1">
+              <a:lnSpc>
+                <a:spcPct val="85000"/>
+              </a:lnSpc>
+              <a:spcBef>
+                <a:spcPct val="0"/>
+              </a:spcBef>
+              <a:buNone/>
+              <a:defRPr sz="4800" kern="1200" spc="-50" baseline="0">
+                <a:solidFill>
+                  <a:schemeClr val="tx1">
+                    <a:lumMod val="75000"/>
+                    <a:lumOff val="25000"/>
+                  </a:schemeClr>
+                </a:solidFill>
+                <a:latin typeface="+mj-lt"/>
+                <a:ea typeface="+mj-ea"/>
+                <a:cs typeface="+mj-cs"/>
+              </a:defRPr>
+            </a:lvl1pPr>
+          </a:lstStyle>
+          <a:p>
+            <a:r>
+              <a:rPr lang="en-US" sz="3200" b="1" dirty="0" err="1">
+                <a:solidFill>
+                  <a:schemeClr val="accent1"/>
+                </a:solidFill>
+              </a:rPr>
+              <a:t>Aplicación</a:t>
+            </a:r>
+            <a:r>
+              <a:rPr lang="en-US" sz="3200" b="1" dirty="0">
+                <a:solidFill>
+                  <a:schemeClr val="accent1"/>
+                </a:solidFill>
+              </a:rPr>
+              <a:t> del </a:t>
+            </a:r>
+            <a:r>
+              <a:rPr lang="en-US" sz="3200" b="1" dirty="0" err="1">
+                <a:solidFill>
+                  <a:schemeClr val="accent1"/>
+                </a:solidFill>
+              </a:rPr>
+              <a:t>modelo</a:t>
+            </a:r>
+            <a:r>
+              <a:rPr lang="en-US" sz="3200" b="1" dirty="0">
+                <a:solidFill>
+                  <a:schemeClr val="accent1"/>
+                </a:solidFill>
+              </a:rPr>
+              <a:t> de </a:t>
+            </a:r>
+            <a:r>
+              <a:rPr lang="en-US" sz="3200" b="1" dirty="0" err="1">
+                <a:solidFill>
+                  <a:schemeClr val="accent1"/>
+                </a:solidFill>
+              </a:rPr>
+              <a:t>Mínimos</a:t>
+            </a:r>
+            <a:r>
+              <a:rPr lang="en-US" sz="3200" b="1" dirty="0">
+                <a:solidFill>
+                  <a:schemeClr val="accent1"/>
+                </a:solidFill>
+              </a:rPr>
+              <a:t> </a:t>
+            </a:r>
+            <a:r>
+              <a:rPr lang="en-US" sz="3200" b="1" dirty="0" err="1">
+                <a:solidFill>
+                  <a:schemeClr val="accent1"/>
+                </a:solidFill>
+              </a:rPr>
+              <a:t>Cuadrados</a:t>
+            </a:r>
+            <a:r>
+              <a:rPr lang="en-US" sz="3200" b="1" dirty="0">
+                <a:solidFill>
+                  <a:schemeClr val="accent1"/>
+                </a:solidFill>
+              </a:rPr>
+              <a:t> </a:t>
+            </a:r>
+            <a:r>
+              <a:rPr lang="en-US" sz="3200" b="1" dirty="0" err="1">
+                <a:solidFill>
+                  <a:schemeClr val="accent1"/>
+                </a:solidFill>
+              </a:rPr>
+              <a:t>Ordinarios</a:t>
+            </a:r>
+            <a:r>
+              <a:rPr lang="en-US" sz="3200" b="1" dirty="0">
+                <a:solidFill>
+                  <a:schemeClr val="accent1"/>
+                </a:solidFill>
+              </a:rPr>
+              <a:t> (MCO2)</a:t>
+            </a:r>
+            <a:endParaRPr lang="es-MX" sz="3200" b="1" dirty="0">
+              <a:solidFill>
+                <a:schemeClr val="accent1"/>
+              </a:solidFill>
+            </a:endParaRPr>
+          </a:p>
+        </p:txBody>
+      </p:sp>
+      <p:sp>
+        <p:nvSpPr>
+          <p:cNvPr id="3" name="TextBox 2">
+            <a:extLst>
+              <a:ext uri="{FF2B5EF4-FFF2-40B4-BE49-F238E27FC236}">
+                <a16:creationId xmlns:a16="http://schemas.microsoft.com/office/drawing/2014/main" id="{5E532800-B3ED-4623-23DE-9E6F29C42DA1}"/>
+              </a:ext>
+            </a:extLst>
+          </p:cNvPr>
+          <p:cNvSpPr txBox="1"/>
+          <p:nvPr/>
+        </p:nvSpPr>
+        <p:spPr>
+          <a:xfrm>
+            <a:off x="0" y="648407"/>
+            <a:ext cx="12376560" cy="369332"/>
+          </a:xfrm>
+          <a:prstGeom prst="rect">
+            <a:avLst/>
+          </a:prstGeom>
+          <a:noFill/>
+        </p:spPr>
+        <p:txBody>
+          <a:bodyPr wrap="square">
+            <a:spAutoFit/>
+          </a:bodyPr>
+          <a:lstStyle/>
+          <a:p>
+            <a:r>
+              <a:rPr lang="es-ES" sz="1800" b="0" i="0" u="none" strike="noStrike" kern="1200" dirty="0">
+                <a:solidFill>
+                  <a:schemeClr val="dk1"/>
+                </a:solidFill>
+                <a:effectLst/>
+                <a:latin typeface="+mn-lt"/>
+                <a:ea typeface="+mn-ea"/>
+                <a:cs typeface="+mn-cs"/>
+              </a:rPr>
+              <a:t>Se decidió correr un nuevo modelo de MCO pero tomando en cuenta solo a las variables significativas del MCO1 </a:t>
+            </a:r>
+            <a:endParaRPr lang="es-MX" sz="1800" dirty="0"/>
+          </a:p>
+        </p:txBody>
+      </p:sp>
+    </p:spTree>
+    <p:extLst>
+      <p:ext uri="{BB962C8B-B14F-4D97-AF65-F5344CB8AC3E}">
+        <p14:creationId xmlns:p14="http://schemas.microsoft.com/office/powerpoint/2010/main" val="1255830411"/>
+      </p:ext>
+    </p:extLst>
+  </p:cSld>
+  <p:clrMapOvr>
+    <a:masterClrMapping/>
+  </p:clrMapOvr>
+</p:sld>
+</file>
+
+<file path=ppt/slides/slide8.xml><?xml version="1.0" encoding="utf-8"?>
+<p:sld xmlns:a="http://schemas.openxmlformats.org/drawingml/2006/main" xmlns:r="http://schemas.openxmlformats.org/officeDocument/2006/relationships" xmlns:p="http://schemas.openxmlformats.org/presentationml/2006/main">
+  <p:cSld>
+    <p:spTree>
+      <p:nvGrpSpPr>
+        <p:cNvPr id="1" name=""/>
+        <p:cNvGrpSpPr/>
+        <p:nvPr/>
+      </p:nvGrpSpPr>
+      <p:grpSpPr>
+        <a:xfrm>
+          <a:off x="0" y="0"/>
+          <a:ext cx="0" cy="0"/>
+          <a:chOff x="0" y="0"/>
+          <a:chExt cx="0" cy="0"/>
+        </a:xfrm>
+      </p:grpSpPr>
+      <p:sp>
+        <p:nvSpPr>
+          <p:cNvPr id="4" name="Title 2">
+            <a:extLst>
+              <a:ext uri="{FF2B5EF4-FFF2-40B4-BE49-F238E27FC236}">
+                <a16:creationId xmlns:a16="http://schemas.microsoft.com/office/drawing/2014/main" id="{D46A2E87-6FFB-3D1F-1681-9C49DDC7D4FF}"/>
+              </a:ext>
+            </a:extLst>
+          </p:cNvPr>
+          <p:cNvSpPr txBox="1">
+            <a:spLocks/>
+          </p:cNvSpPr>
+          <p:nvPr/>
+        </p:nvSpPr>
+        <p:spPr>
+          <a:xfrm>
+            <a:off x="510558" y="196996"/>
+            <a:ext cx="10228562" cy="594360"/>
+          </a:xfrm>
+          <a:prstGeom prst="rect">
+            <a:avLst/>
+          </a:prstGeom>
+        </p:spPr>
+        <p:txBody>
+          <a:bodyPr/>
+          <a:lstStyle>
+            <a:lvl1pPr algn="l" defTabSz="914400" rtl="0" eaLnBrk="1" latinLnBrk="0" hangingPunct="1">
+              <a:lnSpc>
+                <a:spcPct val="85000"/>
+              </a:lnSpc>
+              <a:spcBef>
+                <a:spcPct val="0"/>
+              </a:spcBef>
+              <a:buNone/>
+              <a:defRPr sz="4800" kern="1200" spc="-50" baseline="0">
+                <a:solidFill>
+                  <a:schemeClr val="tx1">
+                    <a:lumMod val="75000"/>
+                    <a:lumOff val="25000"/>
+                  </a:schemeClr>
+                </a:solidFill>
+                <a:latin typeface="+mj-lt"/>
+                <a:ea typeface="+mj-ea"/>
+                <a:cs typeface="+mj-cs"/>
+              </a:defRPr>
+            </a:lvl1pPr>
+          </a:lstStyle>
+          <a:p>
+            <a:r>
+              <a:rPr lang="en-US" sz="3200" b="1" dirty="0" err="1">
+                <a:solidFill>
+                  <a:schemeClr val="accent1"/>
+                </a:solidFill>
+              </a:rPr>
+              <a:t>Aplicación</a:t>
+            </a:r>
+            <a:r>
+              <a:rPr lang="en-US" sz="3200" b="1" dirty="0">
+                <a:solidFill>
+                  <a:schemeClr val="accent1"/>
+                </a:solidFill>
+              </a:rPr>
+              <a:t> del </a:t>
+            </a:r>
+            <a:r>
+              <a:rPr lang="en-US" sz="3200" b="1" dirty="0" err="1">
+                <a:solidFill>
+                  <a:schemeClr val="accent1"/>
+                </a:solidFill>
+              </a:rPr>
+              <a:t>modelo</a:t>
+            </a:r>
+            <a:r>
+              <a:rPr lang="en-US" sz="3200" b="1" dirty="0">
+                <a:solidFill>
+                  <a:schemeClr val="accent1"/>
+                </a:solidFill>
+              </a:rPr>
+              <a:t> de </a:t>
+            </a:r>
+            <a:r>
+              <a:rPr lang="en-US" sz="3200" b="1" dirty="0" err="1">
+                <a:solidFill>
+                  <a:schemeClr val="accent1"/>
+                </a:solidFill>
+              </a:rPr>
+              <a:t>Mínimos</a:t>
+            </a:r>
+            <a:r>
+              <a:rPr lang="en-US" sz="3200" b="1" dirty="0">
+                <a:solidFill>
+                  <a:schemeClr val="accent1"/>
+                </a:solidFill>
+              </a:rPr>
+              <a:t> </a:t>
+            </a:r>
+            <a:r>
+              <a:rPr lang="en-US" sz="3200" b="1" dirty="0" err="1">
+                <a:solidFill>
+                  <a:schemeClr val="accent1"/>
+                </a:solidFill>
+              </a:rPr>
+              <a:t>Cuadrados</a:t>
+            </a:r>
+            <a:r>
+              <a:rPr lang="en-US" sz="3200" b="1" dirty="0">
+                <a:solidFill>
+                  <a:schemeClr val="accent1"/>
+                </a:solidFill>
+              </a:rPr>
+              <a:t> </a:t>
+            </a:r>
+            <a:r>
+              <a:rPr lang="en-US" sz="3200" b="1" dirty="0" err="1">
+                <a:solidFill>
+                  <a:schemeClr val="accent1"/>
+                </a:solidFill>
+              </a:rPr>
+              <a:t>Ordinarios</a:t>
+            </a:r>
+            <a:r>
+              <a:rPr lang="en-US" sz="3200" b="1" dirty="0">
+                <a:solidFill>
+                  <a:schemeClr val="accent1"/>
+                </a:solidFill>
+              </a:rPr>
+              <a:t> (MCO3)</a:t>
+            </a:r>
+            <a:endParaRPr lang="es-MX" sz="3200" b="1" dirty="0">
+              <a:solidFill>
+                <a:schemeClr val="accent1"/>
+              </a:solidFill>
+            </a:endParaRPr>
+          </a:p>
+        </p:txBody>
+      </p:sp>
+      <p:sp>
+        <p:nvSpPr>
+          <p:cNvPr id="3" name="TextBox 2">
+            <a:extLst>
+              <a:ext uri="{FF2B5EF4-FFF2-40B4-BE49-F238E27FC236}">
+                <a16:creationId xmlns:a16="http://schemas.microsoft.com/office/drawing/2014/main" id="{5E532800-B3ED-4623-23DE-9E6F29C42DA1}"/>
+              </a:ext>
+            </a:extLst>
+          </p:cNvPr>
+          <p:cNvSpPr txBox="1"/>
+          <p:nvPr/>
+        </p:nvSpPr>
+        <p:spPr>
+          <a:xfrm>
+            <a:off x="0" y="648407"/>
+            <a:ext cx="12376560" cy="369332"/>
+          </a:xfrm>
+          <a:prstGeom prst="rect">
+            <a:avLst/>
+          </a:prstGeom>
+          <a:noFill/>
+        </p:spPr>
+        <p:txBody>
+          <a:bodyPr wrap="square">
+            <a:spAutoFit/>
+          </a:bodyPr>
+          <a:lstStyle/>
+          <a:p>
+            <a:r>
+              <a:rPr lang="es-ES" sz="1800" b="0" i="0" u="none" strike="noStrike" kern="1200" dirty="0">
+                <a:solidFill>
+                  <a:schemeClr val="dk1"/>
+                </a:solidFill>
+                <a:effectLst/>
+                <a:latin typeface="+mn-lt"/>
+                <a:ea typeface="+mn-ea"/>
+                <a:cs typeface="+mn-cs"/>
+              </a:rPr>
+              <a:t>Se decidió correr un nuevo modelo de MCO pero tomando en cuenta solo a las variables significativas del MCO1 + Log(</a:t>
+            </a:r>
+            <a:r>
+              <a:rPr lang="es-ES" sz="1800" b="0" i="0" u="none" strike="noStrike" kern="1200" dirty="0" err="1">
+                <a:solidFill>
+                  <a:schemeClr val="dk1"/>
+                </a:solidFill>
+                <a:effectLst/>
+                <a:latin typeface="+mn-lt"/>
+                <a:ea typeface="+mn-ea"/>
+                <a:cs typeface="+mn-cs"/>
+              </a:rPr>
+              <a:t>Wage</a:t>
+            </a:r>
+            <a:r>
+              <a:rPr lang="es-ES" sz="1800" b="0" i="0" u="none" strike="noStrike" kern="1200" dirty="0">
+                <a:solidFill>
+                  <a:schemeClr val="dk1"/>
+                </a:solidFill>
+                <a:effectLst/>
+                <a:latin typeface="+mn-lt"/>
+                <a:ea typeface="+mn-ea"/>
+                <a:cs typeface="+mn-cs"/>
+              </a:rPr>
+              <a:t>) </a:t>
+            </a:r>
+            <a:endParaRPr lang="es-MX" sz="1800" dirty="0"/>
+          </a:p>
+        </p:txBody>
+      </p:sp>
+    </p:spTree>
+    <p:extLst>
+      <p:ext uri="{BB962C8B-B14F-4D97-AF65-F5344CB8AC3E}">
+        <p14:creationId xmlns:p14="http://schemas.microsoft.com/office/powerpoint/2010/main" val="693509486"/>
+      </p:ext>
+    </p:extLst>
+  </p:cSld>
+  <p:clrMapOvr>
+    <a:masterClrMapping/>
+  </p:clrMapOvr>
+</p:sld>
+</file>
+
+<file path=ppt/slides/slide9.xml><?xml version="1.0" encoding="utf-8"?>
+<p:sld xmlns:a="http://schemas.openxmlformats.org/drawingml/2006/main" xmlns:r="http://schemas.openxmlformats.org/officeDocument/2006/relationships" xmlns:p="http://schemas.openxmlformats.org/presentationml/2006/main">
+  <p:cSld>
+    <p:spTree>
+      <p:nvGrpSpPr>
+        <p:cNvPr id="1" name=""/>
+        <p:cNvGrpSpPr/>
+        <p:nvPr/>
+      </p:nvGrpSpPr>
+      <p:grpSpPr>
+        <a:xfrm>
+          <a:off x="0" y="0"/>
+          <a:ext cx="0" cy="0"/>
+          <a:chOff x="0" y="0"/>
+          <a:chExt cx="0" cy="0"/>
+        </a:xfrm>
+      </p:grpSpPr>
+      <p:sp>
+        <p:nvSpPr>
+          <p:cNvPr id="4" name="Title 2">
+            <a:extLst>
+              <a:ext uri="{FF2B5EF4-FFF2-40B4-BE49-F238E27FC236}">
+                <a16:creationId xmlns:a16="http://schemas.microsoft.com/office/drawing/2014/main" id="{D46A2E87-6FFB-3D1F-1681-9C49DDC7D4FF}"/>
+              </a:ext>
+            </a:extLst>
+          </p:cNvPr>
+          <p:cNvSpPr txBox="1">
+            <a:spLocks/>
+          </p:cNvSpPr>
+          <p:nvPr/>
+        </p:nvSpPr>
+        <p:spPr>
+          <a:xfrm>
+            <a:off x="510558" y="196996"/>
+            <a:ext cx="10228562" cy="594360"/>
+          </a:xfrm>
+          <a:prstGeom prst="rect">
+            <a:avLst/>
+          </a:prstGeom>
+        </p:spPr>
+        <p:txBody>
+          <a:bodyPr/>
+          <a:lstStyle>
+            <a:lvl1pPr algn="l" defTabSz="914400" rtl="0" eaLnBrk="1" latinLnBrk="0" hangingPunct="1">
+              <a:lnSpc>
+                <a:spcPct val="85000"/>
+              </a:lnSpc>
+              <a:spcBef>
+                <a:spcPct val="0"/>
+              </a:spcBef>
+              <a:buNone/>
+              <a:defRPr sz="4800" kern="1200" spc="-50" baseline="0">
+                <a:solidFill>
+                  <a:schemeClr val="tx1">
+                    <a:lumMod val="75000"/>
+                    <a:lumOff val="25000"/>
+                  </a:schemeClr>
+                </a:solidFill>
+                <a:latin typeface="+mj-lt"/>
+                <a:ea typeface="+mj-ea"/>
+                <a:cs typeface="+mj-cs"/>
+              </a:defRPr>
+            </a:lvl1pPr>
+          </a:lstStyle>
+          <a:p>
+            <a:r>
+              <a:rPr lang="en-US" sz="3200" b="1" dirty="0" err="1">
+                <a:solidFill>
+                  <a:schemeClr val="accent1"/>
+                </a:solidFill>
+              </a:rPr>
+              <a:t>Resultados</a:t>
+            </a:r>
+            <a:r>
+              <a:rPr lang="en-US" sz="3200" b="1" dirty="0">
+                <a:solidFill>
+                  <a:schemeClr val="accent1"/>
+                </a:solidFill>
+              </a:rPr>
+              <a:t> (al </a:t>
+            </a:r>
+            <a:r>
+              <a:rPr lang="en-US" sz="3200" b="1" dirty="0" err="1">
+                <a:solidFill>
+                  <a:schemeClr val="accent1"/>
+                </a:solidFill>
+              </a:rPr>
+              <a:t>momento</a:t>
+            </a:r>
+            <a:r>
+              <a:rPr lang="en-US" sz="3200" b="1" dirty="0">
+                <a:solidFill>
+                  <a:schemeClr val="accent1"/>
+                </a:solidFill>
+              </a:rPr>
+              <a:t>) </a:t>
+            </a:r>
+            <a:endParaRPr lang="es-MX" sz="3200" b="1" dirty="0">
+              <a:solidFill>
+                <a:schemeClr val="accent1"/>
+              </a:solidFill>
+            </a:endParaRPr>
+          </a:p>
+        </p:txBody>
+      </p:sp>
+      <p:graphicFrame>
+        <p:nvGraphicFramePr>
+          <p:cNvPr id="3" name="Table 2">
+            <a:extLst>
+              <a:ext uri="{FF2B5EF4-FFF2-40B4-BE49-F238E27FC236}">
+                <a16:creationId xmlns:a16="http://schemas.microsoft.com/office/drawing/2014/main" id="{BE83A8EB-4B5C-BC26-67D2-4F627995C958}"/>
+              </a:ext>
+            </a:extLst>
+          </p:cNvPr>
+          <p:cNvGraphicFramePr>
+            <a:graphicFrameLocks noGrp="1"/>
+          </p:cNvGraphicFramePr>
+          <p:nvPr>
+            <p:extLst>
+              <p:ext uri="{D42A27DB-BD31-4B8C-83A1-F6EECF244321}">
+                <p14:modId xmlns:p14="http://schemas.microsoft.com/office/powerpoint/2010/main" val="2605607253"/>
+              </p:ext>
+            </p:extLst>
+          </p:nvPr>
+        </p:nvGraphicFramePr>
+        <p:xfrm>
+          <a:off x="510558" y="1428326"/>
+          <a:ext cx="10953733" cy="3373120"/>
+        </p:xfrm>
+        <a:graphic>
+          <a:graphicData uri="http://schemas.openxmlformats.org/drawingml/2006/table">
+            <a:tbl>
+              <a:tblPr firstRow="1" bandRow="1">
+                <a:tableStyleId>{5C22544A-7EE6-4342-B048-85BDC9FD1C3A}</a:tableStyleId>
+              </a:tblPr>
+              <a:tblGrid>
+                <a:gridCol w="1125773">
+                  <a:extLst>
+                    <a:ext uri="{9D8B030D-6E8A-4147-A177-3AD203B41FA5}">
+                      <a16:colId xmlns:a16="http://schemas.microsoft.com/office/drawing/2014/main" val="3632679776"/>
+                    </a:ext>
+                  </a:extLst>
+                </a:gridCol>
+                <a:gridCol w="1125773">
+                  <a:extLst>
+                    <a:ext uri="{9D8B030D-6E8A-4147-A177-3AD203B41FA5}">
+                      <a16:colId xmlns:a16="http://schemas.microsoft.com/office/drawing/2014/main" val="2374456308"/>
+                    </a:ext>
+                  </a:extLst>
+                </a:gridCol>
+                <a:gridCol w="2869848">
+                  <a:extLst>
+                    <a:ext uri="{9D8B030D-6E8A-4147-A177-3AD203B41FA5}">
+                      <a16:colId xmlns:a16="http://schemas.microsoft.com/office/drawing/2014/main" val="2939646644"/>
+                    </a:ext>
+                  </a:extLst>
+                </a:gridCol>
+                <a:gridCol w="1012688">
+                  <a:extLst>
+                    <a:ext uri="{9D8B030D-6E8A-4147-A177-3AD203B41FA5}">
+                      <a16:colId xmlns:a16="http://schemas.microsoft.com/office/drawing/2014/main" val="2571014697"/>
+                    </a:ext>
+                  </a:extLst>
+                </a:gridCol>
+                <a:gridCol w="2939198">
+                  <a:extLst>
+                    <a:ext uri="{9D8B030D-6E8A-4147-A177-3AD203B41FA5}">
+                      <a16:colId xmlns:a16="http://schemas.microsoft.com/office/drawing/2014/main" val="1706982618"/>
+                    </a:ext>
+                  </a:extLst>
+                </a:gridCol>
+                <a:gridCol w="902825">
+                  <a:extLst>
+                    <a:ext uri="{9D8B030D-6E8A-4147-A177-3AD203B41FA5}">
+                      <a16:colId xmlns:a16="http://schemas.microsoft.com/office/drawing/2014/main" val="2881931664"/>
+                    </a:ext>
+                  </a:extLst>
+                </a:gridCol>
+                <a:gridCol w="977628">
+                  <a:extLst>
+                    <a:ext uri="{9D8B030D-6E8A-4147-A177-3AD203B41FA5}">
+                      <a16:colId xmlns:a16="http://schemas.microsoft.com/office/drawing/2014/main" val="4073485697"/>
+                    </a:ext>
+                  </a:extLst>
+                </a:gridCol>
+              </a:tblGrid>
+              <a:tr h="370840">
+                <a:tc>
+                  <a:txBody>
+                    <a:bodyPr/>
+                    <a:lstStyle/>
+                    <a:p>
+                      <a:pPr algn="ctr"/>
+                      <a:r>
+                        <a:rPr lang="es-ES" sz="1600" dirty="0"/>
+                        <a:t>Modelo</a:t>
+                      </a:r>
+                      <a:endParaRPr lang="es-MX" sz="1600" dirty="0"/>
+                    </a:p>
+                  </a:txBody>
+                  <a:tcPr>
+                    <a:lnB w="12700" cap="flat" cmpd="sng" algn="ctr">
+                      <a:solidFill>
+                        <a:schemeClr val="tx1"/>
+                      </a:solidFill>
+                      <a:prstDash val="solid"/>
+                      <a:round/>
+                      <a:headEnd type="none" w="med" len="med"/>
+                      <a:tailEnd type="none" w="med" len="med"/>
+                    </a:lnB>
+                    <a:solidFill>
+                      <a:schemeClr val="tx1"/>
+                    </a:solidFill>
+                  </a:tcPr>
+                </a:tc>
+                <a:tc>
+                  <a:txBody>
+                    <a:bodyPr/>
+                    <a:lstStyle/>
+                    <a:p>
+                      <a:pPr algn="ctr"/>
+                      <a:r>
+                        <a:rPr lang="es-ES" sz="1600" dirty="0"/>
+                        <a:t>Tipo</a:t>
+                      </a:r>
+                      <a:endParaRPr lang="es-MX" sz="1600" dirty="0"/>
+                    </a:p>
+                  </a:txBody>
+                  <a:tcPr>
+                    <a:lnB w="12700" cap="flat" cmpd="sng" algn="ctr">
+                      <a:solidFill>
+                        <a:schemeClr val="tx1"/>
+                      </a:solidFill>
+                      <a:prstDash val="solid"/>
+                      <a:round/>
+                      <a:headEnd type="none" w="med" len="med"/>
+                      <a:tailEnd type="none" w="med" len="med"/>
+                    </a:lnB>
+                    <a:solidFill>
+                      <a:schemeClr val="tx1"/>
+                    </a:solidFill>
+                  </a:tcPr>
+                </a:tc>
+                <a:tc>
+                  <a:txBody>
+                    <a:bodyPr/>
+                    <a:lstStyle/>
+                    <a:p>
+                      <a:pPr algn="ctr"/>
+                      <a:r>
+                        <a:rPr lang="es-ES" sz="1600" dirty="0"/>
+                        <a:t>Ecuación</a:t>
+                      </a:r>
+                      <a:endParaRPr lang="es-MX" sz="1600" dirty="0"/>
+                    </a:p>
+                  </a:txBody>
+                  <a:tcPr>
+                    <a:lnB w="12700" cap="flat" cmpd="sng" algn="ctr">
+                      <a:solidFill>
+                        <a:schemeClr val="tx1"/>
+                      </a:solidFill>
+                      <a:prstDash val="solid"/>
+                      <a:round/>
+                      <a:headEnd type="none" w="med" len="med"/>
+                      <a:tailEnd type="none" w="med" len="med"/>
+                    </a:lnB>
+                    <a:solidFill>
+                      <a:schemeClr val="tx1"/>
+                    </a:solidFill>
+                  </a:tcPr>
+                </a:tc>
+                <a:tc>
+                  <a:txBody>
+                    <a:bodyPr/>
+                    <a:lstStyle/>
+                    <a:p>
+                      <a:pPr algn="ctr"/>
+                      <a:r>
+                        <a:rPr lang="es-ES" sz="1600" dirty="0"/>
+                        <a:t>R</a:t>
+                      </a:r>
+                      <a:r>
+                        <a:rPr lang="en-US" sz="1600" dirty="0"/>
+                        <a:t>^2(adj)</a:t>
+                      </a:r>
+                      <a:endParaRPr lang="es-MX" sz="1600" dirty="0"/>
+                    </a:p>
+                  </a:txBody>
+                  <a:tcPr>
+                    <a:lnB w="12700" cap="flat" cmpd="sng" algn="ctr">
+                      <a:solidFill>
+                        <a:schemeClr val="tx1"/>
+                      </a:solidFill>
+                      <a:prstDash val="solid"/>
+                      <a:round/>
+                      <a:headEnd type="none" w="med" len="med"/>
+                      <a:tailEnd type="none" w="med" len="med"/>
+                    </a:lnB>
+                    <a:solidFill>
+                      <a:schemeClr val="tx1"/>
+                    </a:solidFill>
+                  </a:tcPr>
+                </a:tc>
+                <a:tc>
+                  <a:txBody>
+                    <a:bodyPr/>
+                    <a:lstStyle/>
+                    <a:p>
+                      <a:pPr algn="ctr"/>
+                      <a:r>
+                        <a:rPr lang="en-US" sz="1600" dirty="0" err="1"/>
+                        <a:t>Observaciones</a:t>
+                      </a:r>
+                      <a:r>
+                        <a:rPr lang="en-US" sz="1600" dirty="0"/>
+                        <a:t> </a:t>
+                      </a:r>
+                      <a:endParaRPr lang="es-MX" sz="1600" dirty="0"/>
+                    </a:p>
+                  </a:txBody>
+                  <a:tcPr>
+                    <a:lnB w="12700" cap="flat" cmpd="sng" algn="ctr">
+                      <a:solidFill>
+                        <a:schemeClr val="tx1"/>
+                      </a:solidFill>
+                      <a:prstDash val="solid"/>
+                      <a:round/>
+                      <a:headEnd type="none" w="med" len="med"/>
+                      <a:tailEnd type="none" w="med" len="med"/>
+                    </a:lnB>
+                    <a:solidFill>
+                      <a:schemeClr val="tx1"/>
+                    </a:solidFill>
+                  </a:tcPr>
+                </a:tc>
+                <a:tc>
+                  <a:txBody>
+                    <a:bodyPr/>
+                    <a:lstStyle/>
+                    <a:p>
+                      <a:pPr algn="ctr"/>
+                      <a:r>
+                        <a:rPr lang="en-US" sz="1600" dirty="0"/>
+                        <a:t>MAPE</a:t>
+                      </a:r>
+                      <a:endParaRPr lang="es-MX" sz="1600" dirty="0"/>
+                    </a:p>
+                  </a:txBody>
+                  <a:tcPr>
+                    <a:lnB w="12700" cap="flat" cmpd="sng" algn="ctr">
+                      <a:solidFill>
+                        <a:schemeClr val="tx1"/>
+                      </a:solidFill>
+                      <a:prstDash val="solid"/>
+                      <a:round/>
+                      <a:headEnd type="none" w="med" len="med"/>
+                      <a:tailEnd type="none" w="med" len="med"/>
+                    </a:lnB>
+                    <a:solidFill>
+                      <a:schemeClr val="tx1"/>
+                    </a:solidFill>
+                  </a:tcPr>
+                </a:tc>
+                <a:tc>
+                  <a:txBody>
+                    <a:bodyPr/>
+                    <a:lstStyle/>
+                    <a:p>
+                      <a:pPr algn="ctr"/>
+                      <a:r>
+                        <a:rPr lang="en-US" sz="1600" dirty="0"/>
+                        <a:t>RMSE</a:t>
+                      </a:r>
+                      <a:endParaRPr lang="es-MX" sz="1600" dirty="0"/>
+                    </a:p>
+                  </a:txBody>
+                  <a:tcPr>
+                    <a:lnB w="12700" cap="flat" cmpd="sng" algn="ctr">
+                      <a:solidFill>
+                        <a:schemeClr val="tx1"/>
+                      </a:solidFill>
+                      <a:prstDash val="solid"/>
+                      <a:round/>
+                      <a:headEnd type="none" w="med" len="med"/>
+                      <a:tailEnd type="none" w="med" len="med"/>
+                    </a:lnB>
+                    <a:solidFill>
+                      <a:schemeClr val="tx1"/>
+                    </a:solidFill>
+                  </a:tcPr>
+                </a:tc>
+                <a:extLst>
+                  <a:ext uri="{0D108BD9-81ED-4DB2-BD59-A6C34878D82A}">
+                    <a16:rowId xmlns:a16="http://schemas.microsoft.com/office/drawing/2014/main" val="147149874"/>
+                  </a:ext>
+                </a:extLst>
+              </a:tr>
+              <a:tr h="370840">
+                <a:tc>
+                  <a:txBody>
+                    <a:bodyPr/>
+                    <a:lstStyle/>
+                    <a:p>
+                      <a:r>
+                        <a:rPr lang="en-US" sz="1400" dirty="0"/>
+                        <a:t>MCO1</a:t>
+                      </a:r>
+                      <a:endParaRPr lang="es-MX" sz="1400" dirty="0"/>
+                    </a:p>
+                  </a:txBody>
+                  <a:tcPr>
+                    <a:lnL w="12700" cap="flat" cmpd="sng" algn="ctr">
+                      <a:solidFill>
+                        <a:schemeClr val="tx1"/>
+                      </a:solidFill>
+                      <a:prstDash val="solid"/>
+                      <a:round/>
+                      <a:headEnd type="none" w="med" len="med"/>
+                      <a:tailEnd type="none" w="med" len="med"/>
+                    </a:lnL>
+                    <a:lnR w="12700" cap="flat" cmpd="sng" algn="ctr">
+                      <a:solidFill>
+                        <a:schemeClr val="tx1"/>
+                      </a:solidFill>
+                      <a:prstDash val="solid"/>
+                      <a:round/>
+                      <a:headEnd type="none" w="med" len="med"/>
+                      <a:tailEnd type="none" w="med" len="med"/>
+                    </a:lnR>
+                    <a:lnT w="12700" cap="flat" cmpd="sng" algn="ctr">
+                      <a:solidFill>
+                        <a:schemeClr val="tx1"/>
+                      </a:solidFill>
+                      <a:prstDash val="solid"/>
+                      <a:round/>
+                      <a:headEnd type="none" w="med" len="med"/>
+                      <a:tailEnd type="none" w="med" len="med"/>
+                    </a:lnT>
+                    <a:lnB w="12700" cap="flat" cmpd="sng" algn="ctr">
+                      <a:solidFill>
+                        <a:schemeClr val="tx1"/>
+                      </a:solidFill>
+                      <a:prstDash val="solid"/>
+                      <a:round/>
+                      <a:headEnd type="none" w="med" len="med"/>
+                      <a:tailEnd type="none" w="med" len="med"/>
+                    </a:lnB>
+                    <a:solidFill>
+                      <a:schemeClr val="bg1">
+                        <a:lumMod val="95000"/>
+                      </a:schemeClr>
+                    </a:solidFill>
+                  </a:tcPr>
+                </a:tc>
+                <a:tc>
+                  <a:txBody>
+                    <a:bodyPr/>
+                    <a:lstStyle/>
+                    <a:p>
+                      <a:r>
+                        <a:rPr lang="en-US" sz="1400" dirty="0"/>
+                        <a:t>OLS</a:t>
+                      </a:r>
+                      <a:endParaRPr lang="es-MX" sz="1400" dirty="0"/>
+                    </a:p>
+                  </a:txBody>
+                  <a:tcPr>
+                    <a:lnL w="12700" cap="flat" cmpd="sng" algn="ctr">
+                      <a:solidFill>
+                        <a:schemeClr val="tx1"/>
+                      </a:solidFill>
+                      <a:prstDash val="solid"/>
+                      <a:round/>
+                      <a:headEnd type="none" w="med" len="med"/>
+                      <a:tailEnd type="none" w="med" len="med"/>
+                    </a:lnL>
+                    <a:lnR w="12700" cap="flat" cmpd="sng" algn="ctr">
+                      <a:solidFill>
+                        <a:schemeClr val="tx1"/>
+                      </a:solidFill>
+                      <a:prstDash val="solid"/>
+                      <a:round/>
+                      <a:headEnd type="none" w="med" len="med"/>
+                      <a:tailEnd type="none" w="med" len="med"/>
+                    </a:lnR>
+                    <a:lnT w="12700" cap="flat" cmpd="sng" algn="ctr">
+                      <a:solidFill>
+                        <a:schemeClr val="tx1"/>
+                      </a:solidFill>
+                      <a:prstDash val="solid"/>
+                      <a:round/>
+                      <a:headEnd type="none" w="med" len="med"/>
+                      <a:tailEnd type="none" w="med" len="med"/>
+                    </a:lnT>
+                    <a:lnB w="12700" cap="flat" cmpd="sng" algn="ctr">
+                      <a:solidFill>
+                        <a:schemeClr val="tx1"/>
+                      </a:solidFill>
+                      <a:prstDash val="solid"/>
+                      <a:round/>
+                      <a:headEnd type="none" w="med" len="med"/>
+                      <a:tailEnd type="none" w="med" len="med"/>
+                    </a:lnB>
+                    <a:solidFill>
+                      <a:schemeClr val="bg1">
+                        <a:lumMod val="95000"/>
+                      </a:schemeClr>
+                    </a:solidFill>
+                  </a:tcPr>
+                </a:tc>
+                <a:tc>
+                  <a:txBody>
+                    <a:bodyPr/>
+                    <a:lstStyle/>
+                    <a:p>
+                      <a:r>
+                        <a:rPr lang="es-MX" sz="1400" b="0" i="0" u="none" strike="noStrike" kern="1200" dirty="0" err="1">
+                          <a:solidFill>
+                            <a:schemeClr val="dk1"/>
+                          </a:solidFill>
+                          <a:effectLst/>
+                          <a:latin typeface="+mn-lt"/>
+                          <a:ea typeface="+mn-ea"/>
+                          <a:cs typeface="+mn-cs"/>
+                        </a:rPr>
+                        <a:t>wagei</a:t>
+                      </a:r>
+                      <a:r>
+                        <a:rPr lang="es-MX" sz="1400" b="0" i="0" u="none" strike="noStrike" kern="1200" dirty="0">
+                          <a:solidFill>
+                            <a:schemeClr val="dk1"/>
+                          </a:solidFill>
+                          <a:effectLst/>
+                          <a:latin typeface="+mn-lt"/>
+                          <a:ea typeface="+mn-ea"/>
+                          <a:cs typeface="+mn-cs"/>
+                        </a:rPr>
+                        <a:t>=−17.98−1.14∗blacki+2.54∗educi+0.19∗experi+0.00005∗faminci−5.74∗femalei+3.48∗metroi−1.45∗midwesti−1.22∗southi+</a:t>
+                      </a:r>
+                      <a:r>
+                        <a:rPr lang="el-GR" sz="1400" b="0" i="0" u="none" strike="noStrike" kern="1200" dirty="0">
+                          <a:solidFill>
+                            <a:schemeClr val="dk1"/>
+                          </a:solidFill>
+                          <a:effectLst/>
+                          <a:latin typeface="+mn-lt"/>
+                          <a:ea typeface="+mn-ea"/>
+                          <a:cs typeface="+mn-cs"/>
+                        </a:rPr>
+                        <a:t>ε</a:t>
+                      </a:r>
+                      <a:r>
+                        <a:rPr lang="es-MX" sz="1400" b="0" i="0" u="none" strike="noStrike" kern="1200" dirty="0">
+                          <a:solidFill>
+                            <a:schemeClr val="dk1"/>
+                          </a:solidFill>
+                          <a:effectLst/>
+                          <a:latin typeface="+mn-lt"/>
+                          <a:ea typeface="+mn-ea"/>
+                          <a:cs typeface="+mn-cs"/>
+                        </a:rPr>
+                        <a:t>i</a:t>
+                      </a:r>
+                      <a:endParaRPr lang="es-MX" sz="1400" dirty="0"/>
+                    </a:p>
+                  </a:txBody>
+                  <a:tcPr>
+                    <a:lnL w="12700" cap="flat" cmpd="sng" algn="ctr">
+                      <a:solidFill>
+                        <a:schemeClr val="tx1"/>
+                      </a:solidFill>
+                      <a:prstDash val="solid"/>
+                      <a:round/>
+                      <a:headEnd type="none" w="med" len="med"/>
+                      <a:tailEnd type="none" w="med" len="med"/>
+                    </a:lnL>
+                    <a:lnR w="12700" cap="flat" cmpd="sng" algn="ctr">
+                      <a:solidFill>
+                        <a:schemeClr val="tx1"/>
+                      </a:solidFill>
+                      <a:prstDash val="solid"/>
+                      <a:round/>
+                      <a:headEnd type="none" w="med" len="med"/>
+                      <a:tailEnd type="none" w="med" len="med"/>
+                    </a:lnR>
+                    <a:lnT w="12700" cap="flat" cmpd="sng" algn="ctr">
+                      <a:solidFill>
+                        <a:schemeClr val="tx1"/>
+                      </a:solidFill>
+                      <a:prstDash val="solid"/>
+                      <a:round/>
+                      <a:headEnd type="none" w="med" len="med"/>
+                      <a:tailEnd type="none" w="med" len="med"/>
+                    </a:lnT>
+                    <a:lnB w="12700" cap="flat" cmpd="sng" algn="ctr">
+                      <a:solidFill>
+                        <a:schemeClr val="tx1"/>
+                      </a:solidFill>
+                      <a:prstDash val="solid"/>
+                      <a:round/>
+                      <a:headEnd type="none" w="med" len="med"/>
+                      <a:tailEnd type="none" w="med" len="med"/>
+                    </a:lnB>
+                    <a:solidFill>
+                      <a:schemeClr val="bg1">
+                        <a:lumMod val="95000"/>
+                      </a:schemeClr>
+                    </a:solidFill>
+                  </a:tcPr>
+                </a:tc>
+                <a:tc>
+                  <a:txBody>
+                    <a:bodyPr/>
+                    <a:lstStyle/>
+                    <a:p>
+                      <a:r>
+                        <a:rPr lang="es-ES" sz="1400" dirty="0"/>
+                        <a:t>0.27</a:t>
+                      </a:r>
+                      <a:endParaRPr lang="es-MX" sz="1400" dirty="0"/>
+                    </a:p>
+                  </a:txBody>
+                  <a:tcPr>
+                    <a:lnL w="12700" cap="flat" cmpd="sng" algn="ctr">
+                      <a:solidFill>
+                        <a:schemeClr val="tx1"/>
+                      </a:solidFill>
+                      <a:prstDash val="solid"/>
+                      <a:round/>
+                      <a:headEnd type="none" w="med" len="med"/>
+                      <a:tailEnd type="none" w="med" len="med"/>
+                    </a:lnL>
+                    <a:lnR w="12700" cap="flat" cmpd="sng" algn="ctr">
+                      <a:solidFill>
+                        <a:schemeClr val="tx1"/>
+                      </a:solidFill>
+                      <a:prstDash val="solid"/>
+                      <a:round/>
+                      <a:headEnd type="none" w="med" len="med"/>
+                      <a:tailEnd type="none" w="med" len="med"/>
+                    </a:lnR>
+                    <a:lnT w="12700" cap="flat" cmpd="sng" algn="ctr">
+                      <a:solidFill>
+                        <a:schemeClr val="tx1"/>
+                      </a:solidFill>
+                      <a:prstDash val="solid"/>
+                      <a:round/>
+                      <a:headEnd type="none" w="med" len="med"/>
+                      <a:tailEnd type="none" w="med" len="med"/>
+                    </a:lnT>
+                    <a:lnB w="12700" cap="flat" cmpd="sng" algn="ctr">
+                      <a:solidFill>
+                        <a:schemeClr val="tx1"/>
+                      </a:solidFill>
+                      <a:prstDash val="solid"/>
+                      <a:round/>
+                      <a:headEnd type="none" w="med" len="med"/>
+                      <a:tailEnd type="none" w="med" len="med"/>
+                    </a:lnB>
+                    <a:solidFill>
+                      <a:schemeClr val="bg1">
+                        <a:lumMod val="95000"/>
+                      </a:schemeClr>
+                    </a:solidFill>
+                  </a:tcPr>
+                </a:tc>
+                <a:tc>
+                  <a:txBody>
+                    <a:bodyPr/>
+                    <a:lstStyle/>
+                    <a:p>
+                      <a:r>
+                        <a:rPr lang="en-US" sz="1400" dirty="0"/>
+                        <a:t>Las variables black, Midwest </a:t>
+                      </a:r>
+                      <a:r>
+                        <a:rPr lang="es-ES" sz="1400" dirty="0"/>
+                        <a:t>&amp; </a:t>
+                      </a:r>
+                      <a:r>
+                        <a:rPr lang="es-ES" sz="1400" dirty="0" err="1"/>
+                        <a:t>south</a:t>
+                      </a:r>
+                      <a:r>
+                        <a:rPr lang="es-ES" sz="1400" dirty="0"/>
+                        <a:t> no son significativas </a:t>
+                      </a:r>
+                      <a:endParaRPr lang="es-MX" sz="1400" dirty="0"/>
+                    </a:p>
+                  </a:txBody>
+                  <a:tcPr>
+                    <a:lnL w="12700" cap="flat" cmpd="sng" algn="ctr">
+                      <a:solidFill>
+                        <a:schemeClr val="tx1"/>
+                      </a:solidFill>
+                      <a:prstDash val="solid"/>
+                      <a:round/>
+                      <a:headEnd type="none" w="med" len="med"/>
+                      <a:tailEnd type="none" w="med" len="med"/>
+                    </a:lnL>
+                    <a:lnR w="12700" cap="flat" cmpd="sng" algn="ctr">
+                      <a:solidFill>
+                        <a:schemeClr val="tx1"/>
+                      </a:solidFill>
+                      <a:prstDash val="solid"/>
+                      <a:round/>
+                      <a:headEnd type="none" w="med" len="med"/>
+                      <a:tailEnd type="none" w="med" len="med"/>
+                    </a:lnR>
+                    <a:lnT w="12700" cap="flat" cmpd="sng" algn="ctr">
+                      <a:solidFill>
+                        <a:schemeClr val="tx1"/>
+                      </a:solidFill>
+                      <a:prstDash val="solid"/>
+                      <a:round/>
+                      <a:headEnd type="none" w="med" len="med"/>
+                      <a:tailEnd type="none" w="med" len="med"/>
+                    </a:lnT>
+                    <a:lnB w="12700" cap="flat" cmpd="sng" algn="ctr">
+                      <a:solidFill>
+                        <a:schemeClr val="tx1"/>
+                      </a:solidFill>
+                      <a:prstDash val="solid"/>
+                      <a:round/>
+                      <a:headEnd type="none" w="med" len="med"/>
+                      <a:tailEnd type="none" w="med" len="med"/>
+                    </a:lnB>
+                    <a:solidFill>
+                      <a:schemeClr val="bg1">
+                        <a:lumMod val="95000"/>
+                      </a:schemeClr>
+                    </a:solidFill>
+                  </a:tcPr>
+                </a:tc>
+                <a:tc>
+                  <a:txBody>
+                    <a:bodyPr/>
+                    <a:lstStyle/>
+                    <a:p>
+                      <a:endParaRPr lang="es-MX" sz="1400" dirty="0"/>
+                    </a:p>
+                  </a:txBody>
+                  <a:tcPr>
+                    <a:lnL w="12700" cap="flat" cmpd="sng" algn="ctr">
+                      <a:solidFill>
+                        <a:schemeClr val="tx1"/>
+                      </a:solidFill>
+                      <a:prstDash val="solid"/>
+                      <a:round/>
+                      <a:headEnd type="none" w="med" len="med"/>
+                      <a:tailEnd type="none" w="med" len="med"/>
+                    </a:lnL>
+                    <a:lnR w="12700" cap="flat" cmpd="sng" algn="ctr">
+                      <a:solidFill>
+                        <a:schemeClr val="tx1"/>
+                      </a:solidFill>
+                      <a:prstDash val="solid"/>
+                      <a:round/>
+                      <a:headEnd type="none" w="med" len="med"/>
+                      <a:tailEnd type="none" w="med" len="med"/>
+                    </a:lnR>
+                    <a:lnT w="12700" cap="flat" cmpd="sng" algn="ctr">
+                      <a:solidFill>
+                        <a:schemeClr val="tx1"/>
+                      </a:solidFill>
+                      <a:prstDash val="solid"/>
+                      <a:round/>
+                      <a:headEnd type="none" w="med" len="med"/>
+                      <a:tailEnd type="none" w="med" len="med"/>
+                    </a:lnT>
+                    <a:lnB w="12700" cap="flat" cmpd="sng" algn="ctr">
+                      <a:solidFill>
+                        <a:schemeClr val="tx1"/>
+                      </a:solidFill>
+                      <a:prstDash val="solid"/>
+                      <a:round/>
+                      <a:headEnd type="none" w="med" len="med"/>
+                      <a:tailEnd type="none" w="med" len="med"/>
+                    </a:lnB>
+                    <a:solidFill>
+                      <a:schemeClr val="bg1">
+                        <a:lumMod val="95000"/>
+                      </a:schemeClr>
+                    </a:solidFill>
+                  </a:tcPr>
+                </a:tc>
+                <a:tc>
+                  <a:txBody>
+                    <a:bodyPr/>
+                    <a:lstStyle/>
+                    <a:p>
+                      <a:endParaRPr lang="es-MX" sz="1400" dirty="0"/>
+                    </a:p>
+                  </a:txBody>
+                  <a:tcPr>
+                    <a:lnL w="12700" cap="flat" cmpd="sng" algn="ctr">
+                      <a:solidFill>
+                        <a:schemeClr val="tx1"/>
+                      </a:solidFill>
+                      <a:prstDash val="solid"/>
+                      <a:round/>
+                      <a:headEnd type="none" w="med" len="med"/>
+                      <a:tailEnd type="none" w="med" len="med"/>
+                    </a:lnL>
+                    <a:lnR w="12700" cap="flat" cmpd="sng" algn="ctr">
+                      <a:solidFill>
+                        <a:schemeClr val="tx1"/>
+                      </a:solidFill>
+                      <a:prstDash val="solid"/>
+                      <a:round/>
+                      <a:headEnd type="none" w="med" len="med"/>
+                      <a:tailEnd type="none" w="med" len="med"/>
+                    </a:lnR>
+                    <a:lnT w="12700" cap="flat" cmpd="sng" algn="ctr">
+                      <a:solidFill>
+                        <a:schemeClr val="tx1"/>
+                      </a:solidFill>
+                      <a:prstDash val="solid"/>
+                      <a:round/>
+                      <a:headEnd type="none" w="med" len="med"/>
+                      <a:tailEnd type="none" w="med" len="med"/>
+                    </a:lnT>
+                    <a:lnB w="12700" cap="flat" cmpd="sng" algn="ctr">
+                      <a:solidFill>
+                        <a:schemeClr val="tx1"/>
+                      </a:solidFill>
+                      <a:prstDash val="solid"/>
+                      <a:round/>
+                      <a:headEnd type="none" w="med" len="med"/>
+                      <a:tailEnd type="none" w="med" len="med"/>
+                    </a:lnB>
+                    <a:solidFill>
+                      <a:schemeClr val="bg1">
+                        <a:lumMod val="95000"/>
+                      </a:schemeClr>
+                    </a:solidFill>
+                  </a:tcPr>
+                </a:tc>
+                <a:extLst>
+                  <a:ext uri="{0D108BD9-81ED-4DB2-BD59-A6C34878D82A}">
+                    <a16:rowId xmlns:a16="http://schemas.microsoft.com/office/drawing/2014/main" val="2927469552"/>
+                  </a:ext>
+                </a:extLst>
+              </a:tr>
+              <a:tr h="370840">
+                <a:tc>
+                  <a:txBody>
+                    <a:bodyPr/>
+                    <a:lstStyle/>
+                    <a:p>
+                      <a:r>
+                        <a:rPr lang="en-US" sz="1400" dirty="0"/>
+                        <a:t>MCO2</a:t>
+                      </a:r>
+                      <a:endParaRPr lang="es-MX" sz="1400" dirty="0"/>
+                    </a:p>
+                  </a:txBody>
+                  <a:tcPr>
+                    <a:lnL w="12700" cap="flat" cmpd="sng" algn="ctr">
+                      <a:solidFill>
+                        <a:schemeClr val="tx1"/>
+                      </a:solidFill>
+                      <a:prstDash val="solid"/>
+                      <a:round/>
+                      <a:headEnd type="none" w="med" len="med"/>
+                      <a:tailEnd type="none" w="med" len="med"/>
+                    </a:lnL>
+                    <a:lnR w="12700" cap="flat" cmpd="sng" algn="ctr">
+                      <a:solidFill>
+                        <a:schemeClr val="tx1"/>
+                      </a:solidFill>
+                      <a:prstDash val="solid"/>
+                      <a:round/>
+                      <a:headEnd type="none" w="med" len="med"/>
+                      <a:tailEnd type="none" w="med" len="med"/>
+                    </a:lnR>
+                    <a:lnT w="12700" cap="flat" cmpd="sng" algn="ctr">
+                      <a:solidFill>
+                        <a:schemeClr val="tx1"/>
+                      </a:solidFill>
+                      <a:prstDash val="solid"/>
+                      <a:round/>
+                      <a:headEnd type="none" w="med" len="med"/>
+                      <a:tailEnd type="none" w="med" len="med"/>
+                    </a:lnT>
+                    <a:lnB w="12700" cap="flat" cmpd="sng" algn="ctr">
+                      <a:solidFill>
+                        <a:schemeClr val="tx1"/>
+                      </a:solidFill>
+                      <a:prstDash val="solid"/>
+                      <a:round/>
+                      <a:headEnd type="none" w="med" len="med"/>
+                      <a:tailEnd type="none" w="med" len="med"/>
+                    </a:lnB>
+                    <a:solidFill>
+                      <a:schemeClr val="bg1">
+                        <a:lumMod val="95000"/>
+                      </a:schemeClr>
+                    </a:solidFill>
+                  </a:tcPr>
+                </a:tc>
+                <a:tc>
+                  <a:txBody>
+                    <a:bodyPr/>
+                    <a:lstStyle/>
+                    <a:p>
+                      <a:r>
+                        <a:rPr lang="en-US" sz="1400" dirty="0"/>
+                        <a:t>OLS</a:t>
+                      </a:r>
+                      <a:endParaRPr lang="es-MX" sz="1400" dirty="0"/>
+                    </a:p>
+                  </a:txBody>
+                  <a:tcPr>
+                    <a:lnL w="12700" cap="flat" cmpd="sng" algn="ctr">
+                      <a:solidFill>
+                        <a:schemeClr val="tx1"/>
+                      </a:solidFill>
+                      <a:prstDash val="solid"/>
+                      <a:round/>
+                      <a:headEnd type="none" w="med" len="med"/>
+                      <a:tailEnd type="none" w="med" len="med"/>
+                    </a:lnL>
+                    <a:lnR w="12700" cap="flat" cmpd="sng" algn="ctr">
+                      <a:solidFill>
+                        <a:schemeClr val="tx1"/>
+                      </a:solidFill>
+                      <a:prstDash val="solid"/>
+                      <a:round/>
+                      <a:headEnd type="none" w="med" len="med"/>
+                      <a:tailEnd type="none" w="med" len="med"/>
+                    </a:lnR>
+                    <a:lnT w="12700" cap="flat" cmpd="sng" algn="ctr">
+                      <a:solidFill>
+                        <a:schemeClr val="tx1"/>
+                      </a:solidFill>
+                      <a:prstDash val="solid"/>
+                      <a:round/>
+                      <a:headEnd type="none" w="med" len="med"/>
+                      <a:tailEnd type="none" w="med" len="med"/>
+                    </a:lnT>
+                    <a:lnB w="12700" cap="flat" cmpd="sng" algn="ctr">
+                      <a:solidFill>
+                        <a:schemeClr val="tx1"/>
+                      </a:solidFill>
+                      <a:prstDash val="solid"/>
+                      <a:round/>
+                      <a:headEnd type="none" w="med" len="med"/>
+                      <a:tailEnd type="none" w="med" len="med"/>
+                    </a:lnB>
+                    <a:solidFill>
+                      <a:schemeClr val="bg1">
+                        <a:lumMod val="95000"/>
+                      </a:schemeClr>
+                    </a:solidFill>
+                  </a:tcPr>
+                </a:tc>
+                <a:tc>
+                  <a:txBody>
+                    <a:bodyPr/>
+                    <a:lstStyle/>
+                    <a:p>
+                      <a:r>
+                        <a:rPr lang="es-MX" sz="1400" b="0" i="0" u="none" strike="noStrike" kern="1200" dirty="0" err="1">
+                          <a:solidFill>
+                            <a:schemeClr val="dk1"/>
+                          </a:solidFill>
+                          <a:effectLst/>
+                          <a:latin typeface="+mn-lt"/>
+                          <a:ea typeface="+mn-ea"/>
+                          <a:cs typeface="+mn-cs"/>
+                        </a:rPr>
+                        <a:t>wagei</a:t>
+                      </a:r>
+                      <a:r>
+                        <a:rPr lang="es-MX" sz="1400" b="0" i="0" u="none" strike="noStrike" kern="1200" dirty="0">
+                          <a:solidFill>
+                            <a:schemeClr val="dk1"/>
+                          </a:solidFill>
+                          <a:effectLst/>
+                          <a:latin typeface="+mn-lt"/>
+                          <a:ea typeface="+mn-ea"/>
+                          <a:cs typeface="+mn-cs"/>
+                        </a:rPr>
+                        <a:t>=−17.98−1.14∗blacki+2.54∗educi+0.19∗experi+0.00005∗faminci−5.74∗femalei+3.48∗metroi−1.45∗midwesti−1.22∗southi+</a:t>
+                      </a:r>
+                      <a:r>
+                        <a:rPr lang="el-GR" sz="1400" b="0" i="0" u="none" strike="noStrike" kern="1200" dirty="0">
+                          <a:solidFill>
+                            <a:schemeClr val="dk1"/>
+                          </a:solidFill>
+                          <a:effectLst/>
+                          <a:latin typeface="+mn-lt"/>
+                          <a:ea typeface="+mn-ea"/>
+                          <a:cs typeface="+mn-cs"/>
+                        </a:rPr>
+                        <a:t>ε</a:t>
+                      </a:r>
+                      <a:r>
+                        <a:rPr lang="es-MX" sz="1400" b="0" i="0" u="none" strike="noStrike" kern="1200" dirty="0">
+                          <a:solidFill>
+                            <a:schemeClr val="dk1"/>
+                          </a:solidFill>
+                          <a:effectLst/>
+                          <a:latin typeface="+mn-lt"/>
+                          <a:ea typeface="+mn-ea"/>
+                          <a:cs typeface="+mn-cs"/>
+                        </a:rPr>
+                        <a:t>i</a:t>
+                      </a:r>
+                      <a:endParaRPr lang="es-MX" sz="1400" dirty="0"/>
+                    </a:p>
+                  </a:txBody>
+                  <a:tcPr>
+                    <a:lnL w="12700" cap="flat" cmpd="sng" algn="ctr">
+                      <a:solidFill>
+                        <a:schemeClr val="tx1"/>
+                      </a:solidFill>
+                      <a:prstDash val="solid"/>
+                      <a:round/>
+                      <a:headEnd type="none" w="med" len="med"/>
+                      <a:tailEnd type="none" w="med" len="med"/>
+                    </a:lnL>
+                    <a:lnR w="12700" cap="flat" cmpd="sng" algn="ctr">
+                      <a:solidFill>
+                        <a:schemeClr val="tx1"/>
+                      </a:solidFill>
+                      <a:prstDash val="solid"/>
+                      <a:round/>
+                      <a:headEnd type="none" w="med" len="med"/>
+                      <a:tailEnd type="none" w="med" len="med"/>
+                    </a:lnR>
+                    <a:lnT w="12700" cap="flat" cmpd="sng" algn="ctr">
+                      <a:solidFill>
+                        <a:schemeClr val="tx1"/>
+                      </a:solidFill>
+                      <a:prstDash val="solid"/>
+                      <a:round/>
+                      <a:headEnd type="none" w="med" len="med"/>
+                      <a:tailEnd type="none" w="med" len="med"/>
+                    </a:lnT>
+                    <a:lnB w="12700" cap="flat" cmpd="sng" algn="ctr">
+                      <a:solidFill>
+                        <a:schemeClr val="tx1"/>
+                      </a:solidFill>
+                      <a:prstDash val="solid"/>
+                      <a:round/>
+                      <a:headEnd type="none" w="med" len="med"/>
+                      <a:tailEnd type="none" w="med" len="med"/>
+                    </a:lnB>
+                    <a:solidFill>
+                      <a:schemeClr val="bg1">
+                        <a:lumMod val="95000"/>
+                      </a:schemeClr>
+                    </a:solidFill>
+                  </a:tcPr>
+                </a:tc>
+                <a:tc>
+                  <a:txBody>
+                    <a:bodyPr/>
+                    <a:lstStyle/>
+                    <a:p>
+                      <a:r>
+                        <a:rPr lang="es-ES" sz="1400" dirty="0"/>
+                        <a:t>0.27</a:t>
+                      </a:r>
+                      <a:endParaRPr lang="es-MX" sz="1400" dirty="0"/>
+                    </a:p>
+                  </a:txBody>
+                  <a:tcPr>
+                    <a:lnL w="12700" cap="flat" cmpd="sng" algn="ctr">
+                      <a:solidFill>
+                        <a:schemeClr val="tx1"/>
+                      </a:solidFill>
+                      <a:prstDash val="solid"/>
+                      <a:round/>
+                      <a:headEnd type="none" w="med" len="med"/>
+                      <a:tailEnd type="none" w="med" len="med"/>
+                    </a:lnL>
+                    <a:lnR w="12700" cap="flat" cmpd="sng" algn="ctr">
+                      <a:solidFill>
+                        <a:schemeClr val="tx1"/>
+                      </a:solidFill>
+                      <a:prstDash val="solid"/>
+                      <a:round/>
+                      <a:headEnd type="none" w="med" len="med"/>
+                      <a:tailEnd type="none" w="med" len="med"/>
+                    </a:lnR>
+                    <a:lnT w="12700" cap="flat" cmpd="sng" algn="ctr">
+                      <a:solidFill>
+                        <a:schemeClr val="tx1"/>
+                      </a:solidFill>
+                      <a:prstDash val="solid"/>
+                      <a:round/>
+                      <a:headEnd type="none" w="med" len="med"/>
+                      <a:tailEnd type="none" w="med" len="med"/>
+                    </a:lnT>
+                    <a:lnB w="12700" cap="flat" cmpd="sng" algn="ctr">
+                      <a:solidFill>
+                        <a:schemeClr val="tx1"/>
+                      </a:solidFill>
+                      <a:prstDash val="solid"/>
+                      <a:round/>
+                      <a:headEnd type="none" w="med" len="med"/>
+                      <a:tailEnd type="none" w="med" len="med"/>
+                    </a:lnB>
+                    <a:solidFill>
+                      <a:schemeClr val="bg1">
+                        <a:lumMod val="95000"/>
+                      </a:schemeClr>
+                    </a:solidFill>
+                  </a:tcPr>
+                </a:tc>
+                <a:tc>
+                  <a:txBody>
+                    <a:bodyPr/>
+                    <a:lstStyle/>
+                    <a:p>
+                      <a:r>
+                        <a:rPr lang="en-US" sz="1400" dirty="0"/>
+                        <a:t>Las variables black, Midwest </a:t>
+                      </a:r>
+                      <a:r>
+                        <a:rPr lang="es-ES" sz="1400" dirty="0"/>
+                        <a:t>&amp; </a:t>
+                      </a:r>
+                      <a:r>
+                        <a:rPr lang="es-ES" sz="1400" dirty="0" err="1"/>
+                        <a:t>south</a:t>
+                      </a:r>
+                      <a:r>
+                        <a:rPr lang="es-ES" sz="1400" dirty="0"/>
+                        <a:t> no son significativas </a:t>
+                      </a:r>
+                      <a:endParaRPr lang="es-MX" sz="1400" dirty="0"/>
+                    </a:p>
+                  </a:txBody>
+                  <a:tcPr>
+                    <a:lnL w="12700" cap="flat" cmpd="sng" algn="ctr">
+                      <a:solidFill>
+                        <a:schemeClr val="tx1"/>
+                      </a:solidFill>
+                      <a:prstDash val="solid"/>
+                      <a:round/>
+                      <a:headEnd type="none" w="med" len="med"/>
+                      <a:tailEnd type="none" w="med" len="med"/>
+                    </a:lnL>
+                    <a:lnR w="12700" cap="flat" cmpd="sng" algn="ctr">
+                      <a:solidFill>
+                        <a:schemeClr val="tx1"/>
+                      </a:solidFill>
+                      <a:prstDash val="solid"/>
+                      <a:round/>
+                      <a:headEnd type="none" w="med" len="med"/>
+                      <a:tailEnd type="none" w="med" len="med"/>
+                    </a:lnR>
+                    <a:lnT w="12700" cap="flat" cmpd="sng" algn="ctr">
+                      <a:solidFill>
+                        <a:schemeClr val="tx1"/>
+                      </a:solidFill>
+                      <a:prstDash val="solid"/>
+                      <a:round/>
+                      <a:headEnd type="none" w="med" len="med"/>
+                      <a:tailEnd type="none" w="med" len="med"/>
+                    </a:lnT>
+                    <a:lnB w="12700" cap="flat" cmpd="sng" algn="ctr">
+                      <a:solidFill>
+                        <a:schemeClr val="tx1"/>
+                      </a:solidFill>
+                      <a:prstDash val="solid"/>
+                      <a:round/>
+                      <a:headEnd type="none" w="med" len="med"/>
+                      <a:tailEnd type="none" w="med" len="med"/>
+                    </a:lnB>
+                    <a:solidFill>
+                      <a:schemeClr val="bg1">
+                        <a:lumMod val="95000"/>
+                      </a:schemeClr>
+                    </a:solidFill>
+                  </a:tcPr>
+                </a:tc>
+                <a:tc>
+                  <a:txBody>
+                    <a:bodyPr/>
+                    <a:lstStyle/>
+                    <a:p>
+                      <a:endParaRPr lang="es-MX"/>
+                    </a:p>
+                  </a:txBody>
+                  <a:tcPr>
+                    <a:lnL w="12700" cap="flat" cmpd="sng" algn="ctr">
+                      <a:solidFill>
+                        <a:schemeClr val="tx1"/>
+                      </a:solidFill>
+                      <a:prstDash val="solid"/>
+                      <a:round/>
+                      <a:headEnd type="none" w="med" len="med"/>
+                      <a:tailEnd type="none" w="med" len="med"/>
+                    </a:lnL>
+                    <a:lnR w="12700" cap="flat" cmpd="sng" algn="ctr">
+                      <a:solidFill>
+                        <a:schemeClr val="tx1"/>
+                      </a:solidFill>
+                      <a:prstDash val="solid"/>
+                      <a:round/>
+                      <a:headEnd type="none" w="med" len="med"/>
+                      <a:tailEnd type="none" w="med" len="med"/>
+                    </a:lnR>
+                    <a:lnT w="12700" cap="flat" cmpd="sng" algn="ctr">
+                      <a:solidFill>
+                        <a:schemeClr val="tx1"/>
+                      </a:solidFill>
+                      <a:prstDash val="solid"/>
+                      <a:round/>
+                      <a:headEnd type="none" w="med" len="med"/>
+                      <a:tailEnd type="none" w="med" len="med"/>
+                    </a:lnT>
+                    <a:lnB w="12700" cap="flat" cmpd="sng" algn="ctr">
+                      <a:solidFill>
+                        <a:schemeClr val="tx1"/>
+                      </a:solidFill>
+                      <a:prstDash val="solid"/>
+                      <a:round/>
+                      <a:headEnd type="none" w="med" len="med"/>
+                      <a:tailEnd type="none" w="med" len="med"/>
+                    </a:lnB>
+                    <a:solidFill>
+                      <a:schemeClr val="bg1">
+                        <a:lumMod val="95000"/>
+                      </a:schemeClr>
+                    </a:solidFill>
+                  </a:tcPr>
+                </a:tc>
+                <a:tc>
+                  <a:txBody>
+                    <a:bodyPr/>
+                    <a:lstStyle/>
+                    <a:p>
+                      <a:endParaRPr lang="es-MX"/>
+                    </a:p>
+                  </a:txBody>
+                  <a:tcPr>
+                    <a:lnL w="12700" cap="flat" cmpd="sng" algn="ctr">
+                      <a:solidFill>
+                        <a:schemeClr val="tx1"/>
+                      </a:solidFill>
+                      <a:prstDash val="solid"/>
+                      <a:round/>
+                      <a:headEnd type="none" w="med" len="med"/>
+                      <a:tailEnd type="none" w="med" len="med"/>
+                    </a:lnL>
+                    <a:lnR w="12700" cap="flat" cmpd="sng" algn="ctr">
+                      <a:solidFill>
+                        <a:schemeClr val="tx1"/>
+                      </a:solidFill>
+                      <a:prstDash val="solid"/>
+                      <a:round/>
+                      <a:headEnd type="none" w="med" len="med"/>
+                      <a:tailEnd type="none" w="med" len="med"/>
+                    </a:lnR>
+                    <a:lnT w="12700" cap="flat" cmpd="sng" algn="ctr">
+                      <a:solidFill>
+                        <a:schemeClr val="tx1"/>
+                      </a:solidFill>
+                      <a:prstDash val="solid"/>
+                      <a:round/>
+                      <a:headEnd type="none" w="med" len="med"/>
+                      <a:tailEnd type="none" w="med" len="med"/>
+                    </a:lnT>
+                    <a:lnB w="12700" cap="flat" cmpd="sng" algn="ctr">
+                      <a:solidFill>
+                        <a:schemeClr val="tx1"/>
+                      </a:solidFill>
+                      <a:prstDash val="solid"/>
+                      <a:round/>
+                      <a:headEnd type="none" w="med" len="med"/>
+                      <a:tailEnd type="none" w="med" len="med"/>
+                    </a:lnB>
+                    <a:solidFill>
+                      <a:schemeClr val="bg1">
+                        <a:lumMod val="95000"/>
+                      </a:schemeClr>
+                    </a:solidFill>
+                  </a:tcPr>
+                </a:tc>
+                <a:extLst>
+                  <a:ext uri="{0D108BD9-81ED-4DB2-BD59-A6C34878D82A}">
+                    <a16:rowId xmlns:a16="http://schemas.microsoft.com/office/drawing/2014/main" val="3432259154"/>
+                  </a:ext>
+                </a:extLst>
+              </a:tr>
+              <a:tr h="370840">
+                <a:tc>
+                  <a:txBody>
+                    <a:bodyPr/>
+                    <a:lstStyle/>
+                    <a:p>
+                      <a:endParaRPr lang="es-MX"/>
+                    </a:p>
+                  </a:txBody>
+                  <a:tcPr>
+                    <a:lnL w="12700" cap="flat" cmpd="sng" algn="ctr">
+                      <a:solidFill>
+                        <a:schemeClr val="tx1"/>
+                      </a:solidFill>
+                      <a:prstDash val="solid"/>
+                      <a:round/>
+                      <a:headEnd type="none" w="med" len="med"/>
+                      <a:tailEnd type="none" w="med" len="med"/>
+                    </a:lnL>
+                    <a:lnR w="12700" cap="flat" cmpd="sng" algn="ctr">
+                      <a:solidFill>
+                        <a:schemeClr val="tx1"/>
+                      </a:solidFill>
+                      <a:prstDash val="solid"/>
+                      <a:round/>
+                      <a:headEnd type="none" w="med" len="med"/>
+                      <a:tailEnd type="none" w="med" len="med"/>
+                    </a:lnR>
+                    <a:lnT w="12700" cap="flat" cmpd="sng" algn="ctr">
+                      <a:solidFill>
+                        <a:schemeClr val="tx1"/>
+                      </a:solidFill>
+                      <a:prstDash val="solid"/>
+                      <a:round/>
+                      <a:headEnd type="none" w="med" len="med"/>
+                      <a:tailEnd type="none" w="med" len="med"/>
+                    </a:lnT>
+                    <a:lnB w="12700" cap="flat" cmpd="sng" algn="ctr">
+                      <a:solidFill>
+                        <a:schemeClr val="tx1"/>
+                      </a:solidFill>
+                      <a:prstDash val="solid"/>
+                      <a:round/>
+                      <a:headEnd type="none" w="med" len="med"/>
+                      <a:tailEnd type="none" w="med" len="med"/>
+                    </a:lnB>
+                    <a:solidFill>
+                      <a:schemeClr val="bg1">
+                        <a:lumMod val="95000"/>
+                      </a:schemeClr>
+                    </a:solidFill>
+                  </a:tcPr>
+                </a:tc>
+                <a:tc>
+                  <a:txBody>
+                    <a:bodyPr/>
+                    <a:lstStyle/>
+                    <a:p>
+                      <a:endParaRPr lang="es-MX" dirty="0"/>
+                    </a:p>
+                  </a:txBody>
+                  <a:tcPr>
+                    <a:lnL w="12700" cap="flat" cmpd="sng" algn="ctr">
+                      <a:solidFill>
+                        <a:schemeClr val="tx1"/>
+                      </a:solidFill>
+                      <a:prstDash val="solid"/>
+                      <a:round/>
+                      <a:headEnd type="none" w="med" len="med"/>
+                      <a:tailEnd type="none" w="med" len="med"/>
+                    </a:lnL>
+                    <a:lnR w="12700" cap="flat" cmpd="sng" algn="ctr">
+                      <a:solidFill>
+                        <a:schemeClr val="tx1"/>
+                      </a:solidFill>
+                      <a:prstDash val="solid"/>
+                      <a:round/>
+                      <a:headEnd type="none" w="med" len="med"/>
+                      <a:tailEnd type="none" w="med" len="med"/>
+                    </a:lnR>
+                    <a:lnT w="12700" cap="flat" cmpd="sng" algn="ctr">
+                      <a:solidFill>
+                        <a:schemeClr val="tx1"/>
+                      </a:solidFill>
+                      <a:prstDash val="solid"/>
+                      <a:round/>
+                      <a:headEnd type="none" w="med" len="med"/>
+                      <a:tailEnd type="none" w="med" len="med"/>
+                    </a:lnT>
+                    <a:lnB w="12700" cap="flat" cmpd="sng" algn="ctr">
+                      <a:solidFill>
+                        <a:schemeClr val="tx1"/>
+                      </a:solidFill>
+                      <a:prstDash val="solid"/>
+                      <a:round/>
+                      <a:headEnd type="none" w="med" len="med"/>
+                      <a:tailEnd type="none" w="med" len="med"/>
+                    </a:lnB>
+                    <a:solidFill>
+                      <a:schemeClr val="bg1">
+                        <a:lumMod val="95000"/>
+                      </a:schemeClr>
+                    </a:solidFill>
+                  </a:tcPr>
+                </a:tc>
+                <a:tc>
+                  <a:txBody>
+                    <a:bodyPr/>
+                    <a:lstStyle/>
+                    <a:p>
+                      <a:endParaRPr lang="es-MX"/>
+                    </a:p>
+                  </a:txBody>
+                  <a:tcPr>
+                    <a:lnL w="12700" cap="flat" cmpd="sng" algn="ctr">
+                      <a:solidFill>
+                        <a:schemeClr val="tx1"/>
+                      </a:solidFill>
+                      <a:prstDash val="solid"/>
+                      <a:round/>
+                      <a:headEnd type="none" w="med" len="med"/>
+                      <a:tailEnd type="none" w="med" len="med"/>
+                    </a:lnL>
+                    <a:lnR w="12700" cap="flat" cmpd="sng" algn="ctr">
+                      <a:solidFill>
+                        <a:schemeClr val="tx1"/>
+                      </a:solidFill>
+                      <a:prstDash val="solid"/>
+                      <a:round/>
+                      <a:headEnd type="none" w="med" len="med"/>
+                      <a:tailEnd type="none" w="med" len="med"/>
+                    </a:lnR>
+                    <a:lnT w="12700" cap="flat" cmpd="sng" algn="ctr">
+                      <a:solidFill>
+                        <a:schemeClr val="tx1"/>
+                      </a:solidFill>
+                      <a:prstDash val="solid"/>
+                      <a:round/>
+                      <a:headEnd type="none" w="med" len="med"/>
+                      <a:tailEnd type="none" w="med" len="med"/>
+                    </a:lnT>
+                    <a:lnB w="12700" cap="flat" cmpd="sng" algn="ctr">
+                      <a:solidFill>
+                        <a:schemeClr val="tx1"/>
+                      </a:solidFill>
+                      <a:prstDash val="solid"/>
+                      <a:round/>
+                      <a:headEnd type="none" w="med" len="med"/>
+                      <a:tailEnd type="none" w="med" len="med"/>
+                    </a:lnB>
+                    <a:solidFill>
+                      <a:schemeClr val="bg1">
+                        <a:lumMod val="95000"/>
+                      </a:schemeClr>
+                    </a:solidFill>
+                  </a:tcPr>
+                </a:tc>
+                <a:tc>
+                  <a:txBody>
+                    <a:bodyPr/>
+                    <a:lstStyle/>
+                    <a:p>
+                      <a:endParaRPr lang="es-MX"/>
+                    </a:p>
+                  </a:txBody>
+                  <a:tcPr>
+                    <a:lnL w="12700" cap="flat" cmpd="sng" algn="ctr">
+                      <a:solidFill>
+                        <a:schemeClr val="tx1"/>
+                      </a:solidFill>
+                      <a:prstDash val="solid"/>
+                      <a:round/>
+                      <a:headEnd type="none" w="med" len="med"/>
+                      <a:tailEnd type="none" w="med" len="med"/>
+                    </a:lnL>
+                    <a:lnR w="12700" cap="flat" cmpd="sng" algn="ctr">
+                      <a:solidFill>
+                        <a:schemeClr val="tx1"/>
+                      </a:solidFill>
+                      <a:prstDash val="solid"/>
+                      <a:round/>
+                      <a:headEnd type="none" w="med" len="med"/>
+                      <a:tailEnd type="none" w="med" len="med"/>
+                    </a:lnR>
+                    <a:lnT w="12700" cap="flat" cmpd="sng" algn="ctr">
+                      <a:solidFill>
+                        <a:schemeClr val="tx1"/>
+                      </a:solidFill>
+                      <a:prstDash val="solid"/>
+                      <a:round/>
+                      <a:headEnd type="none" w="med" len="med"/>
+                      <a:tailEnd type="none" w="med" len="med"/>
+                    </a:lnT>
+                    <a:lnB w="12700" cap="flat" cmpd="sng" algn="ctr">
+                      <a:solidFill>
+                        <a:schemeClr val="tx1"/>
+                      </a:solidFill>
+                      <a:prstDash val="solid"/>
+                      <a:round/>
+                      <a:headEnd type="none" w="med" len="med"/>
+                      <a:tailEnd type="none" w="med" len="med"/>
+                    </a:lnB>
+                    <a:solidFill>
+                      <a:schemeClr val="bg1">
+                        <a:lumMod val="95000"/>
+                      </a:schemeClr>
+                    </a:solidFill>
+                  </a:tcPr>
+                </a:tc>
+                <a:tc>
+                  <a:txBody>
+                    <a:bodyPr/>
+                    <a:lstStyle/>
+                    <a:p>
+                      <a:endParaRPr lang="es-MX" dirty="0"/>
+                    </a:p>
+                  </a:txBody>
+                  <a:tcPr>
+                    <a:lnL w="12700" cap="flat" cmpd="sng" algn="ctr">
+                      <a:solidFill>
+                        <a:schemeClr val="tx1"/>
+                      </a:solidFill>
+                      <a:prstDash val="solid"/>
+                      <a:round/>
+                      <a:headEnd type="none" w="med" len="med"/>
+                      <a:tailEnd type="none" w="med" len="med"/>
+                    </a:lnL>
+                    <a:lnR w="12700" cap="flat" cmpd="sng" algn="ctr">
+                      <a:solidFill>
+                        <a:schemeClr val="tx1"/>
+                      </a:solidFill>
+                      <a:prstDash val="solid"/>
+                      <a:round/>
+                      <a:headEnd type="none" w="med" len="med"/>
+                      <a:tailEnd type="none" w="med" len="med"/>
+                    </a:lnR>
+                    <a:lnT w="12700" cap="flat" cmpd="sng" algn="ctr">
+                      <a:solidFill>
+                        <a:schemeClr val="tx1"/>
+                      </a:solidFill>
+                      <a:prstDash val="solid"/>
+                      <a:round/>
+                      <a:headEnd type="none" w="med" len="med"/>
+                      <a:tailEnd type="none" w="med" len="med"/>
+                    </a:lnT>
+                    <a:lnB w="12700" cap="flat" cmpd="sng" algn="ctr">
+                      <a:solidFill>
+                        <a:schemeClr val="tx1"/>
+                      </a:solidFill>
+                      <a:prstDash val="solid"/>
+                      <a:round/>
+                      <a:headEnd type="none" w="med" len="med"/>
+                      <a:tailEnd type="none" w="med" len="med"/>
+                    </a:lnB>
+                    <a:solidFill>
+                      <a:schemeClr val="bg1">
+                        <a:lumMod val="95000"/>
+                      </a:schemeClr>
+                    </a:solidFill>
+                  </a:tcPr>
+                </a:tc>
+                <a:tc>
+                  <a:txBody>
+                    <a:bodyPr/>
+                    <a:lstStyle/>
+                    <a:p>
+                      <a:endParaRPr lang="es-MX"/>
+                    </a:p>
+                  </a:txBody>
+                  <a:tcPr>
+                    <a:lnL w="12700" cap="flat" cmpd="sng" algn="ctr">
+                      <a:solidFill>
+                        <a:schemeClr val="tx1"/>
+                      </a:solidFill>
+                      <a:prstDash val="solid"/>
+                      <a:round/>
+                      <a:headEnd type="none" w="med" len="med"/>
+                      <a:tailEnd type="none" w="med" len="med"/>
+                    </a:lnL>
+                    <a:lnR w="12700" cap="flat" cmpd="sng" algn="ctr">
+                      <a:solidFill>
+                        <a:schemeClr val="tx1"/>
+                      </a:solidFill>
+                      <a:prstDash val="solid"/>
+                      <a:round/>
+                      <a:headEnd type="none" w="med" len="med"/>
+                      <a:tailEnd type="none" w="med" len="med"/>
+                    </a:lnR>
+                    <a:lnT w="12700" cap="flat" cmpd="sng" algn="ctr">
+                      <a:solidFill>
+                        <a:schemeClr val="tx1"/>
+                      </a:solidFill>
+                      <a:prstDash val="solid"/>
+                      <a:round/>
+                      <a:headEnd type="none" w="med" len="med"/>
+                      <a:tailEnd type="none" w="med" len="med"/>
+                    </a:lnT>
+                    <a:lnB w="12700" cap="flat" cmpd="sng" algn="ctr">
+                      <a:solidFill>
+                        <a:schemeClr val="tx1"/>
+                      </a:solidFill>
+                      <a:prstDash val="solid"/>
+                      <a:round/>
+                      <a:headEnd type="none" w="med" len="med"/>
+                      <a:tailEnd type="none" w="med" len="med"/>
+                    </a:lnB>
+                    <a:solidFill>
+                      <a:schemeClr val="bg1">
+                        <a:lumMod val="95000"/>
+                      </a:schemeClr>
+                    </a:solidFill>
+                  </a:tcPr>
+                </a:tc>
+                <a:tc>
+                  <a:txBody>
+                    <a:bodyPr/>
+                    <a:lstStyle/>
+                    <a:p>
+                      <a:endParaRPr lang="es-MX"/>
+                    </a:p>
+                  </a:txBody>
+                  <a:tcPr>
+                    <a:lnL w="12700" cap="flat" cmpd="sng" algn="ctr">
+                      <a:solidFill>
+                        <a:schemeClr val="tx1"/>
+                      </a:solidFill>
+                      <a:prstDash val="solid"/>
+                      <a:round/>
+                      <a:headEnd type="none" w="med" len="med"/>
+                      <a:tailEnd type="none" w="med" len="med"/>
+                    </a:lnL>
+                    <a:lnR w="12700" cap="flat" cmpd="sng" algn="ctr">
+                      <a:solidFill>
+                        <a:schemeClr val="tx1"/>
+                      </a:solidFill>
+                      <a:prstDash val="solid"/>
+                      <a:round/>
+                      <a:headEnd type="none" w="med" len="med"/>
+                      <a:tailEnd type="none" w="med" len="med"/>
+                    </a:lnR>
+                    <a:lnT w="12700" cap="flat" cmpd="sng" algn="ctr">
+                      <a:solidFill>
+                        <a:schemeClr val="tx1"/>
+                      </a:solidFill>
+                      <a:prstDash val="solid"/>
+                      <a:round/>
+                      <a:headEnd type="none" w="med" len="med"/>
+                      <a:tailEnd type="none" w="med" len="med"/>
+                    </a:lnT>
+                    <a:lnB w="12700" cap="flat" cmpd="sng" algn="ctr">
+                      <a:solidFill>
+                        <a:schemeClr val="tx1"/>
+                      </a:solidFill>
+                      <a:prstDash val="solid"/>
+                      <a:round/>
+                      <a:headEnd type="none" w="med" len="med"/>
+                      <a:tailEnd type="none" w="med" len="med"/>
+                    </a:lnB>
+                    <a:solidFill>
+                      <a:schemeClr val="bg1">
+                        <a:lumMod val="95000"/>
+                      </a:schemeClr>
+                    </a:solidFill>
+                  </a:tcPr>
+                </a:tc>
+                <a:extLst>
+                  <a:ext uri="{0D108BD9-81ED-4DB2-BD59-A6C34878D82A}">
+                    <a16:rowId xmlns:a16="http://schemas.microsoft.com/office/drawing/2014/main" val="1995994737"/>
+                  </a:ext>
+                </a:extLst>
+              </a:tr>
+              <a:tr h="370840">
+                <a:tc>
+                  <a:txBody>
+                    <a:bodyPr/>
+                    <a:lstStyle/>
+                    <a:p>
+                      <a:endParaRPr lang="es-MX"/>
+                    </a:p>
+                  </a:txBody>
+                  <a:tcPr>
+                    <a:lnL w="12700" cap="flat" cmpd="sng" algn="ctr">
+                      <a:solidFill>
+                        <a:schemeClr val="tx1"/>
+                      </a:solidFill>
+                      <a:prstDash val="solid"/>
+                      <a:round/>
+                      <a:headEnd type="none" w="med" len="med"/>
+                      <a:tailEnd type="none" w="med" len="med"/>
+                    </a:lnL>
+                    <a:lnR w="12700" cap="flat" cmpd="sng" algn="ctr">
+                      <a:solidFill>
+                        <a:schemeClr val="tx1"/>
+                      </a:solidFill>
+                      <a:prstDash val="solid"/>
+                      <a:round/>
+                      <a:headEnd type="none" w="med" len="med"/>
+                      <a:tailEnd type="none" w="med" len="med"/>
+                    </a:lnR>
+                    <a:lnT w="12700" cap="flat" cmpd="sng" algn="ctr">
+                      <a:solidFill>
+                        <a:schemeClr val="tx1"/>
+                      </a:solidFill>
+                      <a:prstDash val="solid"/>
+                      <a:round/>
+                      <a:headEnd type="none" w="med" len="med"/>
+                      <a:tailEnd type="none" w="med" len="med"/>
+                    </a:lnT>
+                    <a:lnB w="12700" cap="flat" cmpd="sng" algn="ctr">
+                      <a:solidFill>
+                        <a:schemeClr val="tx1"/>
+                      </a:solidFill>
+                      <a:prstDash val="solid"/>
+                      <a:round/>
+                      <a:headEnd type="none" w="med" len="med"/>
+                      <a:tailEnd type="none" w="med" len="med"/>
+                    </a:lnB>
+                    <a:solidFill>
+                      <a:schemeClr val="bg1">
+                        <a:lumMod val="95000"/>
+                      </a:schemeClr>
+                    </a:solidFill>
+                  </a:tcPr>
+                </a:tc>
+                <a:tc>
+                  <a:txBody>
+                    <a:bodyPr/>
+                    <a:lstStyle/>
+                    <a:p>
+                      <a:endParaRPr lang="es-MX" dirty="0"/>
+                    </a:p>
+                  </a:txBody>
+                  <a:tcPr>
+                    <a:lnL w="12700" cap="flat" cmpd="sng" algn="ctr">
+                      <a:solidFill>
+                        <a:schemeClr val="tx1"/>
+                      </a:solidFill>
+                      <a:prstDash val="solid"/>
+                      <a:round/>
+                      <a:headEnd type="none" w="med" len="med"/>
+                      <a:tailEnd type="none" w="med" len="med"/>
+                    </a:lnL>
+                    <a:lnR w="12700" cap="flat" cmpd="sng" algn="ctr">
+                      <a:solidFill>
+                        <a:schemeClr val="tx1"/>
+                      </a:solidFill>
+                      <a:prstDash val="solid"/>
+                      <a:round/>
+                      <a:headEnd type="none" w="med" len="med"/>
+                      <a:tailEnd type="none" w="med" len="med"/>
+                    </a:lnR>
+                    <a:lnT w="12700" cap="flat" cmpd="sng" algn="ctr">
+                      <a:solidFill>
+                        <a:schemeClr val="tx1"/>
+                      </a:solidFill>
+                      <a:prstDash val="solid"/>
+                      <a:round/>
+                      <a:headEnd type="none" w="med" len="med"/>
+                      <a:tailEnd type="none" w="med" len="med"/>
+                    </a:lnT>
+                    <a:lnB w="12700" cap="flat" cmpd="sng" algn="ctr">
+                      <a:solidFill>
+                        <a:schemeClr val="tx1"/>
+                      </a:solidFill>
+                      <a:prstDash val="solid"/>
+                      <a:round/>
+                      <a:headEnd type="none" w="med" len="med"/>
+                      <a:tailEnd type="none" w="med" len="med"/>
+                    </a:lnB>
+                    <a:solidFill>
+                      <a:schemeClr val="bg1">
+                        <a:lumMod val="95000"/>
+                      </a:schemeClr>
+                    </a:solidFill>
+                  </a:tcPr>
+                </a:tc>
+                <a:tc>
+                  <a:txBody>
+                    <a:bodyPr/>
+                    <a:lstStyle/>
+                    <a:p>
+                      <a:endParaRPr lang="es-MX"/>
+                    </a:p>
+                  </a:txBody>
+                  <a:tcPr>
+                    <a:lnL w="12700" cap="flat" cmpd="sng" algn="ctr">
+                      <a:solidFill>
+                        <a:schemeClr val="tx1"/>
+                      </a:solidFill>
+                      <a:prstDash val="solid"/>
+                      <a:round/>
+                      <a:headEnd type="none" w="med" len="med"/>
+                      <a:tailEnd type="none" w="med" len="med"/>
+                    </a:lnL>
+                    <a:lnR w="12700" cap="flat" cmpd="sng" algn="ctr">
+                      <a:solidFill>
+                        <a:schemeClr val="tx1"/>
+                      </a:solidFill>
+                      <a:prstDash val="solid"/>
+                      <a:round/>
+                      <a:headEnd type="none" w="med" len="med"/>
+                      <a:tailEnd type="none" w="med" len="med"/>
+                    </a:lnR>
+                    <a:lnT w="12700" cap="flat" cmpd="sng" algn="ctr">
+                      <a:solidFill>
+                        <a:schemeClr val="tx1"/>
+                      </a:solidFill>
+                      <a:prstDash val="solid"/>
+                      <a:round/>
+                      <a:headEnd type="none" w="med" len="med"/>
+                      <a:tailEnd type="none" w="med" len="med"/>
+                    </a:lnT>
+                    <a:lnB w="12700" cap="flat" cmpd="sng" algn="ctr">
+                      <a:solidFill>
+                        <a:schemeClr val="tx1"/>
+                      </a:solidFill>
+                      <a:prstDash val="solid"/>
+                      <a:round/>
+                      <a:headEnd type="none" w="med" len="med"/>
+                      <a:tailEnd type="none" w="med" len="med"/>
+                    </a:lnB>
+                    <a:solidFill>
+                      <a:schemeClr val="bg1">
+                        <a:lumMod val="95000"/>
+                      </a:schemeClr>
+                    </a:solidFill>
+                  </a:tcPr>
+                </a:tc>
+                <a:tc>
+                  <a:txBody>
+                    <a:bodyPr/>
+                    <a:lstStyle/>
+                    <a:p>
+                      <a:endParaRPr lang="es-MX"/>
+                    </a:p>
+                  </a:txBody>
+                  <a:tcPr>
+                    <a:lnL w="12700" cap="flat" cmpd="sng" algn="ctr">
+                      <a:solidFill>
+                        <a:schemeClr val="tx1"/>
+                      </a:solidFill>
+                      <a:prstDash val="solid"/>
+                      <a:round/>
+                      <a:headEnd type="none" w="med" len="med"/>
+                      <a:tailEnd type="none" w="med" len="med"/>
+                    </a:lnL>
+                    <a:lnR w="12700" cap="flat" cmpd="sng" algn="ctr">
+                      <a:solidFill>
+                        <a:schemeClr val="tx1"/>
+                      </a:solidFill>
+                      <a:prstDash val="solid"/>
+                      <a:round/>
+                      <a:headEnd type="none" w="med" len="med"/>
+                      <a:tailEnd type="none" w="med" len="med"/>
+                    </a:lnR>
+                    <a:lnT w="12700" cap="flat" cmpd="sng" algn="ctr">
+                      <a:solidFill>
+                        <a:schemeClr val="tx1"/>
+                      </a:solidFill>
+                      <a:prstDash val="solid"/>
+                      <a:round/>
+                      <a:headEnd type="none" w="med" len="med"/>
+                      <a:tailEnd type="none" w="med" len="med"/>
+                    </a:lnT>
+                    <a:lnB w="12700" cap="flat" cmpd="sng" algn="ctr">
+                      <a:solidFill>
+                        <a:schemeClr val="tx1"/>
+                      </a:solidFill>
+                      <a:prstDash val="solid"/>
+                      <a:round/>
+                      <a:headEnd type="none" w="med" len="med"/>
+                      <a:tailEnd type="none" w="med" len="med"/>
+                    </a:lnB>
+                    <a:solidFill>
+                      <a:schemeClr val="bg1">
+                        <a:lumMod val="95000"/>
+                      </a:schemeClr>
+                    </a:solidFill>
+                  </a:tcPr>
+                </a:tc>
+                <a:tc>
+                  <a:txBody>
+                    <a:bodyPr/>
+                    <a:lstStyle/>
+                    <a:p>
+                      <a:endParaRPr lang="es-MX" dirty="0"/>
+                    </a:p>
+                  </a:txBody>
+                  <a:tcPr>
+                    <a:lnL w="12700" cap="flat" cmpd="sng" algn="ctr">
+                      <a:solidFill>
+                        <a:schemeClr val="tx1"/>
+                      </a:solidFill>
+                      <a:prstDash val="solid"/>
+                      <a:round/>
+                      <a:headEnd type="none" w="med" len="med"/>
+                      <a:tailEnd type="none" w="med" len="med"/>
+                    </a:lnL>
+                    <a:lnR w="12700" cap="flat" cmpd="sng" algn="ctr">
+                      <a:solidFill>
+                        <a:schemeClr val="tx1"/>
+                      </a:solidFill>
+                      <a:prstDash val="solid"/>
+                      <a:round/>
+                      <a:headEnd type="none" w="med" len="med"/>
+                      <a:tailEnd type="none" w="med" len="med"/>
+                    </a:lnR>
+                    <a:lnT w="12700" cap="flat" cmpd="sng" algn="ctr">
+                      <a:solidFill>
+                        <a:schemeClr val="tx1"/>
+                      </a:solidFill>
+                      <a:prstDash val="solid"/>
+                      <a:round/>
+                      <a:headEnd type="none" w="med" len="med"/>
+                      <a:tailEnd type="none" w="med" len="med"/>
+                    </a:lnT>
+                    <a:lnB w="12700" cap="flat" cmpd="sng" algn="ctr">
+                      <a:solidFill>
+                        <a:schemeClr val="tx1"/>
+                      </a:solidFill>
+                      <a:prstDash val="solid"/>
+                      <a:round/>
+                      <a:headEnd type="none" w="med" len="med"/>
+                      <a:tailEnd type="none" w="med" len="med"/>
+                    </a:lnB>
+                    <a:solidFill>
+                      <a:schemeClr val="bg1">
+                        <a:lumMod val="95000"/>
+                      </a:schemeClr>
+                    </a:solidFill>
+                  </a:tcPr>
+                </a:tc>
+                <a:tc>
+                  <a:txBody>
+                    <a:bodyPr/>
+                    <a:lstStyle/>
+                    <a:p>
+                      <a:endParaRPr lang="es-MX"/>
+                    </a:p>
+                  </a:txBody>
+                  <a:tcPr>
+                    <a:lnL w="12700" cap="flat" cmpd="sng" algn="ctr">
+                      <a:solidFill>
+                        <a:schemeClr val="tx1"/>
+                      </a:solidFill>
+                      <a:prstDash val="solid"/>
+                      <a:round/>
+                      <a:headEnd type="none" w="med" len="med"/>
+                      <a:tailEnd type="none" w="med" len="med"/>
+                    </a:lnL>
+                    <a:lnR w="12700" cap="flat" cmpd="sng" algn="ctr">
+                      <a:solidFill>
+                        <a:schemeClr val="tx1"/>
+                      </a:solidFill>
+                      <a:prstDash val="solid"/>
+                      <a:round/>
+                      <a:headEnd type="none" w="med" len="med"/>
+                      <a:tailEnd type="none" w="med" len="med"/>
+                    </a:lnR>
+                    <a:lnT w="12700" cap="flat" cmpd="sng" algn="ctr">
+                      <a:solidFill>
+                        <a:schemeClr val="tx1"/>
+                      </a:solidFill>
+                      <a:prstDash val="solid"/>
+                      <a:round/>
+                      <a:headEnd type="none" w="med" len="med"/>
+                      <a:tailEnd type="none" w="med" len="med"/>
+                    </a:lnT>
+                    <a:lnB w="12700" cap="flat" cmpd="sng" algn="ctr">
+                      <a:solidFill>
+                        <a:schemeClr val="tx1"/>
+                      </a:solidFill>
+                      <a:prstDash val="solid"/>
+                      <a:round/>
+                      <a:headEnd type="none" w="med" len="med"/>
+                      <a:tailEnd type="none" w="med" len="med"/>
+                    </a:lnB>
+                    <a:solidFill>
+                      <a:schemeClr val="bg1">
+                        <a:lumMod val="95000"/>
+                      </a:schemeClr>
+                    </a:solidFill>
+                  </a:tcPr>
+                </a:tc>
+                <a:tc>
+                  <a:txBody>
+                    <a:bodyPr/>
+                    <a:lstStyle/>
+                    <a:p>
+                      <a:endParaRPr lang="es-MX"/>
+                    </a:p>
+                  </a:txBody>
+                  <a:tcPr>
+                    <a:lnL w="12700" cap="flat" cmpd="sng" algn="ctr">
+                      <a:solidFill>
+                        <a:schemeClr val="tx1"/>
+                      </a:solidFill>
+                      <a:prstDash val="solid"/>
+                      <a:round/>
+                      <a:headEnd type="none" w="med" len="med"/>
+                      <a:tailEnd type="none" w="med" len="med"/>
+                    </a:lnL>
+                    <a:lnR w="12700" cap="flat" cmpd="sng" algn="ctr">
+                      <a:solidFill>
+                        <a:schemeClr val="tx1"/>
+                      </a:solidFill>
+                      <a:prstDash val="solid"/>
+                      <a:round/>
+                      <a:headEnd type="none" w="med" len="med"/>
+                      <a:tailEnd type="none" w="med" len="med"/>
+                    </a:lnR>
+                    <a:lnT w="12700" cap="flat" cmpd="sng" algn="ctr">
+                      <a:solidFill>
+                        <a:schemeClr val="tx1"/>
+                      </a:solidFill>
+                      <a:prstDash val="solid"/>
+                      <a:round/>
+                      <a:headEnd type="none" w="med" len="med"/>
+                      <a:tailEnd type="none" w="med" len="med"/>
+                    </a:lnT>
+                    <a:lnB w="12700" cap="flat" cmpd="sng" algn="ctr">
+                      <a:solidFill>
+                        <a:schemeClr val="tx1"/>
+                      </a:solidFill>
+                      <a:prstDash val="solid"/>
+                      <a:round/>
+                      <a:headEnd type="none" w="med" len="med"/>
+                      <a:tailEnd type="none" w="med" len="med"/>
+                    </a:lnB>
+                    <a:solidFill>
+                      <a:schemeClr val="bg1">
+                        <a:lumMod val="95000"/>
+                      </a:schemeClr>
+                    </a:solidFill>
+                  </a:tcPr>
+                </a:tc>
+                <a:extLst>
+                  <a:ext uri="{0D108BD9-81ED-4DB2-BD59-A6C34878D82A}">
+                    <a16:rowId xmlns:a16="http://schemas.microsoft.com/office/drawing/2014/main" val="738788230"/>
+                  </a:ext>
+                </a:extLst>
+              </a:tr>
+              <a:tr h="370840">
+                <a:tc>
+                  <a:txBody>
+                    <a:bodyPr/>
+                    <a:lstStyle/>
+                    <a:p>
+                      <a:endParaRPr lang="es-MX"/>
+                    </a:p>
+                  </a:txBody>
+                  <a:tcPr>
+                    <a:lnL w="12700" cap="flat" cmpd="sng" algn="ctr">
+                      <a:solidFill>
+                        <a:schemeClr val="tx1"/>
+                      </a:solidFill>
+                      <a:prstDash val="solid"/>
+                      <a:round/>
+                      <a:headEnd type="none" w="med" len="med"/>
+                      <a:tailEnd type="none" w="med" len="med"/>
+                    </a:lnL>
+                    <a:lnR w="12700" cap="flat" cmpd="sng" algn="ctr">
+                      <a:solidFill>
+                        <a:schemeClr val="tx1"/>
+                      </a:solidFill>
+                      <a:prstDash val="solid"/>
+                      <a:round/>
+                      <a:headEnd type="none" w="med" len="med"/>
+                      <a:tailEnd type="none" w="med" len="med"/>
+                    </a:lnR>
+                    <a:lnT w="12700" cap="flat" cmpd="sng" algn="ctr">
+                      <a:solidFill>
+                        <a:schemeClr val="tx1"/>
+                      </a:solidFill>
+                      <a:prstDash val="solid"/>
+                      <a:round/>
+                      <a:headEnd type="none" w="med" len="med"/>
+                      <a:tailEnd type="none" w="med" len="med"/>
+                    </a:lnT>
+                    <a:lnB w="12700" cap="flat" cmpd="sng" algn="ctr">
+                      <a:solidFill>
+                        <a:schemeClr val="tx1"/>
+                      </a:solidFill>
+                      <a:prstDash val="solid"/>
+                      <a:round/>
+                      <a:headEnd type="none" w="med" len="med"/>
+                      <a:tailEnd type="none" w="med" len="med"/>
+                    </a:lnB>
+                    <a:solidFill>
+                      <a:schemeClr val="bg1">
+                        <a:lumMod val="95000"/>
+                      </a:schemeClr>
+                    </a:solidFill>
+                  </a:tcPr>
+                </a:tc>
+                <a:tc>
+                  <a:txBody>
+                    <a:bodyPr/>
+                    <a:lstStyle/>
+                    <a:p>
+                      <a:endParaRPr lang="es-MX" dirty="0"/>
+                    </a:p>
+                  </a:txBody>
+                  <a:tcPr>
+                    <a:lnL w="12700" cap="flat" cmpd="sng" algn="ctr">
+                      <a:solidFill>
+                        <a:schemeClr val="tx1"/>
+                      </a:solidFill>
+                      <a:prstDash val="solid"/>
+                      <a:round/>
+                      <a:headEnd type="none" w="med" len="med"/>
+                      <a:tailEnd type="none" w="med" len="med"/>
+                    </a:lnL>
+                    <a:lnR w="12700" cap="flat" cmpd="sng" algn="ctr">
+                      <a:solidFill>
+                        <a:schemeClr val="tx1"/>
+                      </a:solidFill>
+                      <a:prstDash val="solid"/>
+                      <a:round/>
+                      <a:headEnd type="none" w="med" len="med"/>
+                      <a:tailEnd type="none" w="med" len="med"/>
+                    </a:lnR>
+                    <a:lnT w="12700" cap="flat" cmpd="sng" algn="ctr">
+                      <a:solidFill>
+                        <a:schemeClr val="tx1"/>
+                      </a:solidFill>
+                      <a:prstDash val="solid"/>
+                      <a:round/>
+                      <a:headEnd type="none" w="med" len="med"/>
+                      <a:tailEnd type="none" w="med" len="med"/>
+                    </a:lnT>
+                    <a:lnB w="12700" cap="flat" cmpd="sng" algn="ctr">
+                      <a:solidFill>
+                        <a:schemeClr val="tx1"/>
+                      </a:solidFill>
+                      <a:prstDash val="solid"/>
+                      <a:round/>
+                      <a:headEnd type="none" w="med" len="med"/>
+                      <a:tailEnd type="none" w="med" len="med"/>
+                    </a:lnB>
+                    <a:solidFill>
+                      <a:schemeClr val="bg1">
+                        <a:lumMod val="95000"/>
+                      </a:schemeClr>
+                    </a:solidFill>
+                  </a:tcPr>
+                </a:tc>
+                <a:tc>
+                  <a:txBody>
+                    <a:bodyPr/>
+                    <a:lstStyle/>
+                    <a:p>
+                      <a:endParaRPr lang="es-MX"/>
+                    </a:p>
+                  </a:txBody>
+                  <a:tcPr>
+                    <a:lnL w="12700" cap="flat" cmpd="sng" algn="ctr">
+                      <a:solidFill>
+                        <a:schemeClr val="tx1"/>
+                      </a:solidFill>
+                      <a:prstDash val="solid"/>
+                      <a:round/>
+                      <a:headEnd type="none" w="med" len="med"/>
+                      <a:tailEnd type="none" w="med" len="med"/>
+                    </a:lnL>
+                    <a:lnR w="12700" cap="flat" cmpd="sng" algn="ctr">
+                      <a:solidFill>
+                        <a:schemeClr val="tx1"/>
+                      </a:solidFill>
+                      <a:prstDash val="solid"/>
+                      <a:round/>
+                      <a:headEnd type="none" w="med" len="med"/>
+                      <a:tailEnd type="none" w="med" len="med"/>
+                    </a:lnR>
+                    <a:lnT w="12700" cap="flat" cmpd="sng" algn="ctr">
+                      <a:solidFill>
+                        <a:schemeClr val="tx1"/>
+                      </a:solidFill>
+                      <a:prstDash val="solid"/>
+                      <a:round/>
+                      <a:headEnd type="none" w="med" len="med"/>
+                      <a:tailEnd type="none" w="med" len="med"/>
+                    </a:lnT>
+                    <a:lnB w="12700" cap="flat" cmpd="sng" algn="ctr">
+                      <a:solidFill>
+                        <a:schemeClr val="tx1"/>
+                      </a:solidFill>
+                      <a:prstDash val="solid"/>
+                      <a:round/>
+                      <a:headEnd type="none" w="med" len="med"/>
+                      <a:tailEnd type="none" w="med" len="med"/>
+                    </a:lnB>
+                    <a:solidFill>
+                      <a:schemeClr val="bg1">
+                        <a:lumMod val="95000"/>
+                      </a:schemeClr>
+                    </a:solidFill>
+                  </a:tcPr>
+                </a:tc>
+                <a:tc>
+                  <a:txBody>
+                    <a:bodyPr/>
+                    <a:lstStyle/>
+                    <a:p>
+                      <a:endParaRPr lang="es-MX"/>
+                    </a:p>
+                  </a:txBody>
+                  <a:tcPr>
+                    <a:lnL w="12700" cap="flat" cmpd="sng" algn="ctr">
+                      <a:solidFill>
+                        <a:schemeClr val="tx1"/>
+                      </a:solidFill>
+                      <a:prstDash val="solid"/>
+                      <a:round/>
+                      <a:headEnd type="none" w="med" len="med"/>
+                      <a:tailEnd type="none" w="med" len="med"/>
+                    </a:lnL>
+                    <a:lnR w="12700" cap="flat" cmpd="sng" algn="ctr">
+                      <a:solidFill>
+                        <a:schemeClr val="tx1"/>
+                      </a:solidFill>
+                      <a:prstDash val="solid"/>
+                      <a:round/>
+                      <a:headEnd type="none" w="med" len="med"/>
+                      <a:tailEnd type="none" w="med" len="med"/>
+                    </a:lnR>
+                    <a:lnT w="12700" cap="flat" cmpd="sng" algn="ctr">
+                      <a:solidFill>
+                        <a:schemeClr val="tx1"/>
+                      </a:solidFill>
+                      <a:prstDash val="solid"/>
+                      <a:round/>
+                      <a:headEnd type="none" w="med" len="med"/>
+                      <a:tailEnd type="none" w="med" len="med"/>
+                    </a:lnT>
+                    <a:lnB w="12700" cap="flat" cmpd="sng" algn="ctr">
+                      <a:solidFill>
+                        <a:schemeClr val="tx1"/>
+                      </a:solidFill>
+                      <a:prstDash val="solid"/>
+                      <a:round/>
+                      <a:headEnd type="none" w="med" len="med"/>
+                      <a:tailEnd type="none" w="med" len="med"/>
+                    </a:lnB>
+                    <a:solidFill>
+                      <a:schemeClr val="bg1">
+                        <a:lumMod val="95000"/>
+                      </a:schemeClr>
+                    </a:solidFill>
+                  </a:tcPr>
+                </a:tc>
+                <a:tc>
+                  <a:txBody>
+                    <a:bodyPr/>
+                    <a:lstStyle/>
+                    <a:p>
+                      <a:endParaRPr lang="es-MX" dirty="0"/>
+                    </a:p>
+                  </a:txBody>
+                  <a:tcPr>
+                    <a:lnL w="12700" cap="flat" cmpd="sng" algn="ctr">
+                      <a:solidFill>
+                        <a:schemeClr val="tx1"/>
+                      </a:solidFill>
+                      <a:prstDash val="solid"/>
+                      <a:round/>
+                      <a:headEnd type="none" w="med" len="med"/>
+                      <a:tailEnd type="none" w="med" len="med"/>
+                    </a:lnL>
+                    <a:lnR w="12700" cap="flat" cmpd="sng" algn="ctr">
+                      <a:solidFill>
+                        <a:schemeClr val="tx1"/>
+                      </a:solidFill>
+                      <a:prstDash val="solid"/>
+                      <a:round/>
+                      <a:headEnd type="none" w="med" len="med"/>
+                      <a:tailEnd type="none" w="med" len="med"/>
+                    </a:lnR>
+                    <a:lnT w="12700" cap="flat" cmpd="sng" algn="ctr">
+                      <a:solidFill>
+                        <a:schemeClr val="tx1"/>
+                      </a:solidFill>
+                      <a:prstDash val="solid"/>
+                      <a:round/>
+                      <a:headEnd type="none" w="med" len="med"/>
+                      <a:tailEnd type="none" w="med" len="med"/>
+                    </a:lnT>
+                    <a:lnB w="12700" cap="flat" cmpd="sng" algn="ctr">
+                      <a:solidFill>
+                        <a:schemeClr val="tx1"/>
+                      </a:solidFill>
+                      <a:prstDash val="solid"/>
+                      <a:round/>
+                      <a:headEnd type="none" w="med" len="med"/>
+                      <a:tailEnd type="none" w="med" len="med"/>
+                    </a:lnB>
+                    <a:solidFill>
+                      <a:schemeClr val="bg1">
+                        <a:lumMod val="95000"/>
+                      </a:schemeClr>
+                    </a:solidFill>
+                  </a:tcPr>
+                </a:tc>
+                <a:tc>
+                  <a:txBody>
+                    <a:bodyPr/>
+                    <a:lstStyle/>
+                    <a:p>
+                      <a:endParaRPr lang="es-MX" dirty="0"/>
+                    </a:p>
+                  </a:txBody>
+                  <a:tcPr>
+                    <a:lnL w="12700" cap="flat" cmpd="sng" algn="ctr">
+                      <a:solidFill>
+                        <a:schemeClr val="tx1"/>
+                      </a:solidFill>
+                      <a:prstDash val="solid"/>
+                      <a:round/>
+                      <a:headEnd type="none" w="med" len="med"/>
+                      <a:tailEnd type="none" w="med" len="med"/>
+                    </a:lnL>
+                    <a:lnR w="12700" cap="flat" cmpd="sng" algn="ctr">
+                      <a:solidFill>
+                        <a:schemeClr val="tx1"/>
+                      </a:solidFill>
+                      <a:prstDash val="solid"/>
+                      <a:round/>
+                      <a:headEnd type="none" w="med" len="med"/>
+                      <a:tailEnd type="none" w="med" len="med"/>
+                    </a:lnR>
+                    <a:lnT w="12700" cap="flat" cmpd="sng" algn="ctr">
+                      <a:solidFill>
+                        <a:schemeClr val="tx1"/>
+                      </a:solidFill>
+                      <a:prstDash val="solid"/>
+                      <a:round/>
+                      <a:headEnd type="none" w="med" len="med"/>
+                      <a:tailEnd type="none" w="med" len="med"/>
+                    </a:lnT>
+                    <a:lnB w="12700" cap="flat" cmpd="sng" algn="ctr">
+                      <a:solidFill>
+                        <a:schemeClr val="tx1"/>
+                      </a:solidFill>
+                      <a:prstDash val="solid"/>
+                      <a:round/>
+                      <a:headEnd type="none" w="med" len="med"/>
+                      <a:tailEnd type="none" w="med" len="med"/>
+                    </a:lnB>
+                    <a:solidFill>
+                      <a:schemeClr val="bg1">
+                        <a:lumMod val="95000"/>
+                      </a:schemeClr>
+                    </a:solidFill>
+                  </a:tcPr>
+                </a:tc>
+                <a:tc>
+                  <a:txBody>
+                    <a:bodyPr/>
+                    <a:lstStyle/>
+                    <a:p>
+                      <a:endParaRPr lang="es-MX" dirty="0"/>
+                    </a:p>
+                  </a:txBody>
+                  <a:tcPr>
+                    <a:lnL w="12700" cap="flat" cmpd="sng" algn="ctr">
+                      <a:solidFill>
+                        <a:schemeClr val="tx1"/>
+                      </a:solidFill>
+                      <a:prstDash val="solid"/>
+                      <a:round/>
+                      <a:headEnd type="none" w="med" len="med"/>
+                      <a:tailEnd type="none" w="med" len="med"/>
+                    </a:lnL>
+                    <a:lnR w="12700" cap="flat" cmpd="sng" algn="ctr">
+                      <a:solidFill>
+                        <a:schemeClr val="tx1"/>
+                      </a:solidFill>
+                      <a:prstDash val="solid"/>
+                      <a:round/>
+                      <a:headEnd type="none" w="med" len="med"/>
+                      <a:tailEnd type="none" w="med" len="med"/>
+                    </a:lnR>
+                    <a:lnT w="12700" cap="flat" cmpd="sng" algn="ctr">
+                      <a:solidFill>
+                        <a:schemeClr val="tx1"/>
+                      </a:solidFill>
+                      <a:prstDash val="solid"/>
+                      <a:round/>
+                      <a:headEnd type="none" w="med" len="med"/>
+                      <a:tailEnd type="none" w="med" len="med"/>
+                    </a:lnT>
+                    <a:lnB w="12700" cap="flat" cmpd="sng" algn="ctr">
+                      <a:solidFill>
+                        <a:schemeClr val="tx1"/>
+                      </a:solidFill>
+                      <a:prstDash val="solid"/>
+                      <a:round/>
+                      <a:headEnd type="none" w="med" len="med"/>
+                      <a:tailEnd type="none" w="med" len="med"/>
+                    </a:lnB>
+                    <a:solidFill>
+                      <a:schemeClr val="bg1">
+                        <a:lumMod val="95000"/>
+                      </a:schemeClr>
+                    </a:solidFill>
+                  </a:tcPr>
+                </a:tc>
+                <a:extLst>
+                  <a:ext uri="{0D108BD9-81ED-4DB2-BD59-A6C34878D82A}">
+                    <a16:rowId xmlns:a16="http://schemas.microsoft.com/office/drawing/2014/main" val="3879690470"/>
+                  </a:ext>
+                </a:extLst>
+              </a:tr>
+            </a:tbl>
+          </a:graphicData>
+        </a:graphic>
+      </p:graphicFrame>
+    </p:spTree>
+    <p:extLst>
+      <p:ext uri="{BB962C8B-B14F-4D97-AF65-F5344CB8AC3E}">
+        <p14:creationId xmlns:p14="http://schemas.microsoft.com/office/powerpoint/2010/main" val="1459096595"/>
       </p:ext>
     </p:extLst>
   </p:cSld>
